--- a/Template-Libre-Lights.pptx
+++ b/Template-Libre-Lights.pptx
@@ -8,8 +8,6 @@
   </p:sldMasterIdLst>
   <p:sldIdLst>
     <p:sldId id="256" r:id="rId5"/>
-    <p:sldId id="257" r:id="rId6"/>
-    <p:sldId id="258" r:id="rId7"/>
   </p:sldIdLst>
   <p:sldSz cx="10080625" cy="5670550"/>
   <p:notesSz cx="7559675" cy="10691813"/>
@@ -40,7 +38,7 @@
             <a:spLocks noGrp="1"/>
           </p:cNvSpPr>
           <p:nvPr>
-            <p:ph type="ftr" idx="2"/>
+            <p:ph type="ftr" idx="1"/>
           </p:nvPr>
         </p:nvSpPr>
         <p:spPr/>
@@ -60,14 +58,14 @@
             <a:spLocks noGrp="1"/>
           </p:cNvSpPr>
           <p:nvPr>
-            <p:ph type="sldNum" idx="3"/>
-          </p:nvPr>
-        </p:nvSpPr>
-        <p:spPr/>
-        <p:txBody>
-          <a:bodyPr/>
-          <a:p>
-            <a:fld id="{19B52F99-3B2B-4937-8059-FFFB2FFAE6EE}" type="slidenum">
+            <p:ph type="sldNum" idx="2"/>
+          </p:nvPr>
+        </p:nvSpPr>
+        <p:spPr/>
+        <p:txBody>
+          <a:bodyPr/>
+          <a:p>
+            <a:fld id="{A62E48D9-D462-4FBD-A4C5-238749337D86}" type="slidenum">
               <a:t>&lt;#&gt;</a:t>
             </a:fld>
           </a:p>
@@ -80,7 +78,7 @@
             <a:spLocks noGrp="1"/>
           </p:cNvSpPr>
           <p:nvPr>
-            <p:ph type="dt" idx="1"/>
+            <p:ph type="dt" idx="3"/>
           </p:nvPr>
         </p:nvSpPr>
         <p:spPr/>
@@ -128,8 +126,8 @@
         </p:nvSpPr>
         <p:spPr>
           <a:xfrm>
-            <a:off x="540000" y="270000"/>
-            <a:ext cx="9000000" cy="990000"/>
+            <a:off x="504000" y="226080"/>
+            <a:ext cx="9072000" cy="946440"/>
           </a:xfrm>
           <a:prstGeom prst="rect">
             <a:avLst/>
@@ -147,10 +145,7 @@
             <a:pPr algn="ctr">
               <a:buNone/>
             </a:pPr>
-            <a:endParaRPr b="0" lang="en-US" sz="3300" spc="-1" strike="noStrike">
-              <a:solidFill>
-                <a:srgbClr val="ffffff"/>
-              </a:solidFill>
+            <a:endParaRPr b="0" lang="en-US" sz="4400" spc="-1" strike="noStrike">
               <a:latin typeface="Arial"/>
             </a:endParaRPr>
           </a:p>
@@ -168,8 +163,8 @@
         </p:nvSpPr>
         <p:spPr>
           <a:xfrm>
-            <a:off x="540000" y="1440000"/>
-            <a:ext cx="9000000" cy="1716840"/>
+            <a:off x="504000" y="1326600"/>
+            <a:ext cx="9072000" cy="1568520"/>
           </a:xfrm>
           <a:prstGeom prst="rect">
             <a:avLst/>
@@ -184,7 +179,7 @@
             <a:normAutofit/>
           </a:bodyPr>
           <a:p>
-            <a:endParaRPr b="0" lang="en-US" sz="2400" spc="-1" strike="noStrike">
+            <a:endParaRPr b="0" lang="en-US" sz="3200" spc="-1" strike="noStrike">
               <a:latin typeface="Arial"/>
             </a:endParaRPr>
           </a:p>
@@ -202,8 +197,8 @@
         </p:nvSpPr>
         <p:spPr>
           <a:xfrm>
-            <a:off x="540000" y="3320280"/>
-            <a:ext cx="9000000" cy="1716840"/>
+            <a:off x="504000" y="3044520"/>
+            <a:ext cx="9072000" cy="1568520"/>
           </a:xfrm>
           <a:prstGeom prst="rect">
             <a:avLst/>
@@ -218,7 +213,7 @@
             <a:normAutofit/>
           </a:bodyPr>
           <a:p>
-            <a:endParaRPr b="0" lang="en-US" sz="2400" spc="-1" strike="noStrike">
+            <a:endParaRPr b="0" lang="en-US" sz="3200" spc="-1" strike="noStrike">
               <a:latin typeface="Arial"/>
             </a:endParaRPr>
           </a:p>
@@ -231,7 +226,7 @@
             <a:spLocks noGrp="1"/>
           </p:cNvSpPr>
           <p:nvPr>
-            <p:ph type="ftr" idx="2"/>
+            <p:ph type="ftr" idx="1"/>
           </p:nvPr>
         </p:nvSpPr>
         <p:spPr/>
@@ -251,14 +246,14 @@
             <a:spLocks noGrp="1"/>
           </p:cNvSpPr>
           <p:nvPr>
-            <p:ph type="sldNum" idx="3"/>
-          </p:nvPr>
-        </p:nvSpPr>
-        <p:spPr/>
-        <p:txBody>
-          <a:bodyPr/>
-          <a:p>
-            <a:fld id="{5E520161-F9A2-4012-9B3E-C4235BFD2A0E}" type="slidenum">
+            <p:ph type="sldNum" idx="2"/>
+          </p:nvPr>
+        </p:nvSpPr>
+        <p:spPr/>
+        <p:txBody>
+          <a:bodyPr/>
+          <a:p>
+            <a:fld id="{30F295E3-9ABB-4DDE-B60E-4B33E36030D1}" type="slidenum">
               <a:t>&lt;#&gt;</a:t>
             </a:fld>
           </a:p>
@@ -271,7 +266,7 @@
             <a:spLocks noGrp="1"/>
           </p:cNvSpPr>
           <p:nvPr>
-            <p:ph type="dt" idx="1"/>
+            <p:ph type="dt" idx="3"/>
           </p:nvPr>
         </p:nvSpPr>
         <p:spPr/>
@@ -319,8 +314,8 @@
         </p:nvSpPr>
         <p:spPr>
           <a:xfrm>
-            <a:off x="540000" y="270000"/>
-            <a:ext cx="9000000" cy="990000"/>
+            <a:off x="504000" y="226080"/>
+            <a:ext cx="9072000" cy="946440"/>
           </a:xfrm>
           <a:prstGeom prst="rect">
             <a:avLst/>
@@ -338,10 +333,7 @@
             <a:pPr algn="ctr">
               <a:buNone/>
             </a:pPr>
-            <a:endParaRPr b="0" lang="en-US" sz="3300" spc="-1" strike="noStrike">
-              <a:solidFill>
-                <a:srgbClr val="ffffff"/>
-              </a:solidFill>
+            <a:endParaRPr b="0" lang="en-US" sz="4400" spc="-1" strike="noStrike">
               <a:latin typeface="Arial"/>
             </a:endParaRPr>
           </a:p>
@@ -359,8 +351,8 @@
         </p:nvSpPr>
         <p:spPr>
           <a:xfrm>
-            <a:off x="540000" y="1440000"/>
-            <a:ext cx="4391640" cy="1716840"/>
+            <a:off x="504000" y="1326600"/>
+            <a:ext cx="4426920" cy="1568520"/>
           </a:xfrm>
           <a:prstGeom prst="rect">
             <a:avLst/>
@@ -375,7 +367,7 @@
             <a:normAutofit/>
           </a:bodyPr>
           <a:p>
-            <a:endParaRPr b="0" lang="en-US" sz="2400" spc="-1" strike="noStrike">
+            <a:endParaRPr b="0" lang="en-US" sz="3200" spc="-1" strike="noStrike">
               <a:latin typeface="Arial"/>
             </a:endParaRPr>
           </a:p>
@@ -393,8 +385,8 @@
         </p:nvSpPr>
         <p:spPr>
           <a:xfrm>
-            <a:off x="5151600" y="1440000"/>
-            <a:ext cx="4391640" cy="1716840"/>
+            <a:off x="5152680" y="1326600"/>
+            <a:ext cx="4426920" cy="1568520"/>
           </a:xfrm>
           <a:prstGeom prst="rect">
             <a:avLst/>
@@ -409,7 +401,7 @@
             <a:normAutofit/>
           </a:bodyPr>
           <a:p>
-            <a:endParaRPr b="0" lang="en-US" sz="2400" spc="-1" strike="noStrike">
+            <a:endParaRPr b="0" lang="en-US" sz="3200" spc="-1" strike="noStrike">
               <a:latin typeface="Arial"/>
             </a:endParaRPr>
           </a:p>
@@ -427,8 +419,8 @@
         </p:nvSpPr>
         <p:spPr>
           <a:xfrm>
-            <a:off x="540000" y="3320280"/>
-            <a:ext cx="4391640" cy="1716840"/>
+            <a:off x="504000" y="3044520"/>
+            <a:ext cx="4426920" cy="1568520"/>
           </a:xfrm>
           <a:prstGeom prst="rect">
             <a:avLst/>
@@ -443,7 +435,7 @@
             <a:normAutofit/>
           </a:bodyPr>
           <a:p>
-            <a:endParaRPr b="0" lang="en-US" sz="2400" spc="-1" strike="noStrike">
+            <a:endParaRPr b="0" lang="en-US" sz="3200" spc="-1" strike="noStrike">
               <a:latin typeface="Arial"/>
             </a:endParaRPr>
           </a:p>
@@ -461,8 +453,8 @@
         </p:nvSpPr>
         <p:spPr>
           <a:xfrm>
-            <a:off x="5151600" y="3320280"/>
-            <a:ext cx="4391640" cy="1716840"/>
+            <a:off x="5152680" y="3044520"/>
+            <a:ext cx="4426920" cy="1568520"/>
           </a:xfrm>
           <a:prstGeom prst="rect">
             <a:avLst/>
@@ -477,7 +469,7 @@
             <a:normAutofit/>
           </a:bodyPr>
           <a:p>
-            <a:endParaRPr b="0" lang="en-US" sz="2400" spc="-1" strike="noStrike">
+            <a:endParaRPr b="0" lang="en-US" sz="3200" spc="-1" strike="noStrike">
               <a:latin typeface="Arial"/>
             </a:endParaRPr>
           </a:p>
@@ -490,7 +482,7 @@
             <a:spLocks noGrp="1"/>
           </p:cNvSpPr>
           <p:nvPr>
-            <p:ph type="ftr" idx="2"/>
+            <p:ph type="ftr" idx="1"/>
           </p:nvPr>
         </p:nvSpPr>
         <p:spPr/>
@@ -510,14 +502,14 @@
             <a:spLocks noGrp="1"/>
           </p:cNvSpPr>
           <p:nvPr>
-            <p:ph type="sldNum" idx="3"/>
-          </p:nvPr>
-        </p:nvSpPr>
-        <p:spPr/>
-        <p:txBody>
-          <a:bodyPr/>
-          <a:p>
-            <a:fld id="{3FEF6A5B-AAC4-4F6D-88C0-8AC5AAC7127E}" type="slidenum">
+            <p:ph type="sldNum" idx="2"/>
+          </p:nvPr>
+        </p:nvSpPr>
+        <p:spPr/>
+        <p:txBody>
+          <a:bodyPr/>
+          <a:p>
+            <a:fld id="{D8D9E67A-84E4-4807-9124-09EC150A8D46}" type="slidenum">
               <a:t>&lt;#&gt;</a:t>
             </a:fld>
           </a:p>
@@ -530,7 +522,7 @@
             <a:spLocks noGrp="1"/>
           </p:cNvSpPr>
           <p:nvPr>
-            <p:ph type="dt" idx="1"/>
+            <p:ph type="dt" idx="3"/>
           </p:nvPr>
         </p:nvSpPr>
         <p:spPr/>
@@ -578,8 +570,8 @@
         </p:nvSpPr>
         <p:spPr>
           <a:xfrm>
-            <a:off x="540000" y="270000"/>
-            <a:ext cx="9000000" cy="990000"/>
+            <a:off x="504000" y="226080"/>
+            <a:ext cx="9072000" cy="946440"/>
           </a:xfrm>
           <a:prstGeom prst="rect">
             <a:avLst/>
@@ -597,10 +589,7 @@
             <a:pPr algn="ctr">
               <a:buNone/>
             </a:pPr>
-            <a:endParaRPr b="0" lang="en-US" sz="3300" spc="-1" strike="noStrike">
-              <a:solidFill>
-                <a:srgbClr val="ffffff"/>
-              </a:solidFill>
+            <a:endParaRPr b="0" lang="en-US" sz="4400" spc="-1" strike="noStrike">
               <a:latin typeface="Arial"/>
             </a:endParaRPr>
           </a:p>
@@ -618,8 +607,8 @@
         </p:nvSpPr>
         <p:spPr>
           <a:xfrm>
-            <a:off x="540000" y="1440000"/>
-            <a:ext cx="2897640" cy="1716840"/>
+            <a:off x="504000" y="1326600"/>
+            <a:ext cx="2921040" cy="1568520"/>
           </a:xfrm>
           <a:prstGeom prst="rect">
             <a:avLst/>
@@ -634,7 +623,7 @@
             <a:normAutofit/>
           </a:bodyPr>
           <a:p>
-            <a:endParaRPr b="0" lang="en-US" sz="2400" spc="-1" strike="noStrike">
+            <a:endParaRPr b="0" lang="en-US" sz="3200" spc="-1" strike="noStrike">
               <a:latin typeface="Arial"/>
             </a:endParaRPr>
           </a:p>
@@ -652,8 +641,8 @@
         </p:nvSpPr>
         <p:spPr>
           <a:xfrm>
-            <a:off x="3583080" y="1440000"/>
-            <a:ext cx="2897640" cy="1716840"/>
+            <a:off x="3571560" y="1326600"/>
+            <a:ext cx="2921040" cy="1568520"/>
           </a:xfrm>
           <a:prstGeom prst="rect">
             <a:avLst/>
@@ -668,7 +657,7 @@
             <a:normAutofit/>
           </a:bodyPr>
           <a:p>
-            <a:endParaRPr b="0" lang="en-US" sz="2400" spc="-1" strike="noStrike">
+            <a:endParaRPr b="0" lang="en-US" sz="3200" spc="-1" strike="noStrike">
               <a:latin typeface="Arial"/>
             </a:endParaRPr>
           </a:p>
@@ -686,8 +675,8 @@
         </p:nvSpPr>
         <p:spPr>
           <a:xfrm>
-            <a:off x="6625800" y="1440000"/>
-            <a:ext cx="2897640" cy="1716840"/>
+            <a:off x="6639120" y="1326600"/>
+            <a:ext cx="2921040" cy="1568520"/>
           </a:xfrm>
           <a:prstGeom prst="rect">
             <a:avLst/>
@@ -702,7 +691,7 @@
             <a:normAutofit/>
           </a:bodyPr>
           <a:p>
-            <a:endParaRPr b="0" lang="en-US" sz="2400" spc="-1" strike="noStrike">
+            <a:endParaRPr b="0" lang="en-US" sz="3200" spc="-1" strike="noStrike">
               <a:latin typeface="Arial"/>
             </a:endParaRPr>
           </a:p>
@@ -720,8 +709,8 @@
         </p:nvSpPr>
         <p:spPr>
           <a:xfrm>
-            <a:off x="540000" y="3320280"/>
-            <a:ext cx="2897640" cy="1716840"/>
+            <a:off x="504000" y="3044520"/>
+            <a:ext cx="2921040" cy="1568520"/>
           </a:xfrm>
           <a:prstGeom prst="rect">
             <a:avLst/>
@@ -736,7 +725,7 @@
             <a:normAutofit/>
           </a:bodyPr>
           <a:p>
-            <a:endParaRPr b="0" lang="en-US" sz="2400" spc="-1" strike="noStrike">
+            <a:endParaRPr b="0" lang="en-US" sz="3200" spc="-1" strike="noStrike">
               <a:latin typeface="Arial"/>
             </a:endParaRPr>
           </a:p>
@@ -754,8 +743,8 @@
         </p:nvSpPr>
         <p:spPr>
           <a:xfrm>
-            <a:off x="3583080" y="3320280"/>
-            <a:ext cx="2897640" cy="1716840"/>
+            <a:off x="3571560" y="3044520"/>
+            <a:ext cx="2921040" cy="1568520"/>
           </a:xfrm>
           <a:prstGeom prst="rect">
             <a:avLst/>
@@ -770,7 +759,7 @@
             <a:normAutofit/>
           </a:bodyPr>
           <a:p>
-            <a:endParaRPr b="0" lang="en-US" sz="2400" spc="-1" strike="noStrike">
+            <a:endParaRPr b="0" lang="en-US" sz="3200" spc="-1" strike="noStrike">
               <a:latin typeface="Arial"/>
             </a:endParaRPr>
           </a:p>
@@ -788,8 +777,8 @@
         </p:nvSpPr>
         <p:spPr>
           <a:xfrm>
-            <a:off x="6625800" y="3320280"/>
-            <a:ext cx="2897640" cy="1716840"/>
+            <a:off x="6639120" y="3044520"/>
+            <a:ext cx="2921040" cy="1568520"/>
           </a:xfrm>
           <a:prstGeom prst="rect">
             <a:avLst/>
@@ -804,7 +793,7 @@
             <a:normAutofit/>
           </a:bodyPr>
           <a:p>
-            <a:endParaRPr b="0" lang="en-US" sz="2400" spc="-1" strike="noStrike">
+            <a:endParaRPr b="0" lang="en-US" sz="3200" spc="-1" strike="noStrike">
               <a:latin typeface="Arial"/>
             </a:endParaRPr>
           </a:p>
@@ -817,7 +806,7 @@
             <a:spLocks noGrp="1"/>
           </p:cNvSpPr>
           <p:nvPr>
-            <p:ph type="ftr" idx="2"/>
+            <p:ph type="ftr" idx="1"/>
           </p:nvPr>
         </p:nvSpPr>
         <p:spPr/>
@@ -837,14 +826,14 @@
             <a:spLocks noGrp="1"/>
           </p:cNvSpPr>
           <p:nvPr>
-            <p:ph type="sldNum" idx="3"/>
-          </p:nvPr>
-        </p:nvSpPr>
-        <p:spPr/>
-        <p:txBody>
-          <a:bodyPr/>
-          <a:p>
-            <a:fld id="{FD27A11D-D09C-4A36-92E4-039AF6747F71}" type="slidenum">
+            <p:ph type="sldNum" idx="2"/>
+          </p:nvPr>
+        </p:nvSpPr>
+        <p:spPr/>
+        <p:txBody>
+          <a:bodyPr/>
+          <a:p>
+            <a:fld id="{AFCA2FA9-1037-423D-8E9D-DF2F0863EC81}" type="slidenum">
               <a:t>&lt;#&gt;</a:t>
             </a:fld>
           </a:p>
@@ -857,7 +846,7 @@
             <a:spLocks noGrp="1"/>
           </p:cNvSpPr>
           <p:nvPr>
-            <p:ph type="dt" idx="1"/>
+            <p:ph type="dt" idx="3"/>
           </p:nvPr>
         </p:nvSpPr>
         <p:spPr/>
@@ -900,7 +889,7 @@
             <a:spLocks noGrp="1"/>
           </p:cNvSpPr>
           <p:nvPr>
-            <p:ph type="ftr" idx="5"/>
+            <p:ph type="ftr" idx="4"/>
           </p:nvPr>
         </p:nvSpPr>
         <p:spPr/>
@@ -920,14 +909,14 @@
             <a:spLocks noGrp="1"/>
           </p:cNvSpPr>
           <p:nvPr>
-            <p:ph type="sldNum" idx="6"/>
-          </p:nvPr>
-        </p:nvSpPr>
-        <p:spPr/>
-        <p:txBody>
-          <a:bodyPr/>
-          <a:p>
-            <a:fld id="{D04F0D33-ACF2-4599-AB25-0AF49B9DE630}" type="slidenum">
+            <p:ph type="sldNum" idx="5"/>
+          </p:nvPr>
+        </p:nvSpPr>
+        <p:spPr/>
+        <p:txBody>
+          <a:bodyPr/>
+          <a:p>
+            <a:fld id="{F146BC44-C75E-421E-81EB-8F06C2C95AED}" type="slidenum">
               <a:t>&lt;#&gt;</a:t>
             </a:fld>
           </a:p>
@@ -940,7 +929,7 @@
             <a:spLocks noGrp="1"/>
           </p:cNvSpPr>
           <p:nvPr>
-            <p:ph type="dt" idx="4"/>
+            <p:ph type="dt" idx="6"/>
           </p:nvPr>
         </p:nvSpPr>
         <p:spPr/>
@@ -988,8 +977,8 @@
         </p:nvSpPr>
         <p:spPr>
           <a:xfrm>
-            <a:off x="540000" y="270000"/>
-            <a:ext cx="9000000" cy="990000"/>
+            <a:off x="504000" y="226080"/>
+            <a:ext cx="9072000" cy="946440"/>
           </a:xfrm>
           <a:prstGeom prst="rect">
             <a:avLst/>
@@ -1007,10 +996,7 @@
             <a:pPr algn="ctr">
               <a:buNone/>
             </a:pPr>
-            <a:endParaRPr b="0" lang="en-US" sz="3300" spc="-1" strike="noStrike">
-              <a:solidFill>
-                <a:srgbClr val="ffffff"/>
-              </a:solidFill>
+            <a:endParaRPr b="0" lang="en-US" sz="4400" spc="-1" strike="noStrike">
               <a:latin typeface="Arial"/>
             </a:endParaRPr>
           </a:p>
@@ -1028,8 +1014,8 @@
         </p:nvSpPr>
         <p:spPr>
           <a:xfrm>
-            <a:off x="540000" y="1440000"/>
-            <a:ext cx="9000000" cy="3600000"/>
+            <a:off x="504000" y="1326600"/>
+            <a:ext cx="9072000" cy="3288600"/>
           </a:xfrm>
           <a:prstGeom prst="rect">
             <a:avLst/>
@@ -1060,7 +1046,7 @@
             <a:spLocks noGrp="1"/>
           </p:cNvSpPr>
           <p:nvPr>
-            <p:ph type="ftr" idx="5"/>
+            <p:ph type="ftr" idx="4"/>
           </p:nvPr>
         </p:nvSpPr>
         <p:spPr/>
@@ -1080,14 +1066,14 @@
             <a:spLocks noGrp="1"/>
           </p:cNvSpPr>
           <p:nvPr>
-            <p:ph type="sldNum" idx="6"/>
-          </p:nvPr>
-        </p:nvSpPr>
-        <p:spPr/>
-        <p:txBody>
-          <a:bodyPr/>
-          <a:p>
-            <a:fld id="{A2E7F86E-ADE3-4FDA-A8C8-67F8385AF3F6}" type="slidenum">
+            <p:ph type="sldNum" idx="5"/>
+          </p:nvPr>
+        </p:nvSpPr>
+        <p:spPr/>
+        <p:txBody>
+          <a:bodyPr/>
+          <a:p>
+            <a:fld id="{04AE5A7F-A1D0-44F5-B30A-821BB9285025}" type="slidenum">
               <a:t>&lt;#&gt;</a:t>
             </a:fld>
           </a:p>
@@ -1100,7 +1086,7 @@
             <a:spLocks noGrp="1"/>
           </p:cNvSpPr>
           <p:nvPr>
-            <p:ph type="dt" idx="4"/>
+            <p:ph type="dt" idx="6"/>
           </p:nvPr>
         </p:nvSpPr>
         <p:spPr/>
@@ -1148,8 +1134,8 @@
         </p:nvSpPr>
         <p:spPr>
           <a:xfrm>
-            <a:off x="540000" y="270000"/>
-            <a:ext cx="9000000" cy="990000"/>
+            <a:off x="504000" y="226080"/>
+            <a:ext cx="9072000" cy="946440"/>
           </a:xfrm>
           <a:prstGeom prst="rect">
             <a:avLst/>
@@ -1167,10 +1153,7 @@
             <a:pPr algn="ctr">
               <a:buNone/>
             </a:pPr>
-            <a:endParaRPr b="0" lang="en-US" sz="3300" spc="-1" strike="noStrike">
-              <a:solidFill>
-                <a:srgbClr val="ffffff"/>
-              </a:solidFill>
+            <a:endParaRPr b="0" lang="en-US" sz="4400" spc="-1" strike="noStrike">
               <a:latin typeface="Arial"/>
             </a:endParaRPr>
           </a:p>
@@ -1188,8 +1171,8 @@
         </p:nvSpPr>
         <p:spPr>
           <a:xfrm>
-            <a:off x="540000" y="1440000"/>
-            <a:ext cx="9000000" cy="3600000"/>
+            <a:off x="504000" y="1326600"/>
+            <a:ext cx="9072000" cy="3288600"/>
           </a:xfrm>
           <a:prstGeom prst="rect">
             <a:avLst/>
@@ -1204,7 +1187,7 @@
             <a:normAutofit/>
           </a:bodyPr>
           <a:p>
-            <a:endParaRPr b="0" lang="en-US" sz="2400" spc="-1" strike="noStrike">
+            <a:endParaRPr b="0" lang="en-US" sz="3200" spc="-1" strike="noStrike">
               <a:latin typeface="Arial"/>
             </a:endParaRPr>
           </a:p>
@@ -1217,7 +1200,7 @@
             <a:spLocks noGrp="1"/>
           </p:cNvSpPr>
           <p:nvPr>
-            <p:ph type="ftr" idx="5"/>
+            <p:ph type="ftr" idx="4"/>
           </p:nvPr>
         </p:nvSpPr>
         <p:spPr/>
@@ -1237,14 +1220,14 @@
             <a:spLocks noGrp="1"/>
           </p:cNvSpPr>
           <p:nvPr>
-            <p:ph type="sldNum" idx="6"/>
-          </p:nvPr>
-        </p:nvSpPr>
-        <p:spPr/>
-        <p:txBody>
-          <a:bodyPr/>
-          <a:p>
-            <a:fld id="{F4981AE4-B8F3-45CA-A3B8-6D8F726A348C}" type="slidenum">
+            <p:ph type="sldNum" idx="5"/>
+          </p:nvPr>
+        </p:nvSpPr>
+        <p:spPr/>
+        <p:txBody>
+          <a:bodyPr/>
+          <a:p>
+            <a:fld id="{889F06E8-ED61-4069-A7EE-A3B1E2E982E7}" type="slidenum">
               <a:t>&lt;#&gt;</a:t>
             </a:fld>
           </a:p>
@@ -1257,7 +1240,7 @@
             <a:spLocks noGrp="1"/>
           </p:cNvSpPr>
           <p:nvPr>
-            <p:ph type="dt" idx="4"/>
+            <p:ph type="dt" idx="6"/>
           </p:nvPr>
         </p:nvSpPr>
         <p:spPr/>
@@ -1305,8 +1288,8 @@
         </p:nvSpPr>
         <p:spPr>
           <a:xfrm>
-            <a:off x="540000" y="270000"/>
-            <a:ext cx="9000000" cy="990000"/>
+            <a:off x="504000" y="226080"/>
+            <a:ext cx="9072000" cy="946440"/>
           </a:xfrm>
           <a:prstGeom prst="rect">
             <a:avLst/>
@@ -1324,10 +1307,7 @@
             <a:pPr algn="ctr">
               <a:buNone/>
             </a:pPr>
-            <a:endParaRPr b="0" lang="en-US" sz="3300" spc="-1" strike="noStrike">
-              <a:solidFill>
-                <a:srgbClr val="ffffff"/>
-              </a:solidFill>
+            <a:endParaRPr b="0" lang="en-US" sz="4400" spc="-1" strike="noStrike">
               <a:latin typeface="Arial"/>
             </a:endParaRPr>
           </a:p>
@@ -1345,8 +1325,8 @@
         </p:nvSpPr>
         <p:spPr>
           <a:xfrm>
-            <a:off x="540000" y="1440000"/>
-            <a:ext cx="4391640" cy="3600000"/>
+            <a:off x="504000" y="1326600"/>
+            <a:ext cx="4426920" cy="3288600"/>
           </a:xfrm>
           <a:prstGeom prst="rect">
             <a:avLst/>
@@ -1361,7 +1341,7 @@
             <a:normAutofit/>
           </a:bodyPr>
           <a:p>
-            <a:endParaRPr b="0" lang="en-US" sz="2400" spc="-1" strike="noStrike">
+            <a:endParaRPr b="0" lang="en-US" sz="3200" spc="-1" strike="noStrike">
               <a:latin typeface="Arial"/>
             </a:endParaRPr>
           </a:p>
@@ -1379,8 +1359,8 @@
         </p:nvSpPr>
         <p:spPr>
           <a:xfrm>
-            <a:off x="5151600" y="1440000"/>
-            <a:ext cx="4391640" cy="3600000"/>
+            <a:off x="5152680" y="1326600"/>
+            <a:ext cx="4426920" cy="3288600"/>
           </a:xfrm>
           <a:prstGeom prst="rect">
             <a:avLst/>
@@ -1395,7 +1375,7 @@
             <a:normAutofit/>
           </a:bodyPr>
           <a:p>
-            <a:endParaRPr b="0" lang="en-US" sz="2400" spc="-1" strike="noStrike">
+            <a:endParaRPr b="0" lang="en-US" sz="3200" spc="-1" strike="noStrike">
               <a:latin typeface="Arial"/>
             </a:endParaRPr>
           </a:p>
@@ -1408,7 +1388,7 @@
             <a:spLocks noGrp="1"/>
           </p:cNvSpPr>
           <p:nvPr>
-            <p:ph type="ftr" idx="5"/>
+            <p:ph type="ftr" idx="4"/>
           </p:nvPr>
         </p:nvSpPr>
         <p:spPr/>
@@ -1428,14 +1408,14 @@
             <a:spLocks noGrp="1"/>
           </p:cNvSpPr>
           <p:nvPr>
-            <p:ph type="sldNum" idx="6"/>
-          </p:nvPr>
-        </p:nvSpPr>
-        <p:spPr/>
-        <p:txBody>
-          <a:bodyPr/>
-          <a:p>
-            <a:fld id="{44BF5A13-5B50-40DA-83A1-649151251B44}" type="slidenum">
+            <p:ph type="sldNum" idx="5"/>
+          </p:nvPr>
+        </p:nvSpPr>
+        <p:spPr/>
+        <p:txBody>
+          <a:bodyPr/>
+          <a:p>
+            <a:fld id="{47F656AD-08A9-4F1E-9EFF-6929EEA2FB23}" type="slidenum">
               <a:t>&lt;#&gt;</a:t>
             </a:fld>
           </a:p>
@@ -1448,7 +1428,7 @@
             <a:spLocks noGrp="1"/>
           </p:cNvSpPr>
           <p:nvPr>
-            <p:ph type="dt" idx="4"/>
+            <p:ph type="dt" idx="6"/>
           </p:nvPr>
         </p:nvSpPr>
         <p:spPr/>
@@ -1496,8 +1476,8 @@
         </p:nvSpPr>
         <p:spPr>
           <a:xfrm>
-            <a:off x="540000" y="270000"/>
-            <a:ext cx="9000000" cy="990000"/>
+            <a:off x="504000" y="226080"/>
+            <a:ext cx="9072000" cy="946440"/>
           </a:xfrm>
           <a:prstGeom prst="rect">
             <a:avLst/>
@@ -1515,10 +1495,7 @@
             <a:pPr algn="ctr">
               <a:buNone/>
             </a:pPr>
-            <a:endParaRPr b="0" lang="en-US" sz="3300" spc="-1" strike="noStrike">
-              <a:solidFill>
-                <a:srgbClr val="ffffff"/>
-              </a:solidFill>
+            <a:endParaRPr b="0" lang="en-US" sz="4400" spc="-1" strike="noStrike">
               <a:latin typeface="Arial"/>
             </a:endParaRPr>
           </a:p>
@@ -1531,7 +1508,7 @@
             <a:spLocks noGrp="1"/>
           </p:cNvSpPr>
           <p:nvPr>
-            <p:ph type="ftr" idx="5"/>
+            <p:ph type="ftr" idx="4"/>
           </p:nvPr>
         </p:nvSpPr>
         <p:spPr/>
@@ -1551,14 +1528,14 @@
             <a:spLocks noGrp="1"/>
           </p:cNvSpPr>
           <p:nvPr>
-            <p:ph type="sldNum" idx="6"/>
-          </p:nvPr>
-        </p:nvSpPr>
-        <p:spPr/>
-        <p:txBody>
-          <a:bodyPr/>
-          <a:p>
-            <a:fld id="{3AA92B54-A4C7-40B1-853B-94D0214D5948}" type="slidenum">
+            <p:ph type="sldNum" idx="5"/>
+          </p:nvPr>
+        </p:nvSpPr>
+        <p:spPr/>
+        <p:txBody>
+          <a:bodyPr/>
+          <a:p>
+            <a:fld id="{8751CF09-D742-4FB7-9CD3-156FC63CBC4F}" type="slidenum">
               <a:t>&lt;#&gt;</a:t>
             </a:fld>
           </a:p>
@@ -1571,7 +1548,7 @@
             <a:spLocks noGrp="1"/>
           </p:cNvSpPr>
           <p:nvPr>
-            <p:ph type="dt" idx="4"/>
+            <p:ph type="dt" idx="6"/>
           </p:nvPr>
         </p:nvSpPr>
         <p:spPr/>
@@ -1619,8 +1596,8 @@
         </p:nvSpPr>
         <p:spPr>
           <a:xfrm>
-            <a:off x="540000" y="270000"/>
-            <a:ext cx="9000000" cy="4590360"/>
+            <a:off x="504000" y="226080"/>
+            <a:ext cx="9072000" cy="4388400"/>
           </a:xfrm>
           <a:prstGeom prst="rect">
             <a:avLst/>
@@ -1651,7 +1628,7 @@
             <a:spLocks noGrp="1"/>
           </p:cNvSpPr>
           <p:nvPr>
-            <p:ph type="ftr" idx="5"/>
+            <p:ph type="ftr" idx="4"/>
           </p:nvPr>
         </p:nvSpPr>
         <p:spPr/>
@@ -1671,14 +1648,14 @@
             <a:spLocks noGrp="1"/>
           </p:cNvSpPr>
           <p:nvPr>
-            <p:ph type="sldNum" idx="6"/>
-          </p:nvPr>
-        </p:nvSpPr>
-        <p:spPr/>
-        <p:txBody>
-          <a:bodyPr/>
-          <a:p>
-            <a:fld id="{CE830331-EAEB-457F-A98C-DFD567DC3D57}" type="slidenum">
+            <p:ph type="sldNum" idx="5"/>
+          </p:nvPr>
+        </p:nvSpPr>
+        <p:spPr/>
+        <p:txBody>
+          <a:bodyPr/>
+          <a:p>
+            <a:fld id="{CF5D604C-7164-4C6F-B6F7-C7E0E0F0ADAF}" type="slidenum">
               <a:t>&lt;#&gt;</a:t>
             </a:fld>
           </a:p>
@@ -1691,7 +1668,7 @@
             <a:spLocks noGrp="1"/>
           </p:cNvSpPr>
           <p:nvPr>
-            <p:ph type="dt" idx="4"/>
+            <p:ph type="dt" idx="6"/>
           </p:nvPr>
         </p:nvSpPr>
         <p:spPr/>
@@ -1739,8 +1716,8 @@
         </p:nvSpPr>
         <p:spPr>
           <a:xfrm>
-            <a:off x="540000" y="270000"/>
-            <a:ext cx="9000000" cy="990000"/>
+            <a:off x="504000" y="226080"/>
+            <a:ext cx="9072000" cy="946440"/>
           </a:xfrm>
           <a:prstGeom prst="rect">
             <a:avLst/>
@@ -1758,10 +1735,7 @@
             <a:pPr algn="ctr">
               <a:buNone/>
             </a:pPr>
-            <a:endParaRPr b="0" lang="en-US" sz="3300" spc="-1" strike="noStrike">
-              <a:solidFill>
-                <a:srgbClr val="ffffff"/>
-              </a:solidFill>
+            <a:endParaRPr b="0" lang="en-US" sz="4400" spc="-1" strike="noStrike">
               <a:latin typeface="Arial"/>
             </a:endParaRPr>
           </a:p>
@@ -1779,8 +1753,8 @@
         </p:nvSpPr>
         <p:spPr>
           <a:xfrm>
-            <a:off x="540000" y="1440000"/>
-            <a:ext cx="4391640" cy="1716840"/>
+            <a:off x="504000" y="1326600"/>
+            <a:ext cx="4426920" cy="1568520"/>
           </a:xfrm>
           <a:prstGeom prst="rect">
             <a:avLst/>
@@ -1795,7 +1769,7 @@
             <a:normAutofit/>
           </a:bodyPr>
           <a:p>
-            <a:endParaRPr b="0" lang="en-US" sz="2400" spc="-1" strike="noStrike">
+            <a:endParaRPr b="0" lang="en-US" sz="3200" spc="-1" strike="noStrike">
               <a:latin typeface="Arial"/>
             </a:endParaRPr>
           </a:p>
@@ -1813,8 +1787,8 @@
         </p:nvSpPr>
         <p:spPr>
           <a:xfrm>
-            <a:off x="5151600" y="1440000"/>
-            <a:ext cx="4391640" cy="3600000"/>
+            <a:off x="5152680" y="1326600"/>
+            <a:ext cx="4426920" cy="3288600"/>
           </a:xfrm>
           <a:prstGeom prst="rect">
             <a:avLst/>
@@ -1829,7 +1803,7 @@
             <a:normAutofit/>
           </a:bodyPr>
           <a:p>
-            <a:endParaRPr b="0" lang="en-US" sz="2400" spc="-1" strike="noStrike">
+            <a:endParaRPr b="0" lang="en-US" sz="3200" spc="-1" strike="noStrike">
               <a:latin typeface="Arial"/>
             </a:endParaRPr>
           </a:p>
@@ -1847,8 +1821,8 @@
         </p:nvSpPr>
         <p:spPr>
           <a:xfrm>
-            <a:off x="540000" y="3320280"/>
-            <a:ext cx="4391640" cy="1716840"/>
+            <a:off x="504000" y="3044520"/>
+            <a:ext cx="4426920" cy="1568520"/>
           </a:xfrm>
           <a:prstGeom prst="rect">
             <a:avLst/>
@@ -1863,7 +1837,7 @@
             <a:normAutofit/>
           </a:bodyPr>
           <a:p>
-            <a:endParaRPr b="0" lang="en-US" sz="2400" spc="-1" strike="noStrike">
+            <a:endParaRPr b="0" lang="en-US" sz="3200" spc="-1" strike="noStrike">
               <a:latin typeface="Arial"/>
             </a:endParaRPr>
           </a:p>
@@ -1876,7 +1850,7 @@
             <a:spLocks noGrp="1"/>
           </p:cNvSpPr>
           <p:nvPr>
-            <p:ph type="ftr" idx="5"/>
+            <p:ph type="ftr" idx="4"/>
           </p:nvPr>
         </p:nvSpPr>
         <p:spPr/>
@@ -1896,14 +1870,14 @@
             <a:spLocks noGrp="1"/>
           </p:cNvSpPr>
           <p:nvPr>
-            <p:ph type="sldNum" idx="6"/>
-          </p:nvPr>
-        </p:nvSpPr>
-        <p:spPr/>
-        <p:txBody>
-          <a:bodyPr/>
-          <a:p>
-            <a:fld id="{3BB7567A-A4D1-4B36-A74A-16A6F48FDBA3}" type="slidenum">
+            <p:ph type="sldNum" idx="5"/>
+          </p:nvPr>
+        </p:nvSpPr>
+        <p:spPr/>
+        <p:txBody>
+          <a:bodyPr/>
+          <a:p>
+            <a:fld id="{E86E72A4-BCB2-4800-9741-374C36C4536D}" type="slidenum">
               <a:t>&lt;#&gt;</a:t>
             </a:fld>
           </a:p>
@@ -1916,7 +1890,7 @@
             <a:spLocks noGrp="1"/>
           </p:cNvSpPr>
           <p:nvPr>
-            <p:ph type="dt" idx="4"/>
+            <p:ph type="dt" idx="6"/>
           </p:nvPr>
         </p:nvSpPr>
         <p:spPr/>
@@ -1964,8 +1938,8 @@
         </p:nvSpPr>
         <p:spPr>
           <a:xfrm>
-            <a:off x="540000" y="270000"/>
-            <a:ext cx="9000000" cy="990000"/>
+            <a:off x="504000" y="226080"/>
+            <a:ext cx="9072000" cy="946440"/>
           </a:xfrm>
           <a:prstGeom prst="rect">
             <a:avLst/>
@@ -1983,10 +1957,7 @@
             <a:pPr algn="ctr">
               <a:buNone/>
             </a:pPr>
-            <a:endParaRPr b="0" lang="en-US" sz="3300" spc="-1" strike="noStrike">
-              <a:solidFill>
-                <a:srgbClr val="ffffff"/>
-              </a:solidFill>
+            <a:endParaRPr b="0" lang="en-US" sz="4400" spc="-1" strike="noStrike">
               <a:latin typeface="Arial"/>
             </a:endParaRPr>
           </a:p>
@@ -2004,8 +1975,8 @@
         </p:nvSpPr>
         <p:spPr>
           <a:xfrm>
-            <a:off x="540000" y="1440000"/>
-            <a:ext cx="9000000" cy="3600000"/>
+            <a:off x="504000" y="1326600"/>
+            <a:ext cx="9072000" cy="3288600"/>
           </a:xfrm>
           <a:prstGeom prst="rect">
             <a:avLst/>
@@ -2036,7 +2007,7 @@
             <a:spLocks noGrp="1"/>
           </p:cNvSpPr>
           <p:nvPr>
-            <p:ph type="ftr" idx="2"/>
+            <p:ph type="ftr" idx="1"/>
           </p:nvPr>
         </p:nvSpPr>
         <p:spPr/>
@@ -2056,14 +2027,14 @@
             <a:spLocks noGrp="1"/>
           </p:cNvSpPr>
           <p:nvPr>
-            <p:ph type="sldNum" idx="3"/>
-          </p:nvPr>
-        </p:nvSpPr>
-        <p:spPr/>
-        <p:txBody>
-          <a:bodyPr/>
-          <a:p>
-            <a:fld id="{F3D5C0CF-7E96-42CB-8BE4-C7E6F6C497C6}" type="slidenum">
+            <p:ph type="sldNum" idx="2"/>
+          </p:nvPr>
+        </p:nvSpPr>
+        <p:spPr/>
+        <p:txBody>
+          <a:bodyPr/>
+          <a:p>
+            <a:fld id="{2AFA3AA5-9EA2-496E-90B8-48CA947F82AE}" type="slidenum">
               <a:t>&lt;#&gt;</a:t>
             </a:fld>
           </a:p>
@@ -2076,7 +2047,7 @@
             <a:spLocks noGrp="1"/>
           </p:cNvSpPr>
           <p:nvPr>
-            <p:ph type="dt" idx="1"/>
+            <p:ph type="dt" idx="3"/>
           </p:nvPr>
         </p:nvSpPr>
         <p:spPr/>
@@ -2124,8 +2095,8 @@
         </p:nvSpPr>
         <p:spPr>
           <a:xfrm>
-            <a:off x="540000" y="270000"/>
-            <a:ext cx="9000000" cy="990000"/>
+            <a:off x="504000" y="226080"/>
+            <a:ext cx="9072000" cy="946440"/>
           </a:xfrm>
           <a:prstGeom prst="rect">
             <a:avLst/>
@@ -2143,10 +2114,7 @@
             <a:pPr algn="ctr">
               <a:buNone/>
             </a:pPr>
-            <a:endParaRPr b="0" lang="en-US" sz="3300" spc="-1" strike="noStrike">
-              <a:solidFill>
-                <a:srgbClr val="ffffff"/>
-              </a:solidFill>
+            <a:endParaRPr b="0" lang="en-US" sz="4400" spc="-1" strike="noStrike">
               <a:latin typeface="Arial"/>
             </a:endParaRPr>
           </a:p>
@@ -2164,8 +2132,8 @@
         </p:nvSpPr>
         <p:spPr>
           <a:xfrm>
-            <a:off x="540000" y="1440000"/>
-            <a:ext cx="4391640" cy="3600000"/>
+            <a:off x="504000" y="1326600"/>
+            <a:ext cx="4426920" cy="3288600"/>
           </a:xfrm>
           <a:prstGeom prst="rect">
             <a:avLst/>
@@ -2180,7 +2148,7 @@
             <a:normAutofit/>
           </a:bodyPr>
           <a:p>
-            <a:endParaRPr b="0" lang="en-US" sz="2400" spc="-1" strike="noStrike">
+            <a:endParaRPr b="0" lang="en-US" sz="3200" spc="-1" strike="noStrike">
               <a:latin typeface="Arial"/>
             </a:endParaRPr>
           </a:p>
@@ -2198,8 +2166,8 @@
         </p:nvSpPr>
         <p:spPr>
           <a:xfrm>
-            <a:off x="5151600" y="1440000"/>
-            <a:ext cx="4391640" cy="1716840"/>
+            <a:off x="5152680" y="1326600"/>
+            <a:ext cx="4426920" cy="1568520"/>
           </a:xfrm>
           <a:prstGeom prst="rect">
             <a:avLst/>
@@ -2214,7 +2182,7 @@
             <a:normAutofit/>
           </a:bodyPr>
           <a:p>
-            <a:endParaRPr b="0" lang="en-US" sz="2400" spc="-1" strike="noStrike">
+            <a:endParaRPr b="0" lang="en-US" sz="3200" spc="-1" strike="noStrike">
               <a:latin typeface="Arial"/>
             </a:endParaRPr>
           </a:p>
@@ -2232,8 +2200,8 @@
         </p:nvSpPr>
         <p:spPr>
           <a:xfrm>
-            <a:off x="5151600" y="3320280"/>
-            <a:ext cx="4391640" cy="1716840"/>
+            <a:off x="5152680" y="3044520"/>
+            <a:ext cx="4426920" cy="1568520"/>
           </a:xfrm>
           <a:prstGeom prst="rect">
             <a:avLst/>
@@ -2248,7 +2216,7 @@
             <a:normAutofit/>
           </a:bodyPr>
           <a:p>
-            <a:endParaRPr b="0" lang="en-US" sz="2400" spc="-1" strike="noStrike">
+            <a:endParaRPr b="0" lang="en-US" sz="3200" spc="-1" strike="noStrike">
               <a:latin typeface="Arial"/>
             </a:endParaRPr>
           </a:p>
@@ -2261,7 +2229,7 @@
             <a:spLocks noGrp="1"/>
           </p:cNvSpPr>
           <p:nvPr>
-            <p:ph type="ftr" idx="5"/>
+            <p:ph type="ftr" idx="4"/>
           </p:nvPr>
         </p:nvSpPr>
         <p:spPr/>
@@ -2281,14 +2249,14 @@
             <a:spLocks noGrp="1"/>
           </p:cNvSpPr>
           <p:nvPr>
-            <p:ph type="sldNum" idx="6"/>
-          </p:nvPr>
-        </p:nvSpPr>
-        <p:spPr/>
-        <p:txBody>
-          <a:bodyPr/>
-          <a:p>
-            <a:fld id="{641557BA-5C09-4C2C-A27A-9F57B44B71DA}" type="slidenum">
+            <p:ph type="sldNum" idx="5"/>
+          </p:nvPr>
+        </p:nvSpPr>
+        <p:spPr/>
+        <p:txBody>
+          <a:bodyPr/>
+          <a:p>
+            <a:fld id="{6D7ADB22-D02A-46F3-B918-E093A840F4DA}" type="slidenum">
               <a:t>&lt;#&gt;</a:t>
             </a:fld>
           </a:p>
@@ -2301,7 +2269,7 @@
             <a:spLocks noGrp="1"/>
           </p:cNvSpPr>
           <p:nvPr>
-            <p:ph type="dt" idx="4"/>
+            <p:ph type="dt" idx="6"/>
           </p:nvPr>
         </p:nvSpPr>
         <p:spPr/>
@@ -2349,8 +2317,8 @@
         </p:nvSpPr>
         <p:spPr>
           <a:xfrm>
-            <a:off x="540000" y="270000"/>
-            <a:ext cx="9000000" cy="990000"/>
+            <a:off x="504000" y="226080"/>
+            <a:ext cx="9072000" cy="946440"/>
           </a:xfrm>
           <a:prstGeom prst="rect">
             <a:avLst/>
@@ -2368,10 +2336,7 @@
             <a:pPr algn="ctr">
               <a:buNone/>
             </a:pPr>
-            <a:endParaRPr b="0" lang="en-US" sz="3300" spc="-1" strike="noStrike">
-              <a:solidFill>
-                <a:srgbClr val="ffffff"/>
-              </a:solidFill>
+            <a:endParaRPr b="0" lang="en-US" sz="4400" spc="-1" strike="noStrike">
               <a:latin typeface="Arial"/>
             </a:endParaRPr>
           </a:p>
@@ -2389,8 +2354,8 @@
         </p:nvSpPr>
         <p:spPr>
           <a:xfrm>
-            <a:off x="540000" y="1440000"/>
-            <a:ext cx="4391640" cy="1716840"/>
+            <a:off x="504000" y="1326600"/>
+            <a:ext cx="4426920" cy="1568520"/>
           </a:xfrm>
           <a:prstGeom prst="rect">
             <a:avLst/>
@@ -2405,7 +2370,7 @@
             <a:normAutofit/>
           </a:bodyPr>
           <a:p>
-            <a:endParaRPr b="0" lang="en-US" sz="2400" spc="-1" strike="noStrike">
+            <a:endParaRPr b="0" lang="en-US" sz="3200" spc="-1" strike="noStrike">
               <a:latin typeface="Arial"/>
             </a:endParaRPr>
           </a:p>
@@ -2423,8 +2388,8 @@
         </p:nvSpPr>
         <p:spPr>
           <a:xfrm>
-            <a:off x="5151600" y="1440000"/>
-            <a:ext cx="4391640" cy="1716840"/>
+            <a:off x="5152680" y="1326600"/>
+            <a:ext cx="4426920" cy="1568520"/>
           </a:xfrm>
           <a:prstGeom prst="rect">
             <a:avLst/>
@@ -2439,7 +2404,7 @@
             <a:normAutofit/>
           </a:bodyPr>
           <a:p>
-            <a:endParaRPr b="0" lang="en-US" sz="2400" spc="-1" strike="noStrike">
+            <a:endParaRPr b="0" lang="en-US" sz="3200" spc="-1" strike="noStrike">
               <a:latin typeface="Arial"/>
             </a:endParaRPr>
           </a:p>
@@ -2457,8 +2422,8 @@
         </p:nvSpPr>
         <p:spPr>
           <a:xfrm>
-            <a:off x="540000" y="3320280"/>
-            <a:ext cx="9000000" cy="1716840"/>
+            <a:off x="504000" y="3044520"/>
+            <a:ext cx="9072000" cy="1568520"/>
           </a:xfrm>
           <a:prstGeom prst="rect">
             <a:avLst/>
@@ -2473,7 +2438,7 @@
             <a:normAutofit/>
           </a:bodyPr>
           <a:p>
-            <a:endParaRPr b="0" lang="en-US" sz="2400" spc="-1" strike="noStrike">
+            <a:endParaRPr b="0" lang="en-US" sz="3200" spc="-1" strike="noStrike">
               <a:latin typeface="Arial"/>
             </a:endParaRPr>
           </a:p>
@@ -2486,7 +2451,7 @@
             <a:spLocks noGrp="1"/>
           </p:cNvSpPr>
           <p:nvPr>
-            <p:ph type="ftr" idx="5"/>
+            <p:ph type="ftr" idx="4"/>
           </p:nvPr>
         </p:nvSpPr>
         <p:spPr/>
@@ -2506,14 +2471,14 @@
             <a:spLocks noGrp="1"/>
           </p:cNvSpPr>
           <p:nvPr>
-            <p:ph type="sldNum" idx="6"/>
-          </p:nvPr>
-        </p:nvSpPr>
-        <p:spPr/>
-        <p:txBody>
-          <a:bodyPr/>
-          <a:p>
-            <a:fld id="{2C994448-F03D-421E-A51E-EAAD06C80CEF}" type="slidenum">
+            <p:ph type="sldNum" idx="5"/>
+          </p:nvPr>
+        </p:nvSpPr>
+        <p:spPr/>
+        <p:txBody>
+          <a:bodyPr/>
+          <a:p>
+            <a:fld id="{AFBC996C-CD2C-4F73-9287-97A8E3CC7D8E}" type="slidenum">
               <a:t>&lt;#&gt;</a:t>
             </a:fld>
           </a:p>
@@ -2526,7 +2491,7 @@
             <a:spLocks noGrp="1"/>
           </p:cNvSpPr>
           <p:nvPr>
-            <p:ph type="dt" idx="4"/>
+            <p:ph type="dt" idx="6"/>
           </p:nvPr>
         </p:nvSpPr>
         <p:spPr/>
@@ -2574,8 +2539,8 @@
         </p:nvSpPr>
         <p:spPr>
           <a:xfrm>
-            <a:off x="540000" y="270000"/>
-            <a:ext cx="9000000" cy="990000"/>
+            <a:off x="504000" y="226080"/>
+            <a:ext cx="9072000" cy="946440"/>
           </a:xfrm>
           <a:prstGeom prst="rect">
             <a:avLst/>
@@ -2593,10 +2558,7 @@
             <a:pPr algn="ctr">
               <a:buNone/>
             </a:pPr>
-            <a:endParaRPr b="0" lang="en-US" sz="3300" spc="-1" strike="noStrike">
-              <a:solidFill>
-                <a:srgbClr val="ffffff"/>
-              </a:solidFill>
+            <a:endParaRPr b="0" lang="en-US" sz="4400" spc="-1" strike="noStrike">
               <a:latin typeface="Arial"/>
             </a:endParaRPr>
           </a:p>
@@ -2614,8 +2576,8 @@
         </p:nvSpPr>
         <p:spPr>
           <a:xfrm>
-            <a:off x="540000" y="1440000"/>
-            <a:ext cx="9000000" cy="1716840"/>
+            <a:off x="504000" y="1326600"/>
+            <a:ext cx="9072000" cy="1568520"/>
           </a:xfrm>
           <a:prstGeom prst="rect">
             <a:avLst/>
@@ -2630,7 +2592,7 @@
             <a:normAutofit/>
           </a:bodyPr>
           <a:p>
-            <a:endParaRPr b="0" lang="en-US" sz="2400" spc="-1" strike="noStrike">
+            <a:endParaRPr b="0" lang="en-US" sz="3200" spc="-1" strike="noStrike">
               <a:latin typeface="Arial"/>
             </a:endParaRPr>
           </a:p>
@@ -2648,8 +2610,8 @@
         </p:nvSpPr>
         <p:spPr>
           <a:xfrm>
-            <a:off x="540000" y="3320280"/>
-            <a:ext cx="9000000" cy="1716840"/>
+            <a:off x="504000" y="3044520"/>
+            <a:ext cx="9072000" cy="1568520"/>
           </a:xfrm>
           <a:prstGeom prst="rect">
             <a:avLst/>
@@ -2664,7 +2626,7 @@
             <a:normAutofit/>
           </a:bodyPr>
           <a:p>
-            <a:endParaRPr b="0" lang="en-US" sz="2400" spc="-1" strike="noStrike">
+            <a:endParaRPr b="0" lang="en-US" sz="3200" spc="-1" strike="noStrike">
               <a:latin typeface="Arial"/>
             </a:endParaRPr>
           </a:p>
@@ -2677,7 +2639,7 @@
             <a:spLocks noGrp="1"/>
           </p:cNvSpPr>
           <p:nvPr>
-            <p:ph type="ftr" idx="5"/>
+            <p:ph type="ftr" idx="4"/>
           </p:nvPr>
         </p:nvSpPr>
         <p:spPr/>
@@ -2697,14 +2659,14 @@
             <a:spLocks noGrp="1"/>
           </p:cNvSpPr>
           <p:nvPr>
-            <p:ph type="sldNum" idx="6"/>
-          </p:nvPr>
-        </p:nvSpPr>
-        <p:spPr/>
-        <p:txBody>
-          <a:bodyPr/>
-          <a:p>
-            <a:fld id="{1BFADECB-512C-428E-9D26-CD6845A3B00F}" type="slidenum">
+            <p:ph type="sldNum" idx="5"/>
+          </p:nvPr>
+        </p:nvSpPr>
+        <p:spPr/>
+        <p:txBody>
+          <a:bodyPr/>
+          <a:p>
+            <a:fld id="{56352D11-93ED-432D-9C03-5F2B183082CD}" type="slidenum">
               <a:t>&lt;#&gt;</a:t>
             </a:fld>
           </a:p>
@@ -2717,7 +2679,7 @@
             <a:spLocks noGrp="1"/>
           </p:cNvSpPr>
           <p:nvPr>
-            <p:ph type="dt" idx="4"/>
+            <p:ph type="dt" idx="6"/>
           </p:nvPr>
         </p:nvSpPr>
         <p:spPr/>
@@ -2765,8 +2727,8 @@
         </p:nvSpPr>
         <p:spPr>
           <a:xfrm>
-            <a:off x="540000" y="270000"/>
-            <a:ext cx="9000000" cy="990000"/>
+            <a:off x="504000" y="226080"/>
+            <a:ext cx="9072000" cy="946440"/>
           </a:xfrm>
           <a:prstGeom prst="rect">
             <a:avLst/>
@@ -2784,10 +2746,7 @@
             <a:pPr algn="ctr">
               <a:buNone/>
             </a:pPr>
-            <a:endParaRPr b="0" lang="en-US" sz="3300" spc="-1" strike="noStrike">
-              <a:solidFill>
-                <a:srgbClr val="ffffff"/>
-              </a:solidFill>
+            <a:endParaRPr b="0" lang="en-US" sz="4400" spc="-1" strike="noStrike">
               <a:latin typeface="Arial"/>
             </a:endParaRPr>
           </a:p>
@@ -2805,8 +2764,8 @@
         </p:nvSpPr>
         <p:spPr>
           <a:xfrm>
-            <a:off x="540000" y="1440000"/>
-            <a:ext cx="4391640" cy="1716840"/>
+            <a:off x="504000" y="1326600"/>
+            <a:ext cx="4426920" cy="1568520"/>
           </a:xfrm>
           <a:prstGeom prst="rect">
             <a:avLst/>
@@ -2821,7 +2780,7 @@
             <a:normAutofit/>
           </a:bodyPr>
           <a:p>
-            <a:endParaRPr b="0" lang="en-US" sz="2400" spc="-1" strike="noStrike">
+            <a:endParaRPr b="0" lang="en-US" sz="3200" spc="-1" strike="noStrike">
               <a:latin typeface="Arial"/>
             </a:endParaRPr>
           </a:p>
@@ -2839,8 +2798,8 @@
         </p:nvSpPr>
         <p:spPr>
           <a:xfrm>
-            <a:off x="5151600" y="1440000"/>
-            <a:ext cx="4391640" cy="1716840"/>
+            <a:off x="5152680" y="1326600"/>
+            <a:ext cx="4426920" cy="1568520"/>
           </a:xfrm>
           <a:prstGeom prst="rect">
             <a:avLst/>
@@ -2855,7 +2814,7 @@
             <a:normAutofit/>
           </a:bodyPr>
           <a:p>
-            <a:endParaRPr b="0" lang="en-US" sz="2400" spc="-1" strike="noStrike">
+            <a:endParaRPr b="0" lang="en-US" sz="3200" spc="-1" strike="noStrike">
               <a:latin typeface="Arial"/>
             </a:endParaRPr>
           </a:p>
@@ -2873,8 +2832,8 @@
         </p:nvSpPr>
         <p:spPr>
           <a:xfrm>
-            <a:off x="540000" y="3320280"/>
-            <a:ext cx="4391640" cy="1716840"/>
+            <a:off x="504000" y="3044520"/>
+            <a:ext cx="4426920" cy="1568520"/>
           </a:xfrm>
           <a:prstGeom prst="rect">
             <a:avLst/>
@@ -2889,7 +2848,7 @@
             <a:normAutofit/>
           </a:bodyPr>
           <a:p>
-            <a:endParaRPr b="0" lang="en-US" sz="2400" spc="-1" strike="noStrike">
+            <a:endParaRPr b="0" lang="en-US" sz="3200" spc="-1" strike="noStrike">
               <a:latin typeface="Arial"/>
             </a:endParaRPr>
           </a:p>
@@ -2907,8 +2866,8 @@
         </p:nvSpPr>
         <p:spPr>
           <a:xfrm>
-            <a:off x="5151600" y="3320280"/>
-            <a:ext cx="4391640" cy="1716840"/>
+            <a:off x="5152680" y="3044520"/>
+            <a:ext cx="4426920" cy="1568520"/>
           </a:xfrm>
           <a:prstGeom prst="rect">
             <a:avLst/>
@@ -2923,7 +2882,7 @@
             <a:normAutofit/>
           </a:bodyPr>
           <a:p>
-            <a:endParaRPr b="0" lang="en-US" sz="2400" spc="-1" strike="noStrike">
+            <a:endParaRPr b="0" lang="en-US" sz="3200" spc="-1" strike="noStrike">
               <a:latin typeface="Arial"/>
             </a:endParaRPr>
           </a:p>
@@ -2936,7 +2895,7 @@
             <a:spLocks noGrp="1"/>
           </p:cNvSpPr>
           <p:nvPr>
-            <p:ph type="ftr" idx="5"/>
+            <p:ph type="ftr" idx="4"/>
           </p:nvPr>
         </p:nvSpPr>
         <p:spPr/>
@@ -2956,14 +2915,14 @@
             <a:spLocks noGrp="1"/>
           </p:cNvSpPr>
           <p:nvPr>
-            <p:ph type="sldNum" idx="6"/>
-          </p:nvPr>
-        </p:nvSpPr>
-        <p:spPr/>
-        <p:txBody>
-          <a:bodyPr/>
-          <a:p>
-            <a:fld id="{CA6B0DBC-9376-454B-BADD-0CCCDA5DE1FB}" type="slidenum">
+            <p:ph type="sldNum" idx="5"/>
+          </p:nvPr>
+        </p:nvSpPr>
+        <p:spPr/>
+        <p:txBody>
+          <a:bodyPr/>
+          <a:p>
+            <a:fld id="{356406D2-0A26-4909-8A4A-7CD240F9606B}" type="slidenum">
               <a:t>&lt;#&gt;</a:t>
             </a:fld>
           </a:p>
@@ -2976,7 +2935,7 @@
             <a:spLocks noGrp="1"/>
           </p:cNvSpPr>
           <p:nvPr>
-            <p:ph type="dt" idx="4"/>
+            <p:ph type="dt" idx="6"/>
           </p:nvPr>
         </p:nvSpPr>
         <p:spPr/>
@@ -3024,8 +2983,8 @@
         </p:nvSpPr>
         <p:spPr>
           <a:xfrm>
-            <a:off x="540000" y="270000"/>
-            <a:ext cx="9000000" cy="990000"/>
+            <a:off x="504000" y="226080"/>
+            <a:ext cx="9072000" cy="946440"/>
           </a:xfrm>
           <a:prstGeom prst="rect">
             <a:avLst/>
@@ -3043,10 +3002,7 @@
             <a:pPr algn="ctr">
               <a:buNone/>
             </a:pPr>
-            <a:endParaRPr b="0" lang="en-US" sz="3300" spc="-1" strike="noStrike">
-              <a:solidFill>
-                <a:srgbClr val="ffffff"/>
-              </a:solidFill>
+            <a:endParaRPr b="0" lang="en-US" sz="4400" spc="-1" strike="noStrike">
               <a:latin typeface="Arial"/>
             </a:endParaRPr>
           </a:p>
@@ -3064,8 +3020,8 @@
         </p:nvSpPr>
         <p:spPr>
           <a:xfrm>
-            <a:off x="540000" y="1440000"/>
-            <a:ext cx="2897640" cy="1716840"/>
+            <a:off x="504000" y="1326600"/>
+            <a:ext cx="2921040" cy="1568520"/>
           </a:xfrm>
           <a:prstGeom prst="rect">
             <a:avLst/>
@@ -3080,7 +3036,7 @@
             <a:normAutofit/>
           </a:bodyPr>
           <a:p>
-            <a:endParaRPr b="0" lang="en-US" sz="2400" spc="-1" strike="noStrike">
+            <a:endParaRPr b="0" lang="en-US" sz="3200" spc="-1" strike="noStrike">
               <a:latin typeface="Arial"/>
             </a:endParaRPr>
           </a:p>
@@ -3098,8 +3054,8 @@
         </p:nvSpPr>
         <p:spPr>
           <a:xfrm>
-            <a:off x="3583080" y="1440000"/>
-            <a:ext cx="2897640" cy="1716840"/>
+            <a:off x="3571560" y="1326600"/>
+            <a:ext cx="2921040" cy="1568520"/>
           </a:xfrm>
           <a:prstGeom prst="rect">
             <a:avLst/>
@@ -3114,7 +3070,7 @@
             <a:normAutofit/>
           </a:bodyPr>
           <a:p>
-            <a:endParaRPr b="0" lang="en-US" sz="2400" spc="-1" strike="noStrike">
+            <a:endParaRPr b="0" lang="en-US" sz="3200" spc="-1" strike="noStrike">
               <a:latin typeface="Arial"/>
             </a:endParaRPr>
           </a:p>
@@ -3132,8 +3088,8 @@
         </p:nvSpPr>
         <p:spPr>
           <a:xfrm>
-            <a:off x="6625800" y="1440000"/>
-            <a:ext cx="2897640" cy="1716840"/>
+            <a:off x="6639120" y="1326600"/>
+            <a:ext cx="2921040" cy="1568520"/>
           </a:xfrm>
           <a:prstGeom prst="rect">
             <a:avLst/>
@@ -3148,7 +3104,7 @@
             <a:normAutofit/>
           </a:bodyPr>
           <a:p>
-            <a:endParaRPr b="0" lang="en-US" sz="2400" spc="-1" strike="noStrike">
+            <a:endParaRPr b="0" lang="en-US" sz="3200" spc="-1" strike="noStrike">
               <a:latin typeface="Arial"/>
             </a:endParaRPr>
           </a:p>
@@ -3166,8 +3122,8 @@
         </p:nvSpPr>
         <p:spPr>
           <a:xfrm>
-            <a:off x="540000" y="3320280"/>
-            <a:ext cx="2897640" cy="1716840"/>
+            <a:off x="504000" y="3044520"/>
+            <a:ext cx="2921040" cy="1568520"/>
           </a:xfrm>
           <a:prstGeom prst="rect">
             <a:avLst/>
@@ -3182,7 +3138,7 @@
             <a:normAutofit/>
           </a:bodyPr>
           <a:p>
-            <a:endParaRPr b="0" lang="en-US" sz="2400" spc="-1" strike="noStrike">
+            <a:endParaRPr b="0" lang="en-US" sz="3200" spc="-1" strike="noStrike">
               <a:latin typeface="Arial"/>
             </a:endParaRPr>
           </a:p>
@@ -3200,8 +3156,8 @@
         </p:nvSpPr>
         <p:spPr>
           <a:xfrm>
-            <a:off x="3583080" y="3320280"/>
-            <a:ext cx="2897640" cy="1716840"/>
+            <a:off x="3571560" y="3044520"/>
+            <a:ext cx="2921040" cy="1568520"/>
           </a:xfrm>
           <a:prstGeom prst="rect">
             <a:avLst/>
@@ -3216,7 +3172,7 @@
             <a:normAutofit/>
           </a:bodyPr>
           <a:p>
-            <a:endParaRPr b="0" lang="en-US" sz="2400" spc="-1" strike="noStrike">
+            <a:endParaRPr b="0" lang="en-US" sz="3200" spc="-1" strike="noStrike">
               <a:latin typeface="Arial"/>
             </a:endParaRPr>
           </a:p>
@@ -3234,8 +3190,8 @@
         </p:nvSpPr>
         <p:spPr>
           <a:xfrm>
-            <a:off x="6625800" y="3320280"/>
-            <a:ext cx="2897640" cy="1716840"/>
+            <a:off x="6639120" y="3044520"/>
+            <a:ext cx="2921040" cy="1568520"/>
           </a:xfrm>
           <a:prstGeom prst="rect">
             <a:avLst/>
@@ -3250,7 +3206,7 @@
             <a:normAutofit/>
           </a:bodyPr>
           <a:p>
-            <a:endParaRPr b="0" lang="en-US" sz="2400" spc="-1" strike="noStrike">
+            <a:endParaRPr b="0" lang="en-US" sz="3200" spc="-1" strike="noStrike">
               <a:latin typeface="Arial"/>
             </a:endParaRPr>
           </a:p>
@@ -3263,7 +3219,7 @@
             <a:spLocks noGrp="1"/>
           </p:cNvSpPr>
           <p:nvPr>
-            <p:ph type="ftr" idx="5"/>
+            <p:ph type="ftr" idx="4"/>
           </p:nvPr>
         </p:nvSpPr>
         <p:spPr/>
@@ -3283,14 +3239,14 @@
             <a:spLocks noGrp="1"/>
           </p:cNvSpPr>
           <p:nvPr>
-            <p:ph type="sldNum" idx="6"/>
-          </p:nvPr>
-        </p:nvSpPr>
-        <p:spPr/>
-        <p:txBody>
-          <a:bodyPr/>
-          <a:p>
-            <a:fld id="{0524AF83-4E7A-47D8-986A-E5972624A7DD}" type="slidenum">
+            <p:ph type="sldNum" idx="5"/>
+          </p:nvPr>
+        </p:nvSpPr>
+        <p:spPr/>
+        <p:txBody>
+          <a:bodyPr/>
+          <a:p>
+            <a:fld id="{E3E94334-6B5B-449B-8161-B3221AB8302E}" type="slidenum">
               <a:t>&lt;#&gt;</a:t>
             </a:fld>
           </a:p>
@@ -3303,7 +3259,7 @@
             <a:spLocks noGrp="1"/>
           </p:cNvSpPr>
           <p:nvPr>
-            <p:ph type="dt" idx="4"/>
+            <p:ph type="dt" idx="6"/>
           </p:nvPr>
         </p:nvSpPr>
         <p:spPr/>
@@ -3346,7 +3302,7 @@
             <a:spLocks noGrp="1"/>
           </p:cNvSpPr>
           <p:nvPr>
-            <p:ph type="ftr" idx="8"/>
+            <p:ph type="ftr" idx="7"/>
           </p:nvPr>
         </p:nvSpPr>
         <p:spPr/>
@@ -3366,14 +3322,14 @@
             <a:spLocks noGrp="1"/>
           </p:cNvSpPr>
           <p:nvPr>
-            <p:ph type="sldNum" idx="9"/>
-          </p:nvPr>
-        </p:nvSpPr>
-        <p:spPr/>
-        <p:txBody>
-          <a:bodyPr/>
-          <a:p>
-            <a:fld id="{6C469457-E26E-47C2-AECA-57A55623A2C1}" type="slidenum">
+            <p:ph type="sldNum" idx="8"/>
+          </p:nvPr>
+        </p:nvSpPr>
+        <p:spPr/>
+        <p:txBody>
+          <a:bodyPr/>
+          <a:p>
+            <a:fld id="{F5AB5979-C239-43C5-A44B-28F7D2BCD8AF}" type="slidenum">
               <a:t>&lt;#&gt;</a:t>
             </a:fld>
           </a:p>
@@ -3386,7 +3342,7 @@
             <a:spLocks noGrp="1"/>
           </p:cNvSpPr>
           <p:nvPr>
-            <p:ph type="dt" idx="7"/>
+            <p:ph type="dt" idx="9"/>
           </p:nvPr>
         </p:nvSpPr>
         <p:spPr/>
@@ -3424,7 +3380,7 @@
       </p:grpSpPr>
       <p:sp>
         <p:nvSpPr>
-          <p:cNvPr id="123" name="PlaceHolder 1"/>
+          <p:cNvPr id="122" name="PlaceHolder 1"/>
           <p:cNvSpPr>
             <a:spLocks noGrp="1"/>
           </p:cNvSpPr>
@@ -3434,8 +3390,8 @@
         </p:nvSpPr>
         <p:spPr>
           <a:xfrm>
-            <a:off x="540000" y="270000"/>
-            <a:ext cx="9000000" cy="990000"/>
+            <a:off x="504000" y="226080"/>
+            <a:ext cx="9072000" cy="946440"/>
           </a:xfrm>
           <a:prstGeom prst="rect">
             <a:avLst/>
@@ -3453,18 +3409,15 @@
             <a:pPr algn="ctr">
               <a:buNone/>
             </a:pPr>
-            <a:endParaRPr b="0" lang="en-US" sz="3300" spc="-1" strike="noStrike">
-              <a:solidFill>
-                <a:srgbClr val="ffffff"/>
-              </a:solidFill>
-              <a:latin typeface="Arial"/>
-            </a:endParaRPr>
-          </a:p>
-        </p:txBody>
-      </p:sp>
-      <p:sp>
-        <p:nvSpPr>
-          <p:cNvPr id="124" name="PlaceHolder 2"/>
+            <a:endParaRPr b="0" lang="en-US" sz="4400" spc="-1" strike="noStrike">
+              <a:latin typeface="Arial"/>
+            </a:endParaRPr>
+          </a:p>
+        </p:txBody>
+      </p:sp>
+      <p:sp>
+        <p:nvSpPr>
+          <p:cNvPr id="123" name="PlaceHolder 2"/>
           <p:cNvSpPr>
             <a:spLocks noGrp="1"/>
           </p:cNvSpPr>
@@ -3474,8 +3427,8 @@
         </p:nvSpPr>
         <p:spPr>
           <a:xfrm>
-            <a:off x="540000" y="1440000"/>
-            <a:ext cx="9000000" cy="3600000"/>
+            <a:off x="504000" y="1326600"/>
+            <a:ext cx="9072000" cy="3288600"/>
           </a:xfrm>
           <a:prstGeom prst="rect">
             <a:avLst/>
@@ -3506,7 +3459,7 @@
             <a:spLocks noGrp="1"/>
           </p:cNvSpPr>
           <p:nvPr>
-            <p:ph type="ftr" idx="8"/>
+            <p:ph type="ftr" idx="7"/>
           </p:nvPr>
         </p:nvSpPr>
         <p:spPr/>
@@ -3526,14 +3479,14 @@
             <a:spLocks noGrp="1"/>
           </p:cNvSpPr>
           <p:nvPr>
-            <p:ph type="sldNum" idx="9"/>
-          </p:nvPr>
-        </p:nvSpPr>
-        <p:spPr/>
-        <p:txBody>
-          <a:bodyPr/>
-          <a:p>
-            <a:fld id="{AE18787B-4D60-4D6C-8470-9A55CCFAB739}" type="slidenum">
+            <p:ph type="sldNum" idx="8"/>
+          </p:nvPr>
+        </p:nvSpPr>
+        <p:spPr/>
+        <p:txBody>
+          <a:bodyPr/>
+          <a:p>
+            <a:fld id="{250EC794-984B-459B-821A-CE92CED19C68}" type="slidenum">
               <a:t>&lt;#&gt;</a:t>
             </a:fld>
           </a:p>
@@ -3546,7 +3499,7 @@
             <a:spLocks noGrp="1"/>
           </p:cNvSpPr>
           <p:nvPr>
-            <p:ph type="dt" idx="7"/>
+            <p:ph type="dt" idx="9"/>
           </p:nvPr>
         </p:nvSpPr>
         <p:spPr/>
@@ -3584,7 +3537,7 @@
       </p:grpSpPr>
       <p:sp>
         <p:nvSpPr>
-          <p:cNvPr id="125" name="PlaceHolder 1"/>
+          <p:cNvPr id="124" name="PlaceHolder 1"/>
           <p:cNvSpPr>
             <a:spLocks noGrp="1"/>
           </p:cNvSpPr>
@@ -3594,8 +3547,8 @@
         </p:nvSpPr>
         <p:spPr>
           <a:xfrm>
-            <a:off x="540000" y="270000"/>
-            <a:ext cx="9000000" cy="990000"/>
+            <a:off x="504000" y="226080"/>
+            <a:ext cx="9072000" cy="946440"/>
           </a:xfrm>
           <a:prstGeom prst="rect">
             <a:avLst/>
@@ -3613,18 +3566,15 @@
             <a:pPr algn="ctr">
               <a:buNone/>
             </a:pPr>
-            <a:endParaRPr b="0" lang="en-US" sz="3300" spc="-1" strike="noStrike">
-              <a:solidFill>
-                <a:srgbClr val="ffffff"/>
-              </a:solidFill>
-              <a:latin typeface="Arial"/>
-            </a:endParaRPr>
-          </a:p>
-        </p:txBody>
-      </p:sp>
-      <p:sp>
-        <p:nvSpPr>
-          <p:cNvPr id="126" name="PlaceHolder 2"/>
+            <a:endParaRPr b="0" lang="en-US" sz="4400" spc="-1" strike="noStrike">
+              <a:latin typeface="Arial"/>
+            </a:endParaRPr>
+          </a:p>
+        </p:txBody>
+      </p:sp>
+      <p:sp>
+        <p:nvSpPr>
+          <p:cNvPr id="125" name="PlaceHolder 2"/>
           <p:cNvSpPr>
             <a:spLocks noGrp="1"/>
           </p:cNvSpPr>
@@ -3634,8 +3584,8 @@
         </p:nvSpPr>
         <p:spPr>
           <a:xfrm>
-            <a:off x="540000" y="1440000"/>
-            <a:ext cx="9000000" cy="3600000"/>
+            <a:off x="504000" y="1326600"/>
+            <a:ext cx="9072000" cy="3288600"/>
           </a:xfrm>
           <a:prstGeom prst="rect">
             <a:avLst/>
@@ -3650,7 +3600,7 @@
             <a:normAutofit/>
           </a:bodyPr>
           <a:p>
-            <a:endParaRPr b="0" lang="en-US" sz="2400" spc="-1" strike="noStrike">
+            <a:endParaRPr b="0" lang="en-US" sz="3200" spc="-1" strike="noStrike">
               <a:latin typeface="Arial"/>
             </a:endParaRPr>
           </a:p>
@@ -3663,7 +3613,7 @@
             <a:spLocks noGrp="1"/>
           </p:cNvSpPr>
           <p:nvPr>
-            <p:ph type="ftr" idx="8"/>
+            <p:ph type="ftr" idx="7"/>
           </p:nvPr>
         </p:nvSpPr>
         <p:spPr/>
@@ -3683,14 +3633,14 @@
             <a:spLocks noGrp="1"/>
           </p:cNvSpPr>
           <p:nvPr>
-            <p:ph type="sldNum" idx="9"/>
-          </p:nvPr>
-        </p:nvSpPr>
-        <p:spPr/>
-        <p:txBody>
-          <a:bodyPr/>
-          <a:p>
-            <a:fld id="{39A74C03-CB58-478E-B5CF-85917D72E356}" type="slidenum">
+            <p:ph type="sldNum" idx="8"/>
+          </p:nvPr>
+        </p:nvSpPr>
+        <p:spPr/>
+        <p:txBody>
+          <a:bodyPr/>
+          <a:p>
+            <a:fld id="{83808989-2B40-4E38-A655-0B0107435829}" type="slidenum">
               <a:t>&lt;#&gt;</a:t>
             </a:fld>
           </a:p>
@@ -3703,7 +3653,7 @@
             <a:spLocks noGrp="1"/>
           </p:cNvSpPr>
           <p:nvPr>
-            <p:ph type="dt" idx="7"/>
+            <p:ph type="dt" idx="9"/>
           </p:nvPr>
         </p:nvSpPr>
         <p:spPr/>
@@ -3741,7 +3691,7 @@
       </p:grpSpPr>
       <p:sp>
         <p:nvSpPr>
-          <p:cNvPr id="127" name="PlaceHolder 1"/>
+          <p:cNvPr id="126" name="PlaceHolder 1"/>
           <p:cNvSpPr>
             <a:spLocks noGrp="1"/>
           </p:cNvSpPr>
@@ -3751,8 +3701,8 @@
         </p:nvSpPr>
         <p:spPr>
           <a:xfrm>
-            <a:off x="540000" y="270000"/>
-            <a:ext cx="9000000" cy="990000"/>
+            <a:off x="504000" y="226080"/>
+            <a:ext cx="9072000" cy="946440"/>
           </a:xfrm>
           <a:prstGeom prst="rect">
             <a:avLst/>
@@ -3770,18 +3720,15 @@
             <a:pPr algn="ctr">
               <a:buNone/>
             </a:pPr>
-            <a:endParaRPr b="0" lang="en-US" sz="3300" spc="-1" strike="noStrike">
-              <a:solidFill>
-                <a:srgbClr val="ffffff"/>
-              </a:solidFill>
-              <a:latin typeface="Arial"/>
-            </a:endParaRPr>
-          </a:p>
-        </p:txBody>
-      </p:sp>
-      <p:sp>
-        <p:nvSpPr>
-          <p:cNvPr id="128" name="PlaceHolder 2"/>
+            <a:endParaRPr b="0" lang="en-US" sz="4400" spc="-1" strike="noStrike">
+              <a:latin typeface="Arial"/>
+            </a:endParaRPr>
+          </a:p>
+        </p:txBody>
+      </p:sp>
+      <p:sp>
+        <p:nvSpPr>
+          <p:cNvPr id="127" name="PlaceHolder 2"/>
           <p:cNvSpPr>
             <a:spLocks noGrp="1"/>
           </p:cNvSpPr>
@@ -3791,8 +3738,8 @@
         </p:nvSpPr>
         <p:spPr>
           <a:xfrm>
-            <a:off x="540000" y="1440000"/>
-            <a:ext cx="4391640" cy="3600000"/>
+            <a:off x="504000" y="1326600"/>
+            <a:ext cx="4426920" cy="3288600"/>
           </a:xfrm>
           <a:prstGeom prst="rect">
             <a:avLst/>
@@ -3807,15 +3754,15 @@
             <a:normAutofit/>
           </a:bodyPr>
           <a:p>
-            <a:endParaRPr b="0" lang="en-US" sz="2400" spc="-1" strike="noStrike">
-              <a:latin typeface="Arial"/>
-            </a:endParaRPr>
-          </a:p>
-        </p:txBody>
-      </p:sp>
-      <p:sp>
-        <p:nvSpPr>
-          <p:cNvPr id="129" name="PlaceHolder 3"/>
+            <a:endParaRPr b="0" lang="en-US" sz="3200" spc="-1" strike="noStrike">
+              <a:latin typeface="Arial"/>
+            </a:endParaRPr>
+          </a:p>
+        </p:txBody>
+      </p:sp>
+      <p:sp>
+        <p:nvSpPr>
+          <p:cNvPr id="128" name="PlaceHolder 3"/>
           <p:cNvSpPr>
             <a:spLocks noGrp="1"/>
           </p:cNvSpPr>
@@ -3825,8 +3772,8 @@
         </p:nvSpPr>
         <p:spPr>
           <a:xfrm>
-            <a:off x="5151600" y="1440000"/>
-            <a:ext cx="4391640" cy="3600000"/>
+            <a:off x="5152680" y="1326600"/>
+            <a:ext cx="4426920" cy="3288600"/>
           </a:xfrm>
           <a:prstGeom prst="rect">
             <a:avLst/>
@@ -3841,7 +3788,7 @@
             <a:normAutofit/>
           </a:bodyPr>
           <a:p>
-            <a:endParaRPr b="0" lang="en-US" sz="2400" spc="-1" strike="noStrike">
+            <a:endParaRPr b="0" lang="en-US" sz="3200" spc="-1" strike="noStrike">
               <a:latin typeface="Arial"/>
             </a:endParaRPr>
           </a:p>
@@ -3854,7 +3801,7 @@
             <a:spLocks noGrp="1"/>
           </p:cNvSpPr>
           <p:nvPr>
-            <p:ph type="ftr" idx="8"/>
+            <p:ph type="ftr" idx="7"/>
           </p:nvPr>
         </p:nvSpPr>
         <p:spPr/>
@@ -3874,14 +3821,14 @@
             <a:spLocks noGrp="1"/>
           </p:cNvSpPr>
           <p:nvPr>
-            <p:ph type="sldNum" idx="9"/>
-          </p:nvPr>
-        </p:nvSpPr>
-        <p:spPr/>
-        <p:txBody>
-          <a:bodyPr/>
-          <a:p>
-            <a:fld id="{7EDE066E-237B-479F-9383-DFD5E294EDDD}" type="slidenum">
+            <p:ph type="sldNum" idx="8"/>
+          </p:nvPr>
+        </p:nvSpPr>
+        <p:spPr/>
+        <p:txBody>
+          <a:bodyPr/>
+          <a:p>
+            <a:fld id="{E6D2AA7B-4180-46A7-A16A-AF49FE6F1E68}" type="slidenum">
               <a:t>&lt;#&gt;</a:t>
             </a:fld>
           </a:p>
@@ -3894,7 +3841,7 @@
             <a:spLocks noGrp="1"/>
           </p:cNvSpPr>
           <p:nvPr>
-            <p:ph type="dt" idx="7"/>
+            <p:ph type="dt" idx="9"/>
           </p:nvPr>
         </p:nvSpPr>
         <p:spPr/>
@@ -3932,7 +3879,7 @@
       </p:grpSpPr>
       <p:sp>
         <p:nvSpPr>
-          <p:cNvPr id="130" name="PlaceHolder 1"/>
+          <p:cNvPr id="129" name="PlaceHolder 1"/>
           <p:cNvSpPr>
             <a:spLocks noGrp="1"/>
           </p:cNvSpPr>
@@ -3942,8 +3889,8 @@
         </p:nvSpPr>
         <p:spPr>
           <a:xfrm>
-            <a:off x="540000" y="270000"/>
-            <a:ext cx="9000000" cy="990000"/>
+            <a:off x="504000" y="226080"/>
+            <a:ext cx="9072000" cy="946440"/>
           </a:xfrm>
           <a:prstGeom prst="rect">
             <a:avLst/>
@@ -3961,10 +3908,7 @@
             <a:pPr algn="ctr">
               <a:buNone/>
             </a:pPr>
-            <a:endParaRPr b="0" lang="en-US" sz="3300" spc="-1" strike="noStrike">
-              <a:solidFill>
-                <a:srgbClr val="ffffff"/>
-              </a:solidFill>
+            <a:endParaRPr b="0" lang="en-US" sz="4400" spc="-1" strike="noStrike">
               <a:latin typeface="Arial"/>
             </a:endParaRPr>
           </a:p>
@@ -3977,7 +3921,7 @@
             <a:spLocks noGrp="1"/>
           </p:cNvSpPr>
           <p:nvPr>
-            <p:ph type="ftr" idx="8"/>
+            <p:ph type="ftr" idx="7"/>
           </p:nvPr>
         </p:nvSpPr>
         <p:spPr/>
@@ -3997,14 +3941,14 @@
             <a:spLocks noGrp="1"/>
           </p:cNvSpPr>
           <p:nvPr>
-            <p:ph type="sldNum" idx="9"/>
-          </p:nvPr>
-        </p:nvSpPr>
-        <p:spPr/>
-        <p:txBody>
-          <a:bodyPr/>
-          <a:p>
-            <a:fld id="{2CA37DCF-7CC6-47DF-B040-9ACCA03DB656}" type="slidenum">
+            <p:ph type="sldNum" idx="8"/>
+          </p:nvPr>
+        </p:nvSpPr>
+        <p:spPr/>
+        <p:txBody>
+          <a:bodyPr/>
+          <a:p>
+            <a:fld id="{6FF3ADD0-AD58-4CBD-9F7E-96ECF8BC4EA0}" type="slidenum">
               <a:t>&lt;#&gt;</a:t>
             </a:fld>
           </a:p>
@@ -4017,7 +3961,7 @@
             <a:spLocks noGrp="1"/>
           </p:cNvSpPr>
           <p:nvPr>
-            <p:ph type="dt" idx="7"/>
+            <p:ph type="dt" idx="9"/>
           </p:nvPr>
         </p:nvSpPr>
         <p:spPr/>
@@ -4065,8 +4009,8 @@
         </p:nvSpPr>
         <p:spPr>
           <a:xfrm>
-            <a:off x="540000" y="270000"/>
-            <a:ext cx="9000000" cy="990000"/>
+            <a:off x="504000" y="226080"/>
+            <a:ext cx="9072000" cy="946440"/>
           </a:xfrm>
           <a:prstGeom prst="rect">
             <a:avLst/>
@@ -4084,10 +4028,7 @@
             <a:pPr algn="ctr">
               <a:buNone/>
             </a:pPr>
-            <a:endParaRPr b="0" lang="en-US" sz="3300" spc="-1" strike="noStrike">
-              <a:solidFill>
-                <a:srgbClr val="ffffff"/>
-              </a:solidFill>
+            <a:endParaRPr b="0" lang="en-US" sz="4400" spc="-1" strike="noStrike">
               <a:latin typeface="Arial"/>
             </a:endParaRPr>
           </a:p>
@@ -4105,8 +4046,8 @@
         </p:nvSpPr>
         <p:spPr>
           <a:xfrm>
-            <a:off x="540000" y="1440000"/>
-            <a:ext cx="9000000" cy="3600000"/>
+            <a:off x="504000" y="1326600"/>
+            <a:ext cx="9072000" cy="3288600"/>
           </a:xfrm>
           <a:prstGeom prst="rect">
             <a:avLst/>
@@ -4121,7 +4062,7 @@
             <a:normAutofit/>
           </a:bodyPr>
           <a:p>
-            <a:endParaRPr b="0" lang="en-US" sz="2400" spc="-1" strike="noStrike">
+            <a:endParaRPr b="0" lang="en-US" sz="3200" spc="-1" strike="noStrike">
               <a:latin typeface="Arial"/>
             </a:endParaRPr>
           </a:p>
@@ -4134,7 +4075,7 @@
             <a:spLocks noGrp="1"/>
           </p:cNvSpPr>
           <p:nvPr>
-            <p:ph type="ftr" idx="2"/>
+            <p:ph type="ftr" idx="1"/>
           </p:nvPr>
         </p:nvSpPr>
         <p:spPr/>
@@ -4154,14 +4095,14 @@
             <a:spLocks noGrp="1"/>
           </p:cNvSpPr>
           <p:nvPr>
-            <p:ph type="sldNum" idx="3"/>
-          </p:nvPr>
-        </p:nvSpPr>
-        <p:spPr/>
-        <p:txBody>
-          <a:bodyPr/>
-          <a:p>
-            <a:fld id="{BC5E9F56-751E-4856-A429-4FEEE143C891}" type="slidenum">
+            <p:ph type="sldNum" idx="2"/>
+          </p:nvPr>
+        </p:nvSpPr>
+        <p:spPr/>
+        <p:txBody>
+          <a:bodyPr/>
+          <a:p>
+            <a:fld id="{3A86D93E-7C26-4CB6-9F4B-548DAE55F109}" type="slidenum">
               <a:t>&lt;#&gt;</a:t>
             </a:fld>
           </a:p>
@@ -4174,7 +4115,7 @@
             <a:spLocks noGrp="1"/>
           </p:cNvSpPr>
           <p:nvPr>
-            <p:ph type="dt" idx="1"/>
+            <p:ph type="dt" idx="3"/>
           </p:nvPr>
         </p:nvSpPr>
         <p:spPr/>
@@ -4212,7 +4153,7 @@
       </p:grpSpPr>
       <p:sp>
         <p:nvSpPr>
-          <p:cNvPr id="131" name="PlaceHolder 1"/>
+          <p:cNvPr id="130" name="PlaceHolder 1"/>
           <p:cNvSpPr>
             <a:spLocks noGrp="1"/>
           </p:cNvSpPr>
@@ -4222,8 +4163,8 @@
         </p:nvSpPr>
         <p:spPr>
           <a:xfrm>
-            <a:off x="540000" y="270000"/>
-            <a:ext cx="9000000" cy="4590360"/>
+            <a:off x="504000" y="226080"/>
+            <a:ext cx="9072000" cy="4388400"/>
           </a:xfrm>
           <a:prstGeom prst="rect">
             <a:avLst/>
@@ -4254,7 +4195,7 @@
             <a:spLocks noGrp="1"/>
           </p:cNvSpPr>
           <p:nvPr>
-            <p:ph type="ftr" idx="8"/>
+            <p:ph type="ftr" idx="7"/>
           </p:nvPr>
         </p:nvSpPr>
         <p:spPr/>
@@ -4274,14 +4215,14 @@
             <a:spLocks noGrp="1"/>
           </p:cNvSpPr>
           <p:nvPr>
-            <p:ph type="sldNum" idx="9"/>
-          </p:nvPr>
-        </p:nvSpPr>
-        <p:spPr/>
-        <p:txBody>
-          <a:bodyPr/>
-          <a:p>
-            <a:fld id="{A60FD2C4-DE96-4431-BA61-4F1CD85AD5EB}" type="slidenum">
+            <p:ph type="sldNum" idx="8"/>
+          </p:nvPr>
+        </p:nvSpPr>
+        <p:spPr/>
+        <p:txBody>
+          <a:bodyPr/>
+          <a:p>
+            <a:fld id="{A3BFDAC1-B1E3-4F2B-A306-A5CACDBE4D28}" type="slidenum">
               <a:t>&lt;#&gt;</a:t>
             </a:fld>
           </a:p>
@@ -4294,7 +4235,7 @@
             <a:spLocks noGrp="1"/>
           </p:cNvSpPr>
           <p:nvPr>
-            <p:ph type="dt" idx="7"/>
+            <p:ph type="dt" idx="9"/>
           </p:nvPr>
         </p:nvSpPr>
         <p:spPr/>
@@ -4332,7 +4273,7 @@
       </p:grpSpPr>
       <p:sp>
         <p:nvSpPr>
-          <p:cNvPr id="132" name="PlaceHolder 1"/>
+          <p:cNvPr id="131" name="PlaceHolder 1"/>
           <p:cNvSpPr>
             <a:spLocks noGrp="1"/>
           </p:cNvSpPr>
@@ -4342,8 +4283,8 @@
         </p:nvSpPr>
         <p:spPr>
           <a:xfrm>
-            <a:off x="540000" y="270000"/>
-            <a:ext cx="9000000" cy="990000"/>
+            <a:off x="504000" y="226080"/>
+            <a:ext cx="9072000" cy="946440"/>
           </a:xfrm>
           <a:prstGeom prst="rect">
             <a:avLst/>
@@ -4361,18 +4302,15 @@
             <a:pPr algn="ctr">
               <a:buNone/>
             </a:pPr>
-            <a:endParaRPr b="0" lang="en-US" sz="3300" spc="-1" strike="noStrike">
-              <a:solidFill>
-                <a:srgbClr val="ffffff"/>
-              </a:solidFill>
-              <a:latin typeface="Arial"/>
-            </a:endParaRPr>
-          </a:p>
-        </p:txBody>
-      </p:sp>
-      <p:sp>
-        <p:nvSpPr>
-          <p:cNvPr id="133" name="PlaceHolder 2"/>
+            <a:endParaRPr b="0" lang="en-US" sz="4400" spc="-1" strike="noStrike">
+              <a:latin typeface="Arial"/>
+            </a:endParaRPr>
+          </a:p>
+        </p:txBody>
+      </p:sp>
+      <p:sp>
+        <p:nvSpPr>
+          <p:cNvPr id="132" name="PlaceHolder 2"/>
           <p:cNvSpPr>
             <a:spLocks noGrp="1"/>
           </p:cNvSpPr>
@@ -4382,8 +4320,8 @@
         </p:nvSpPr>
         <p:spPr>
           <a:xfrm>
-            <a:off x="540000" y="1440000"/>
-            <a:ext cx="4391640" cy="1716840"/>
+            <a:off x="504000" y="1326600"/>
+            <a:ext cx="4426920" cy="1568520"/>
           </a:xfrm>
           <a:prstGeom prst="rect">
             <a:avLst/>
@@ -4398,15 +4336,15 @@
             <a:normAutofit/>
           </a:bodyPr>
           <a:p>
-            <a:endParaRPr b="0" lang="en-US" sz="2400" spc="-1" strike="noStrike">
-              <a:latin typeface="Arial"/>
-            </a:endParaRPr>
-          </a:p>
-        </p:txBody>
-      </p:sp>
-      <p:sp>
-        <p:nvSpPr>
-          <p:cNvPr id="134" name="PlaceHolder 3"/>
+            <a:endParaRPr b="0" lang="en-US" sz="3200" spc="-1" strike="noStrike">
+              <a:latin typeface="Arial"/>
+            </a:endParaRPr>
+          </a:p>
+        </p:txBody>
+      </p:sp>
+      <p:sp>
+        <p:nvSpPr>
+          <p:cNvPr id="133" name="PlaceHolder 3"/>
           <p:cNvSpPr>
             <a:spLocks noGrp="1"/>
           </p:cNvSpPr>
@@ -4416,8 +4354,8 @@
         </p:nvSpPr>
         <p:spPr>
           <a:xfrm>
-            <a:off x="5151600" y="1440000"/>
-            <a:ext cx="4391640" cy="3600000"/>
+            <a:off x="5152680" y="1326600"/>
+            <a:ext cx="4426920" cy="3288600"/>
           </a:xfrm>
           <a:prstGeom prst="rect">
             <a:avLst/>
@@ -4432,15 +4370,15 @@
             <a:normAutofit/>
           </a:bodyPr>
           <a:p>
-            <a:endParaRPr b="0" lang="en-US" sz="2400" spc="-1" strike="noStrike">
-              <a:latin typeface="Arial"/>
-            </a:endParaRPr>
-          </a:p>
-        </p:txBody>
-      </p:sp>
-      <p:sp>
-        <p:nvSpPr>
-          <p:cNvPr id="135" name="PlaceHolder 4"/>
+            <a:endParaRPr b="0" lang="en-US" sz="3200" spc="-1" strike="noStrike">
+              <a:latin typeface="Arial"/>
+            </a:endParaRPr>
+          </a:p>
+        </p:txBody>
+      </p:sp>
+      <p:sp>
+        <p:nvSpPr>
+          <p:cNvPr id="134" name="PlaceHolder 4"/>
           <p:cNvSpPr>
             <a:spLocks noGrp="1"/>
           </p:cNvSpPr>
@@ -4450,8 +4388,8 @@
         </p:nvSpPr>
         <p:spPr>
           <a:xfrm>
-            <a:off x="540000" y="3320280"/>
-            <a:ext cx="4391640" cy="1716840"/>
+            <a:off x="504000" y="3044520"/>
+            <a:ext cx="4426920" cy="1568520"/>
           </a:xfrm>
           <a:prstGeom prst="rect">
             <a:avLst/>
@@ -4466,7 +4404,7 @@
             <a:normAutofit/>
           </a:bodyPr>
           <a:p>
-            <a:endParaRPr b="0" lang="en-US" sz="2400" spc="-1" strike="noStrike">
+            <a:endParaRPr b="0" lang="en-US" sz="3200" spc="-1" strike="noStrike">
               <a:latin typeface="Arial"/>
             </a:endParaRPr>
           </a:p>
@@ -4479,7 +4417,7 @@
             <a:spLocks noGrp="1"/>
           </p:cNvSpPr>
           <p:nvPr>
-            <p:ph type="ftr" idx="8"/>
+            <p:ph type="ftr" idx="7"/>
           </p:nvPr>
         </p:nvSpPr>
         <p:spPr/>
@@ -4499,14 +4437,14 @@
             <a:spLocks noGrp="1"/>
           </p:cNvSpPr>
           <p:nvPr>
-            <p:ph type="sldNum" idx="9"/>
-          </p:nvPr>
-        </p:nvSpPr>
-        <p:spPr/>
-        <p:txBody>
-          <a:bodyPr/>
-          <a:p>
-            <a:fld id="{4B82DFA8-358A-44C2-97AA-9538BED0DFA1}" type="slidenum">
+            <p:ph type="sldNum" idx="8"/>
+          </p:nvPr>
+        </p:nvSpPr>
+        <p:spPr/>
+        <p:txBody>
+          <a:bodyPr/>
+          <a:p>
+            <a:fld id="{FA892B0C-29F7-4B2D-BFA1-1345B67E3CD3}" type="slidenum">
               <a:t>&lt;#&gt;</a:t>
             </a:fld>
           </a:p>
@@ -4519,7 +4457,7 @@
             <a:spLocks noGrp="1"/>
           </p:cNvSpPr>
           <p:nvPr>
-            <p:ph type="dt" idx="7"/>
+            <p:ph type="dt" idx="9"/>
           </p:nvPr>
         </p:nvSpPr>
         <p:spPr/>
@@ -4557,7 +4495,7 @@
       </p:grpSpPr>
       <p:sp>
         <p:nvSpPr>
-          <p:cNvPr id="136" name="PlaceHolder 1"/>
+          <p:cNvPr id="135" name="PlaceHolder 1"/>
           <p:cNvSpPr>
             <a:spLocks noGrp="1"/>
           </p:cNvSpPr>
@@ -4567,8 +4505,8 @@
         </p:nvSpPr>
         <p:spPr>
           <a:xfrm>
-            <a:off x="540000" y="270000"/>
-            <a:ext cx="9000000" cy="990000"/>
+            <a:off x="504000" y="226080"/>
+            <a:ext cx="9072000" cy="946440"/>
           </a:xfrm>
           <a:prstGeom prst="rect">
             <a:avLst/>
@@ -4586,18 +4524,15 @@
             <a:pPr algn="ctr">
               <a:buNone/>
             </a:pPr>
-            <a:endParaRPr b="0" lang="en-US" sz="3300" spc="-1" strike="noStrike">
-              <a:solidFill>
-                <a:srgbClr val="ffffff"/>
-              </a:solidFill>
-              <a:latin typeface="Arial"/>
-            </a:endParaRPr>
-          </a:p>
-        </p:txBody>
-      </p:sp>
-      <p:sp>
-        <p:nvSpPr>
-          <p:cNvPr id="137" name="PlaceHolder 2"/>
+            <a:endParaRPr b="0" lang="en-US" sz="4400" spc="-1" strike="noStrike">
+              <a:latin typeface="Arial"/>
+            </a:endParaRPr>
+          </a:p>
+        </p:txBody>
+      </p:sp>
+      <p:sp>
+        <p:nvSpPr>
+          <p:cNvPr id="136" name="PlaceHolder 2"/>
           <p:cNvSpPr>
             <a:spLocks noGrp="1"/>
           </p:cNvSpPr>
@@ -4607,8 +4542,8 @@
         </p:nvSpPr>
         <p:spPr>
           <a:xfrm>
-            <a:off x="540000" y="1440000"/>
-            <a:ext cx="4391640" cy="3600000"/>
+            <a:off x="504000" y="1326600"/>
+            <a:ext cx="4426920" cy="3288600"/>
           </a:xfrm>
           <a:prstGeom prst="rect">
             <a:avLst/>
@@ -4623,15 +4558,15 @@
             <a:normAutofit/>
           </a:bodyPr>
           <a:p>
-            <a:endParaRPr b="0" lang="en-US" sz="2400" spc="-1" strike="noStrike">
-              <a:latin typeface="Arial"/>
-            </a:endParaRPr>
-          </a:p>
-        </p:txBody>
-      </p:sp>
-      <p:sp>
-        <p:nvSpPr>
-          <p:cNvPr id="138" name="PlaceHolder 3"/>
+            <a:endParaRPr b="0" lang="en-US" sz="3200" spc="-1" strike="noStrike">
+              <a:latin typeface="Arial"/>
+            </a:endParaRPr>
+          </a:p>
+        </p:txBody>
+      </p:sp>
+      <p:sp>
+        <p:nvSpPr>
+          <p:cNvPr id="137" name="PlaceHolder 3"/>
           <p:cNvSpPr>
             <a:spLocks noGrp="1"/>
           </p:cNvSpPr>
@@ -4641,8 +4576,8 @@
         </p:nvSpPr>
         <p:spPr>
           <a:xfrm>
-            <a:off x="5151600" y="1440000"/>
-            <a:ext cx="4391640" cy="1716840"/>
+            <a:off x="5152680" y="1326600"/>
+            <a:ext cx="4426920" cy="1568520"/>
           </a:xfrm>
           <a:prstGeom prst="rect">
             <a:avLst/>
@@ -4657,15 +4592,15 @@
             <a:normAutofit/>
           </a:bodyPr>
           <a:p>
-            <a:endParaRPr b="0" lang="en-US" sz="2400" spc="-1" strike="noStrike">
-              <a:latin typeface="Arial"/>
-            </a:endParaRPr>
-          </a:p>
-        </p:txBody>
-      </p:sp>
-      <p:sp>
-        <p:nvSpPr>
-          <p:cNvPr id="139" name="PlaceHolder 4"/>
+            <a:endParaRPr b="0" lang="en-US" sz="3200" spc="-1" strike="noStrike">
+              <a:latin typeface="Arial"/>
+            </a:endParaRPr>
+          </a:p>
+        </p:txBody>
+      </p:sp>
+      <p:sp>
+        <p:nvSpPr>
+          <p:cNvPr id="138" name="PlaceHolder 4"/>
           <p:cNvSpPr>
             <a:spLocks noGrp="1"/>
           </p:cNvSpPr>
@@ -4675,8 +4610,8 @@
         </p:nvSpPr>
         <p:spPr>
           <a:xfrm>
-            <a:off x="5151600" y="3320280"/>
-            <a:ext cx="4391640" cy="1716840"/>
+            <a:off x="5152680" y="3044520"/>
+            <a:ext cx="4426920" cy="1568520"/>
           </a:xfrm>
           <a:prstGeom prst="rect">
             <a:avLst/>
@@ -4691,7 +4626,7 @@
             <a:normAutofit/>
           </a:bodyPr>
           <a:p>
-            <a:endParaRPr b="0" lang="en-US" sz="2400" spc="-1" strike="noStrike">
+            <a:endParaRPr b="0" lang="en-US" sz="3200" spc="-1" strike="noStrike">
               <a:latin typeface="Arial"/>
             </a:endParaRPr>
           </a:p>
@@ -4704,7 +4639,7 @@
             <a:spLocks noGrp="1"/>
           </p:cNvSpPr>
           <p:nvPr>
-            <p:ph type="ftr" idx="8"/>
+            <p:ph type="ftr" idx="7"/>
           </p:nvPr>
         </p:nvSpPr>
         <p:spPr/>
@@ -4724,14 +4659,14 @@
             <a:spLocks noGrp="1"/>
           </p:cNvSpPr>
           <p:nvPr>
-            <p:ph type="sldNum" idx="9"/>
-          </p:nvPr>
-        </p:nvSpPr>
-        <p:spPr/>
-        <p:txBody>
-          <a:bodyPr/>
-          <a:p>
-            <a:fld id="{671555EB-CD35-4E2E-9AFE-B8F852D3B036}" type="slidenum">
+            <p:ph type="sldNum" idx="8"/>
+          </p:nvPr>
+        </p:nvSpPr>
+        <p:spPr/>
+        <p:txBody>
+          <a:bodyPr/>
+          <a:p>
+            <a:fld id="{C0CB02BD-06DF-4C5E-AA86-38393E9A0ECC}" type="slidenum">
               <a:t>&lt;#&gt;</a:t>
             </a:fld>
           </a:p>
@@ -4744,7 +4679,7 @@
             <a:spLocks noGrp="1"/>
           </p:cNvSpPr>
           <p:nvPr>
-            <p:ph type="dt" idx="7"/>
+            <p:ph type="dt" idx="9"/>
           </p:nvPr>
         </p:nvSpPr>
         <p:spPr/>
@@ -4782,7 +4717,7 @@
       </p:grpSpPr>
       <p:sp>
         <p:nvSpPr>
-          <p:cNvPr id="140" name="PlaceHolder 1"/>
+          <p:cNvPr id="139" name="PlaceHolder 1"/>
           <p:cNvSpPr>
             <a:spLocks noGrp="1"/>
           </p:cNvSpPr>
@@ -4792,8 +4727,8 @@
         </p:nvSpPr>
         <p:spPr>
           <a:xfrm>
-            <a:off x="540000" y="270000"/>
-            <a:ext cx="9000000" cy="990000"/>
+            <a:off x="504000" y="226080"/>
+            <a:ext cx="9072000" cy="946440"/>
           </a:xfrm>
           <a:prstGeom prst="rect">
             <a:avLst/>
@@ -4811,18 +4746,15 @@
             <a:pPr algn="ctr">
               <a:buNone/>
             </a:pPr>
-            <a:endParaRPr b="0" lang="en-US" sz="3300" spc="-1" strike="noStrike">
-              <a:solidFill>
-                <a:srgbClr val="ffffff"/>
-              </a:solidFill>
-              <a:latin typeface="Arial"/>
-            </a:endParaRPr>
-          </a:p>
-        </p:txBody>
-      </p:sp>
-      <p:sp>
-        <p:nvSpPr>
-          <p:cNvPr id="141" name="PlaceHolder 2"/>
+            <a:endParaRPr b="0" lang="en-US" sz="4400" spc="-1" strike="noStrike">
+              <a:latin typeface="Arial"/>
+            </a:endParaRPr>
+          </a:p>
+        </p:txBody>
+      </p:sp>
+      <p:sp>
+        <p:nvSpPr>
+          <p:cNvPr id="140" name="PlaceHolder 2"/>
           <p:cNvSpPr>
             <a:spLocks noGrp="1"/>
           </p:cNvSpPr>
@@ -4832,8 +4764,8 @@
         </p:nvSpPr>
         <p:spPr>
           <a:xfrm>
-            <a:off x="540000" y="1440000"/>
-            <a:ext cx="4391640" cy="1716840"/>
+            <a:off x="504000" y="1326600"/>
+            <a:ext cx="4426920" cy="1568520"/>
           </a:xfrm>
           <a:prstGeom prst="rect">
             <a:avLst/>
@@ -4848,15 +4780,15 @@
             <a:normAutofit/>
           </a:bodyPr>
           <a:p>
-            <a:endParaRPr b="0" lang="en-US" sz="2400" spc="-1" strike="noStrike">
-              <a:latin typeface="Arial"/>
-            </a:endParaRPr>
-          </a:p>
-        </p:txBody>
-      </p:sp>
-      <p:sp>
-        <p:nvSpPr>
-          <p:cNvPr id="142" name="PlaceHolder 3"/>
+            <a:endParaRPr b="0" lang="en-US" sz="3200" spc="-1" strike="noStrike">
+              <a:latin typeface="Arial"/>
+            </a:endParaRPr>
+          </a:p>
+        </p:txBody>
+      </p:sp>
+      <p:sp>
+        <p:nvSpPr>
+          <p:cNvPr id="141" name="PlaceHolder 3"/>
           <p:cNvSpPr>
             <a:spLocks noGrp="1"/>
           </p:cNvSpPr>
@@ -4866,8 +4798,8 @@
         </p:nvSpPr>
         <p:spPr>
           <a:xfrm>
-            <a:off x="5151600" y="1440000"/>
-            <a:ext cx="4391640" cy="1716840"/>
+            <a:off x="5152680" y="1326600"/>
+            <a:ext cx="4426920" cy="1568520"/>
           </a:xfrm>
           <a:prstGeom prst="rect">
             <a:avLst/>
@@ -4882,15 +4814,15 @@
             <a:normAutofit/>
           </a:bodyPr>
           <a:p>
-            <a:endParaRPr b="0" lang="en-US" sz="2400" spc="-1" strike="noStrike">
-              <a:latin typeface="Arial"/>
-            </a:endParaRPr>
-          </a:p>
-        </p:txBody>
-      </p:sp>
-      <p:sp>
-        <p:nvSpPr>
-          <p:cNvPr id="143" name="PlaceHolder 4"/>
+            <a:endParaRPr b="0" lang="en-US" sz="3200" spc="-1" strike="noStrike">
+              <a:latin typeface="Arial"/>
+            </a:endParaRPr>
+          </a:p>
+        </p:txBody>
+      </p:sp>
+      <p:sp>
+        <p:nvSpPr>
+          <p:cNvPr id="142" name="PlaceHolder 4"/>
           <p:cNvSpPr>
             <a:spLocks noGrp="1"/>
           </p:cNvSpPr>
@@ -4900,8 +4832,8 @@
         </p:nvSpPr>
         <p:spPr>
           <a:xfrm>
-            <a:off x="540000" y="3320280"/>
-            <a:ext cx="9000000" cy="1716840"/>
+            <a:off x="504000" y="3044520"/>
+            <a:ext cx="9072000" cy="1568520"/>
           </a:xfrm>
           <a:prstGeom prst="rect">
             <a:avLst/>
@@ -4916,7 +4848,7 @@
             <a:normAutofit/>
           </a:bodyPr>
           <a:p>
-            <a:endParaRPr b="0" lang="en-US" sz="2400" spc="-1" strike="noStrike">
+            <a:endParaRPr b="0" lang="en-US" sz="3200" spc="-1" strike="noStrike">
               <a:latin typeface="Arial"/>
             </a:endParaRPr>
           </a:p>
@@ -4929,7 +4861,7 @@
             <a:spLocks noGrp="1"/>
           </p:cNvSpPr>
           <p:nvPr>
-            <p:ph type="ftr" idx="8"/>
+            <p:ph type="ftr" idx="7"/>
           </p:nvPr>
         </p:nvSpPr>
         <p:spPr/>
@@ -4949,14 +4881,14 @@
             <a:spLocks noGrp="1"/>
           </p:cNvSpPr>
           <p:nvPr>
-            <p:ph type="sldNum" idx="9"/>
-          </p:nvPr>
-        </p:nvSpPr>
-        <p:spPr/>
-        <p:txBody>
-          <a:bodyPr/>
-          <a:p>
-            <a:fld id="{D0174A29-693A-4FE2-8C06-E8BB4A354913}" type="slidenum">
+            <p:ph type="sldNum" idx="8"/>
+          </p:nvPr>
+        </p:nvSpPr>
+        <p:spPr/>
+        <p:txBody>
+          <a:bodyPr/>
+          <a:p>
+            <a:fld id="{00254E8E-D53B-4CB4-811B-6BF5B36208B5}" type="slidenum">
               <a:t>&lt;#&gt;</a:t>
             </a:fld>
           </a:p>
@@ -4969,7 +4901,7 @@
             <a:spLocks noGrp="1"/>
           </p:cNvSpPr>
           <p:nvPr>
-            <p:ph type="dt" idx="7"/>
+            <p:ph type="dt" idx="9"/>
           </p:nvPr>
         </p:nvSpPr>
         <p:spPr/>
@@ -5007,7 +4939,7 @@
       </p:grpSpPr>
       <p:sp>
         <p:nvSpPr>
-          <p:cNvPr id="144" name="PlaceHolder 1"/>
+          <p:cNvPr id="143" name="PlaceHolder 1"/>
           <p:cNvSpPr>
             <a:spLocks noGrp="1"/>
           </p:cNvSpPr>
@@ -5017,8 +4949,8 @@
         </p:nvSpPr>
         <p:spPr>
           <a:xfrm>
-            <a:off x="540000" y="270000"/>
-            <a:ext cx="9000000" cy="990000"/>
+            <a:off x="504000" y="226080"/>
+            <a:ext cx="9072000" cy="946440"/>
           </a:xfrm>
           <a:prstGeom prst="rect">
             <a:avLst/>
@@ -5036,18 +4968,15 @@
             <a:pPr algn="ctr">
               <a:buNone/>
             </a:pPr>
-            <a:endParaRPr b="0" lang="en-US" sz="3300" spc="-1" strike="noStrike">
-              <a:solidFill>
-                <a:srgbClr val="ffffff"/>
-              </a:solidFill>
-              <a:latin typeface="Arial"/>
-            </a:endParaRPr>
-          </a:p>
-        </p:txBody>
-      </p:sp>
-      <p:sp>
-        <p:nvSpPr>
-          <p:cNvPr id="145" name="PlaceHolder 2"/>
+            <a:endParaRPr b="0" lang="en-US" sz="4400" spc="-1" strike="noStrike">
+              <a:latin typeface="Arial"/>
+            </a:endParaRPr>
+          </a:p>
+        </p:txBody>
+      </p:sp>
+      <p:sp>
+        <p:nvSpPr>
+          <p:cNvPr id="144" name="PlaceHolder 2"/>
           <p:cNvSpPr>
             <a:spLocks noGrp="1"/>
           </p:cNvSpPr>
@@ -5057,8 +4986,8 @@
         </p:nvSpPr>
         <p:spPr>
           <a:xfrm>
-            <a:off x="540000" y="1440000"/>
-            <a:ext cx="9000000" cy="1716840"/>
+            <a:off x="504000" y="1326600"/>
+            <a:ext cx="9072000" cy="1568520"/>
           </a:xfrm>
           <a:prstGeom prst="rect">
             <a:avLst/>
@@ -5073,15 +5002,15 @@
             <a:normAutofit/>
           </a:bodyPr>
           <a:p>
-            <a:endParaRPr b="0" lang="en-US" sz="2400" spc="-1" strike="noStrike">
-              <a:latin typeface="Arial"/>
-            </a:endParaRPr>
-          </a:p>
-        </p:txBody>
-      </p:sp>
-      <p:sp>
-        <p:nvSpPr>
-          <p:cNvPr id="146" name="PlaceHolder 3"/>
+            <a:endParaRPr b="0" lang="en-US" sz="3200" spc="-1" strike="noStrike">
+              <a:latin typeface="Arial"/>
+            </a:endParaRPr>
+          </a:p>
+        </p:txBody>
+      </p:sp>
+      <p:sp>
+        <p:nvSpPr>
+          <p:cNvPr id="145" name="PlaceHolder 3"/>
           <p:cNvSpPr>
             <a:spLocks noGrp="1"/>
           </p:cNvSpPr>
@@ -5091,8 +5020,8 @@
         </p:nvSpPr>
         <p:spPr>
           <a:xfrm>
-            <a:off x="540000" y="3320280"/>
-            <a:ext cx="9000000" cy="1716840"/>
+            <a:off x="504000" y="3044520"/>
+            <a:ext cx="9072000" cy="1568520"/>
           </a:xfrm>
           <a:prstGeom prst="rect">
             <a:avLst/>
@@ -5107,7 +5036,7 @@
             <a:normAutofit/>
           </a:bodyPr>
           <a:p>
-            <a:endParaRPr b="0" lang="en-US" sz="2400" spc="-1" strike="noStrike">
+            <a:endParaRPr b="0" lang="en-US" sz="3200" spc="-1" strike="noStrike">
               <a:latin typeface="Arial"/>
             </a:endParaRPr>
           </a:p>
@@ -5120,7 +5049,7 @@
             <a:spLocks noGrp="1"/>
           </p:cNvSpPr>
           <p:nvPr>
-            <p:ph type="ftr" idx="8"/>
+            <p:ph type="ftr" idx="7"/>
           </p:nvPr>
         </p:nvSpPr>
         <p:spPr/>
@@ -5140,14 +5069,14 @@
             <a:spLocks noGrp="1"/>
           </p:cNvSpPr>
           <p:nvPr>
-            <p:ph type="sldNum" idx="9"/>
-          </p:nvPr>
-        </p:nvSpPr>
-        <p:spPr/>
-        <p:txBody>
-          <a:bodyPr/>
-          <a:p>
-            <a:fld id="{8080E86E-C30D-4CAE-A0D8-EF27DD8664DF}" type="slidenum">
+            <p:ph type="sldNum" idx="8"/>
+          </p:nvPr>
+        </p:nvSpPr>
+        <p:spPr/>
+        <p:txBody>
+          <a:bodyPr/>
+          <a:p>
+            <a:fld id="{7F1131AF-BDC4-4F52-AFDA-7F3962C0A240}" type="slidenum">
               <a:t>&lt;#&gt;</a:t>
             </a:fld>
           </a:p>
@@ -5160,7 +5089,7 @@
             <a:spLocks noGrp="1"/>
           </p:cNvSpPr>
           <p:nvPr>
-            <p:ph type="dt" idx="7"/>
+            <p:ph type="dt" idx="9"/>
           </p:nvPr>
         </p:nvSpPr>
         <p:spPr/>
@@ -5198,7 +5127,7 @@
       </p:grpSpPr>
       <p:sp>
         <p:nvSpPr>
-          <p:cNvPr id="147" name="PlaceHolder 1"/>
+          <p:cNvPr id="146" name="PlaceHolder 1"/>
           <p:cNvSpPr>
             <a:spLocks noGrp="1"/>
           </p:cNvSpPr>
@@ -5208,8 +5137,8 @@
         </p:nvSpPr>
         <p:spPr>
           <a:xfrm>
-            <a:off x="540000" y="270000"/>
-            <a:ext cx="9000000" cy="990000"/>
+            <a:off x="504000" y="226080"/>
+            <a:ext cx="9072000" cy="946440"/>
           </a:xfrm>
           <a:prstGeom prst="rect">
             <a:avLst/>
@@ -5227,18 +5156,15 @@
             <a:pPr algn="ctr">
               <a:buNone/>
             </a:pPr>
-            <a:endParaRPr b="0" lang="en-US" sz="3300" spc="-1" strike="noStrike">
-              <a:solidFill>
-                <a:srgbClr val="ffffff"/>
-              </a:solidFill>
-              <a:latin typeface="Arial"/>
-            </a:endParaRPr>
-          </a:p>
-        </p:txBody>
-      </p:sp>
-      <p:sp>
-        <p:nvSpPr>
-          <p:cNvPr id="148" name="PlaceHolder 2"/>
+            <a:endParaRPr b="0" lang="en-US" sz="4400" spc="-1" strike="noStrike">
+              <a:latin typeface="Arial"/>
+            </a:endParaRPr>
+          </a:p>
+        </p:txBody>
+      </p:sp>
+      <p:sp>
+        <p:nvSpPr>
+          <p:cNvPr id="147" name="PlaceHolder 2"/>
           <p:cNvSpPr>
             <a:spLocks noGrp="1"/>
           </p:cNvSpPr>
@@ -5248,8 +5174,8 @@
         </p:nvSpPr>
         <p:spPr>
           <a:xfrm>
-            <a:off x="540000" y="1440000"/>
-            <a:ext cx="4391640" cy="1716840"/>
+            <a:off x="504000" y="1326600"/>
+            <a:ext cx="4426920" cy="1568520"/>
           </a:xfrm>
           <a:prstGeom prst="rect">
             <a:avLst/>
@@ -5264,15 +5190,15 @@
             <a:normAutofit/>
           </a:bodyPr>
           <a:p>
-            <a:endParaRPr b="0" lang="en-US" sz="2400" spc="-1" strike="noStrike">
-              <a:latin typeface="Arial"/>
-            </a:endParaRPr>
-          </a:p>
-        </p:txBody>
-      </p:sp>
-      <p:sp>
-        <p:nvSpPr>
-          <p:cNvPr id="149" name="PlaceHolder 3"/>
+            <a:endParaRPr b="0" lang="en-US" sz="3200" spc="-1" strike="noStrike">
+              <a:latin typeface="Arial"/>
+            </a:endParaRPr>
+          </a:p>
+        </p:txBody>
+      </p:sp>
+      <p:sp>
+        <p:nvSpPr>
+          <p:cNvPr id="148" name="PlaceHolder 3"/>
           <p:cNvSpPr>
             <a:spLocks noGrp="1"/>
           </p:cNvSpPr>
@@ -5282,8 +5208,8 @@
         </p:nvSpPr>
         <p:spPr>
           <a:xfrm>
-            <a:off x="5151600" y="1440000"/>
-            <a:ext cx="4391640" cy="1716840"/>
+            <a:off x="5152680" y="1326600"/>
+            <a:ext cx="4426920" cy="1568520"/>
           </a:xfrm>
           <a:prstGeom prst="rect">
             <a:avLst/>
@@ -5298,15 +5224,15 @@
             <a:normAutofit/>
           </a:bodyPr>
           <a:p>
-            <a:endParaRPr b="0" lang="en-US" sz="2400" spc="-1" strike="noStrike">
-              <a:latin typeface="Arial"/>
-            </a:endParaRPr>
-          </a:p>
-        </p:txBody>
-      </p:sp>
-      <p:sp>
-        <p:nvSpPr>
-          <p:cNvPr id="150" name="PlaceHolder 4"/>
+            <a:endParaRPr b="0" lang="en-US" sz="3200" spc="-1" strike="noStrike">
+              <a:latin typeface="Arial"/>
+            </a:endParaRPr>
+          </a:p>
+        </p:txBody>
+      </p:sp>
+      <p:sp>
+        <p:nvSpPr>
+          <p:cNvPr id="149" name="PlaceHolder 4"/>
           <p:cNvSpPr>
             <a:spLocks noGrp="1"/>
           </p:cNvSpPr>
@@ -5316,8 +5242,8 @@
         </p:nvSpPr>
         <p:spPr>
           <a:xfrm>
-            <a:off x="540000" y="3320280"/>
-            <a:ext cx="4391640" cy="1716840"/>
+            <a:off x="504000" y="3044520"/>
+            <a:ext cx="4426920" cy="1568520"/>
           </a:xfrm>
           <a:prstGeom prst="rect">
             <a:avLst/>
@@ -5332,15 +5258,15 @@
             <a:normAutofit/>
           </a:bodyPr>
           <a:p>
-            <a:endParaRPr b="0" lang="en-US" sz="2400" spc="-1" strike="noStrike">
-              <a:latin typeface="Arial"/>
-            </a:endParaRPr>
-          </a:p>
-        </p:txBody>
-      </p:sp>
-      <p:sp>
-        <p:nvSpPr>
-          <p:cNvPr id="151" name="PlaceHolder 5"/>
+            <a:endParaRPr b="0" lang="en-US" sz="3200" spc="-1" strike="noStrike">
+              <a:latin typeface="Arial"/>
+            </a:endParaRPr>
+          </a:p>
+        </p:txBody>
+      </p:sp>
+      <p:sp>
+        <p:nvSpPr>
+          <p:cNvPr id="150" name="PlaceHolder 5"/>
           <p:cNvSpPr>
             <a:spLocks noGrp="1"/>
           </p:cNvSpPr>
@@ -5350,8 +5276,8 @@
         </p:nvSpPr>
         <p:spPr>
           <a:xfrm>
-            <a:off x="5151600" y="3320280"/>
-            <a:ext cx="4391640" cy="1716840"/>
+            <a:off x="5152680" y="3044520"/>
+            <a:ext cx="4426920" cy="1568520"/>
           </a:xfrm>
           <a:prstGeom prst="rect">
             <a:avLst/>
@@ -5366,7 +5292,7 @@
             <a:normAutofit/>
           </a:bodyPr>
           <a:p>
-            <a:endParaRPr b="0" lang="en-US" sz="2400" spc="-1" strike="noStrike">
+            <a:endParaRPr b="0" lang="en-US" sz="3200" spc="-1" strike="noStrike">
               <a:latin typeface="Arial"/>
             </a:endParaRPr>
           </a:p>
@@ -5379,7 +5305,7 @@
             <a:spLocks noGrp="1"/>
           </p:cNvSpPr>
           <p:nvPr>
-            <p:ph type="ftr" idx="8"/>
+            <p:ph type="ftr" idx="7"/>
           </p:nvPr>
         </p:nvSpPr>
         <p:spPr/>
@@ -5399,14 +5325,14 @@
             <a:spLocks noGrp="1"/>
           </p:cNvSpPr>
           <p:nvPr>
-            <p:ph type="sldNum" idx="9"/>
-          </p:nvPr>
-        </p:nvSpPr>
-        <p:spPr/>
-        <p:txBody>
-          <a:bodyPr/>
-          <a:p>
-            <a:fld id="{74BFB2C7-DEAC-4F2C-A5B9-DDCAF6D7E68E}" type="slidenum">
+            <p:ph type="sldNum" idx="8"/>
+          </p:nvPr>
+        </p:nvSpPr>
+        <p:spPr/>
+        <p:txBody>
+          <a:bodyPr/>
+          <a:p>
+            <a:fld id="{32D1BBEB-0FD2-45DD-8271-1B27BD85A26A}" type="slidenum">
               <a:t>&lt;#&gt;</a:t>
             </a:fld>
           </a:p>
@@ -5419,7 +5345,7 @@
             <a:spLocks noGrp="1"/>
           </p:cNvSpPr>
           <p:nvPr>
-            <p:ph type="dt" idx="7"/>
+            <p:ph type="dt" idx="9"/>
           </p:nvPr>
         </p:nvSpPr>
         <p:spPr/>
@@ -5457,7 +5383,7 @@
       </p:grpSpPr>
       <p:sp>
         <p:nvSpPr>
-          <p:cNvPr id="152" name="PlaceHolder 1"/>
+          <p:cNvPr id="151" name="PlaceHolder 1"/>
           <p:cNvSpPr>
             <a:spLocks noGrp="1"/>
           </p:cNvSpPr>
@@ -5467,8 +5393,8 @@
         </p:nvSpPr>
         <p:spPr>
           <a:xfrm>
-            <a:off x="540000" y="270000"/>
-            <a:ext cx="9000000" cy="990000"/>
+            <a:off x="504000" y="226080"/>
+            <a:ext cx="9072000" cy="946440"/>
           </a:xfrm>
           <a:prstGeom prst="rect">
             <a:avLst/>
@@ -5486,18 +5412,15 @@
             <a:pPr algn="ctr">
               <a:buNone/>
             </a:pPr>
-            <a:endParaRPr b="0" lang="en-US" sz="3300" spc="-1" strike="noStrike">
-              <a:solidFill>
-                <a:srgbClr val="ffffff"/>
-              </a:solidFill>
-              <a:latin typeface="Arial"/>
-            </a:endParaRPr>
-          </a:p>
-        </p:txBody>
-      </p:sp>
-      <p:sp>
-        <p:nvSpPr>
-          <p:cNvPr id="153" name="PlaceHolder 2"/>
+            <a:endParaRPr b="0" lang="en-US" sz="4400" spc="-1" strike="noStrike">
+              <a:latin typeface="Arial"/>
+            </a:endParaRPr>
+          </a:p>
+        </p:txBody>
+      </p:sp>
+      <p:sp>
+        <p:nvSpPr>
+          <p:cNvPr id="152" name="PlaceHolder 2"/>
           <p:cNvSpPr>
             <a:spLocks noGrp="1"/>
           </p:cNvSpPr>
@@ -5507,8 +5430,8 @@
         </p:nvSpPr>
         <p:spPr>
           <a:xfrm>
-            <a:off x="540000" y="1440000"/>
-            <a:ext cx="2897640" cy="1716840"/>
+            <a:off x="504000" y="1326600"/>
+            <a:ext cx="2921040" cy="1568520"/>
           </a:xfrm>
           <a:prstGeom prst="rect">
             <a:avLst/>
@@ -5523,15 +5446,15 @@
             <a:normAutofit/>
           </a:bodyPr>
           <a:p>
-            <a:endParaRPr b="0" lang="en-US" sz="2400" spc="-1" strike="noStrike">
-              <a:latin typeface="Arial"/>
-            </a:endParaRPr>
-          </a:p>
-        </p:txBody>
-      </p:sp>
-      <p:sp>
-        <p:nvSpPr>
-          <p:cNvPr id="154" name="PlaceHolder 3"/>
+            <a:endParaRPr b="0" lang="en-US" sz="3200" spc="-1" strike="noStrike">
+              <a:latin typeface="Arial"/>
+            </a:endParaRPr>
+          </a:p>
+        </p:txBody>
+      </p:sp>
+      <p:sp>
+        <p:nvSpPr>
+          <p:cNvPr id="153" name="PlaceHolder 3"/>
           <p:cNvSpPr>
             <a:spLocks noGrp="1"/>
           </p:cNvSpPr>
@@ -5541,8 +5464,8 @@
         </p:nvSpPr>
         <p:spPr>
           <a:xfrm>
-            <a:off x="3583080" y="1440000"/>
-            <a:ext cx="2897640" cy="1716840"/>
+            <a:off x="3571560" y="1326600"/>
+            <a:ext cx="2921040" cy="1568520"/>
           </a:xfrm>
           <a:prstGeom prst="rect">
             <a:avLst/>
@@ -5557,15 +5480,15 @@
             <a:normAutofit/>
           </a:bodyPr>
           <a:p>
-            <a:endParaRPr b="0" lang="en-US" sz="2400" spc="-1" strike="noStrike">
-              <a:latin typeface="Arial"/>
-            </a:endParaRPr>
-          </a:p>
-        </p:txBody>
-      </p:sp>
-      <p:sp>
-        <p:nvSpPr>
-          <p:cNvPr id="155" name="PlaceHolder 4"/>
+            <a:endParaRPr b="0" lang="en-US" sz="3200" spc="-1" strike="noStrike">
+              <a:latin typeface="Arial"/>
+            </a:endParaRPr>
+          </a:p>
+        </p:txBody>
+      </p:sp>
+      <p:sp>
+        <p:nvSpPr>
+          <p:cNvPr id="154" name="PlaceHolder 4"/>
           <p:cNvSpPr>
             <a:spLocks noGrp="1"/>
           </p:cNvSpPr>
@@ -5575,8 +5498,8 @@
         </p:nvSpPr>
         <p:spPr>
           <a:xfrm>
-            <a:off x="6625800" y="1440000"/>
-            <a:ext cx="2897640" cy="1716840"/>
+            <a:off x="6639120" y="1326600"/>
+            <a:ext cx="2921040" cy="1568520"/>
           </a:xfrm>
           <a:prstGeom prst="rect">
             <a:avLst/>
@@ -5591,15 +5514,15 @@
             <a:normAutofit/>
           </a:bodyPr>
           <a:p>
-            <a:endParaRPr b="0" lang="en-US" sz="2400" spc="-1" strike="noStrike">
-              <a:latin typeface="Arial"/>
-            </a:endParaRPr>
-          </a:p>
-        </p:txBody>
-      </p:sp>
-      <p:sp>
-        <p:nvSpPr>
-          <p:cNvPr id="156" name="PlaceHolder 5"/>
+            <a:endParaRPr b="0" lang="en-US" sz="3200" spc="-1" strike="noStrike">
+              <a:latin typeface="Arial"/>
+            </a:endParaRPr>
+          </a:p>
+        </p:txBody>
+      </p:sp>
+      <p:sp>
+        <p:nvSpPr>
+          <p:cNvPr id="155" name="PlaceHolder 5"/>
           <p:cNvSpPr>
             <a:spLocks noGrp="1"/>
           </p:cNvSpPr>
@@ -5609,8 +5532,8 @@
         </p:nvSpPr>
         <p:spPr>
           <a:xfrm>
-            <a:off x="540000" y="3320280"/>
-            <a:ext cx="2897640" cy="1716840"/>
+            <a:off x="504000" y="3044520"/>
+            <a:ext cx="2921040" cy="1568520"/>
           </a:xfrm>
           <a:prstGeom prst="rect">
             <a:avLst/>
@@ -5625,15 +5548,15 @@
             <a:normAutofit/>
           </a:bodyPr>
           <a:p>
-            <a:endParaRPr b="0" lang="en-US" sz="2400" spc="-1" strike="noStrike">
-              <a:latin typeface="Arial"/>
-            </a:endParaRPr>
-          </a:p>
-        </p:txBody>
-      </p:sp>
-      <p:sp>
-        <p:nvSpPr>
-          <p:cNvPr id="157" name="PlaceHolder 6"/>
+            <a:endParaRPr b="0" lang="en-US" sz="3200" spc="-1" strike="noStrike">
+              <a:latin typeface="Arial"/>
+            </a:endParaRPr>
+          </a:p>
+        </p:txBody>
+      </p:sp>
+      <p:sp>
+        <p:nvSpPr>
+          <p:cNvPr id="156" name="PlaceHolder 6"/>
           <p:cNvSpPr>
             <a:spLocks noGrp="1"/>
           </p:cNvSpPr>
@@ -5643,8 +5566,8 @@
         </p:nvSpPr>
         <p:spPr>
           <a:xfrm>
-            <a:off x="3583080" y="3320280"/>
-            <a:ext cx="2897640" cy="1716840"/>
+            <a:off x="3571560" y="3044520"/>
+            <a:ext cx="2921040" cy="1568520"/>
           </a:xfrm>
           <a:prstGeom prst="rect">
             <a:avLst/>
@@ -5659,15 +5582,15 @@
             <a:normAutofit/>
           </a:bodyPr>
           <a:p>
-            <a:endParaRPr b="0" lang="en-US" sz="2400" spc="-1" strike="noStrike">
-              <a:latin typeface="Arial"/>
-            </a:endParaRPr>
-          </a:p>
-        </p:txBody>
-      </p:sp>
-      <p:sp>
-        <p:nvSpPr>
-          <p:cNvPr id="158" name="PlaceHolder 7"/>
+            <a:endParaRPr b="0" lang="en-US" sz="3200" spc="-1" strike="noStrike">
+              <a:latin typeface="Arial"/>
+            </a:endParaRPr>
+          </a:p>
+        </p:txBody>
+      </p:sp>
+      <p:sp>
+        <p:nvSpPr>
+          <p:cNvPr id="157" name="PlaceHolder 7"/>
           <p:cNvSpPr>
             <a:spLocks noGrp="1"/>
           </p:cNvSpPr>
@@ -5677,8 +5600,8 @@
         </p:nvSpPr>
         <p:spPr>
           <a:xfrm>
-            <a:off x="6625800" y="3320280"/>
-            <a:ext cx="2897640" cy="1716840"/>
+            <a:off x="6639120" y="3044520"/>
+            <a:ext cx="2921040" cy="1568520"/>
           </a:xfrm>
           <a:prstGeom prst="rect">
             <a:avLst/>
@@ -5693,7 +5616,7 @@
             <a:normAutofit/>
           </a:bodyPr>
           <a:p>
-            <a:endParaRPr b="0" lang="en-US" sz="2400" spc="-1" strike="noStrike">
+            <a:endParaRPr b="0" lang="en-US" sz="3200" spc="-1" strike="noStrike">
               <a:latin typeface="Arial"/>
             </a:endParaRPr>
           </a:p>
@@ -5706,7 +5629,7 @@
             <a:spLocks noGrp="1"/>
           </p:cNvSpPr>
           <p:nvPr>
-            <p:ph type="ftr" idx="8"/>
+            <p:ph type="ftr" idx="7"/>
           </p:nvPr>
         </p:nvSpPr>
         <p:spPr/>
@@ -5726,14 +5649,14 @@
             <a:spLocks noGrp="1"/>
           </p:cNvSpPr>
           <p:nvPr>
-            <p:ph type="sldNum" idx="9"/>
-          </p:nvPr>
-        </p:nvSpPr>
-        <p:spPr/>
-        <p:txBody>
-          <a:bodyPr/>
-          <a:p>
-            <a:fld id="{9B5BF95C-5A21-409A-ADC2-F510AC13508B}" type="slidenum">
+            <p:ph type="sldNum" idx="8"/>
+          </p:nvPr>
+        </p:nvSpPr>
+        <p:spPr/>
+        <p:txBody>
+          <a:bodyPr/>
+          <a:p>
+            <a:fld id="{B09D9D2B-25C2-4258-934F-FD076E3B4A80}" type="slidenum">
               <a:t>&lt;#&gt;</a:t>
             </a:fld>
           </a:p>
@@ -5746,7 +5669,7 @@
             <a:spLocks noGrp="1"/>
           </p:cNvSpPr>
           <p:nvPr>
-            <p:ph type="dt" idx="7"/>
+            <p:ph type="dt" idx="9"/>
           </p:nvPr>
         </p:nvSpPr>
         <p:spPr/>
@@ -5794,8 +5717,8 @@
         </p:nvSpPr>
         <p:spPr>
           <a:xfrm>
-            <a:off x="540000" y="270000"/>
-            <a:ext cx="9000000" cy="990000"/>
+            <a:off x="504000" y="226080"/>
+            <a:ext cx="9072000" cy="946440"/>
           </a:xfrm>
           <a:prstGeom prst="rect">
             <a:avLst/>
@@ -5813,10 +5736,7 @@
             <a:pPr algn="ctr">
               <a:buNone/>
             </a:pPr>
-            <a:endParaRPr b="0" lang="en-US" sz="3300" spc="-1" strike="noStrike">
-              <a:solidFill>
-                <a:srgbClr val="ffffff"/>
-              </a:solidFill>
+            <a:endParaRPr b="0" lang="en-US" sz="4400" spc="-1" strike="noStrike">
               <a:latin typeface="Arial"/>
             </a:endParaRPr>
           </a:p>
@@ -5834,8 +5754,8 @@
         </p:nvSpPr>
         <p:spPr>
           <a:xfrm>
-            <a:off x="540000" y="1440000"/>
-            <a:ext cx="4391640" cy="3600000"/>
+            <a:off x="504000" y="1326600"/>
+            <a:ext cx="4426920" cy="3288600"/>
           </a:xfrm>
           <a:prstGeom prst="rect">
             <a:avLst/>
@@ -5850,7 +5770,7 @@
             <a:normAutofit/>
           </a:bodyPr>
           <a:p>
-            <a:endParaRPr b="0" lang="en-US" sz="2400" spc="-1" strike="noStrike">
+            <a:endParaRPr b="0" lang="en-US" sz="3200" spc="-1" strike="noStrike">
               <a:latin typeface="Arial"/>
             </a:endParaRPr>
           </a:p>
@@ -5868,8 +5788,8 @@
         </p:nvSpPr>
         <p:spPr>
           <a:xfrm>
-            <a:off x="5151600" y="1440000"/>
-            <a:ext cx="4391640" cy="3600000"/>
+            <a:off x="5152680" y="1326600"/>
+            <a:ext cx="4426920" cy="3288600"/>
           </a:xfrm>
           <a:prstGeom prst="rect">
             <a:avLst/>
@@ -5884,7 +5804,7 @@
             <a:normAutofit/>
           </a:bodyPr>
           <a:p>
-            <a:endParaRPr b="0" lang="en-US" sz="2400" spc="-1" strike="noStrike">
+            <a:endParaRPr b="0" lang="en-US" sz="3200" spc="-1" strike="noStrike">
               <a:latin typeface="Arial"/>
             </a:endParaRPr>
           </a:p>
@@ -5897,7 +5817,7 @@
             <a:spLocks noGrp="1"/>
           </p:cNvSpPr>
           <p:nvPr>
-            <p:ph type="ftr" idx="2"/>
+            <p:ph type="ftr" idx="1"/>
           </p:nvPr>
         </p:nvSpPr>
         <p:spPr/>
@@ -5917,14 +5837,14 @@
             <a:spLocks noGrp="1"/>
           </p:cNvSpPr>
           <p:nvPr>
-            <p:ph type="sldNum" idx="3"/>
-          </p:nvPr>
-        </p:nvSpPr>
-        <p:spPr/>
-        <p:txBody>
-          <a:bodyPr/>
-          <a:p>
-            <a:fld id="{0999DA89-A38D-4041-8640-C1E94DF781D1}" type="slidenum">
+            <p:ph type="sldNum" idx="2"/>
+          </p:nvPr>
+        </p:nvSpPr>
+        <p:spPr/>
+        <p:txBody>
+          <a:bodyPr/>
+          <a:p>
+            <a:fld id="{E7F62322-D636-4DD6-9C22-BC4CA90FCEB7}" type="slidenum">
               <a:t>&lt;#&gt;</a:t>
             </a:fld>
           </a:p>
@@ -5937,7 +5857,7 @@
             <a:spLocks noGrp="1"/>
           </p:cNvSpPr>
           <p:nvPr>
-            <p:ph type="dt" idx="1"/>
+            <p:ph type="dt" idx="3"/>
           </p:nvPr>
         </p:nvSpPr>
         <p:spPr/>
@@ -5985,8 +5905,8 @@
         </p:nvSpPr>
         <p:spPr>
           <a:xfrm>
-            <a:off x="540000" y="270000"/>
-            <a:ext cx="9000000" cy="990000"/>
+            <a:off x="504000" y="226080"/>
+            <a:ext cx="9072000" cy="946440"/>
           </a:xfrm>
           <a:prstGeom prst="rect">
             <a:avLst/>
@@ -6004,10 +5924,7 @@
             <a:pPr algn="ctr">
               <a:buNone/>
             </a:pPr>
-            <a:endParaRPr b="0" lang="en-US" sz="3300" spc="-1" strike="noStrike">
-              <a:solidFill>
-                <a:srgbClr val="ffffff"/>
-              </a:solidFill>
+            <a:endParaRPr b="0" lang="en-US" sz="4400" spc="-1" strike="noStrike">
               <a:latin typeface="Arial"/>
             </a:endParaRPr>
           </a:p>
@@ -6020,7 +5937,7 @@
             <a:spLocks noGrp="1"/>
           </p:cNvSpPr>
           <p:nvPr>
-            <p:ph type="ftr" idx="2"/>
+            <p:ph type="ftr" idx="1"/>
           </p:nvPr>
         </p:nvSpPr>
         <p:spPr/>
@@ -6040,14 +5957,14 @@
             <a:spLocks noGrp="1"/>
           </p:cNvSpPr>
           <p:nvPr>
-            <p:ph type="sldNum" idx="3"/>
-          </p:nvPr>
-        </p:nvSpPr>
-        <p:spPr/>
-        <p:txBody>
-          <a:bodyPr/>
-          <a:p>
-            <a:fld id="{61EF2719-ABDF-444F-93EC-62F4AC5B8765}" type="slidenum">
+            <p:ph type="sldNum" idx="2"/>
+          </p:nvPr>
+        </p:nvSpPr>
+        <p:spPr/>
+        <p:txBody>
+          <a:bodyPr/>
+          <a:p>
+            <a:fld id="{344F3251-67CC-49A4-8802-25008315FFE8}" type="slidenum">
               <a:t>&lt;#&gt;</a:t>
             </a:fld>
           </a:p>
@@ -6060,7 +5977,7 @@
             <a:spLocks noGrp="1"/>
           </p:cNvSpPr>
           <p:nvPr>
-            <p:ph type="dt" idx="1"/>
+            <p:ph type="dt" idx="3"/>
           </p:nvPr>
         </p:nvSpPr>
         <p:spPr/>
@@ -6108,8 +6025,8 @@
         </p:nvSpPr>
         <p:spPr>
           <a:xfrm>
-            <a:off x="540000" y="270000"/>
-            <a:ext cx="9000000" cy="4590360"/>
+            <a:off x="504000" y="226080"/>
+            <a:ext cx="9072000" cy="4388400"/>
           </a:xfrm>
           <a:prstGeom prst="rect">
             <a:avLst/>
@@ -6140,7 +6057,7 @@
             <a:spLocks noGrp="1"/>
           </p:cNvSpPr>
           <p:nvPr>
-            <p:ph type="ftr" idx="2"/>
+            <p:ph type="ftr" idx="1"/>
           </p:nvPr>
         </p:nvSpPr>
         <p:spPr/>
@@ -6160,14 +6077,14 @@
             <a:spLocks noGrp="1"/>
           </p:cNvSpPr>
           <p:nvPr>
-            <p:ph type="sldNum" idx="3"/>
-          </p:nvPr>
-        </p:nvSpPr>
-        <p:spPr/>
-        <p:txBody>
-          <a:bodyPr/>
-          <a:p>
-            <a:fld id="{7399F1AC-BF62-43A5-8511-4D81635292D8}" type="slidenum">
+            <p:ph type="sldNum" idx="2"/>
+          </p:nvPr>
+        </p:nvSpPr>
+        <p:spPr/>
+        <p:txBody>
+          <a:bodyPr/>
+          <a:p>
+            <a:fld id="{DD32C5F5-6777-416D-9207-A57123DA65A1}" type="slidenum">
               <a:t>&lt;#&gt;</a:t>
             </a:fld>
           </a:p>
@@ -6180,7 +6097,7 @@
             <a:spLocks noGrp="1"/>
           </p:cNvSpPr>
           <p:nvPr>
-            <p:ph type="dt" idx="1"/>
+            <p:ph type="dt" idx="3"/>
           </p:nvPr>
         </p:nvSpPr>
         <p:spPr/>
@@ -6228,8 +6145,8 @@
         </p:nvSpPr>
         <p:spPr>
           <a:xfrm>
-            <a:off x="540000" y="270000"/>
-            <a:ext cx="9000000" cy="990000"/>
+            <a:off x="504000" y="226080"/>
+            <a:ext cx="9072000" cy="946440"/>
           </a:xfrm>
           <a:prstGeom prst="rect">
             <a:avLst/>
@@ -6247,10 +6164,7 @@
             <a:pPr algn="ctr">
               <a:buNone/>
             </a:pPr>
-            <a:endParaRPr b="0" lang="en-US" sz="3300" spc="-1" strike="noStrike">
-              <a:solidFill>
-                <a:srgbClr val="ffffff"/>
-              </a:solidFill>
+            <a:endParaRPr b="0" lang="en-US" sz="4400" spc="-1" strike="noStrike">
               <a:latin typeface="Arial"/>
             </a:endParaRPr>
           </a:p>
@@ -6268,8 +6182,8 @@
         </p:nvSpPr>
         <p:spPr>
           <a:xfrm>
-            <a:off x="540000" y="1440000"/>
-            <a:ext cx="4391640" cy="1716840"/>
+            <a:off x="504000" y="1326600"/>
+            <a:ext cx="4426920" cy="1568520"/>
           </a:xfrm>
           <a:prstGeom prst="rect">
             <a:avLst/>
@@ -6284,7 +6198,7 @@
             <a:normAutofit/>
           </a:bodyPr>
           <a:p>
-            <a:endParaRPr b="0" lang="en-US" sz="2400" spc="-1" strike="noStrike">
+            <a:endParaRPr b="0" lang="en-US" sz="3200" spc="-1" strike="noStrike">
               <a:latin typeface="Arial"/>
             </a:endParaRPr>
           </a:p>
@@ -6302,8 +6216,8 @@
         </p:nvSpPr>
         <p:spPr>
           <a:xfrm>
-            <a:off x="5151600" y="1440000"/>
-            <a:ext cx="4391640" cy="3600000"/>
+            <a:off x="5152680" y="1326600"/>
+            <a:ext cx="4426920" cy="3288600"/>
           </a:xfrm>
           <a:prstGeom prst="rect">
             <a:avLst/>
@@ -6318,7 +6232,7 @@
             <a:normAutofit/>
           </a:bodyPr>
           <a:p>
-            <a:endParaRPr b="0" lang="en-US" sz="2400" spc="-1" strike="noStrike">
+            <a:endParaRPr b="0" lang="en-US" sz="3200" spc="-1" strike="noStrike">
               <a:latin typeface="Arial"/>
             </a:endParaRPr>
           </a:p>
@@ -6336,8 +6250,8 @@
         </p:nvSpPr>
         <p:spPr>
           <a:xfrm>
-            <a:off x="540000" y="3320280"/>
-            <a:ext cx="4391640" cy="1716840"/>
+            <a:off x="504000" y="3044520"/>
+            <a:ext cx="4426920" cy="1568520"/>
           </a:xfrm>
           <a:prstGeom prst="rect">
             <a:avLst/>
@@ -6352,7 +6266,7 @@
             <a:normAutofit/>
           </a:bodyPr>
           <a:p>
-            <a:endParaRPr b="0" lang="en-US" sz="2400" spc="-1" strike="noStrike">
+            <a:endParaRPr b="0" lang="en-US" sz="3200" spc="-1" strike="noStrike">
               <a:latin typeface="Arial"/>
             </a:endParaRPr>
           </a:p>
@@ -6365,7 +6279,7 @@
             <a:spLocks noGrp="1"/>
           </p:cNvSpPr>
           <p:nvPr>
-            <p:ph type="ftr" idx="2"/>
+            <p:ph type="ftr" idx="1"/>
           </p:nvPr>
         </p:nvSpPr>
         <p:spPr/>
@@ -6385,14 +6299,14 @@
             <a:spLocks noGrp="1"/>
           </p:cNvSpPr>
           <p:nvPr>
-            <p:ph type="sldNum" idx="3"/>
-          </p:nvPr>
-        </p:nvSpPr>
-        <p:spPr/>
-        <p:txBody>
-          <a:bodyPr/>
-          <a:p>
-            <a:fld id="{5B568718-5064-44EE-A4CD-FDF8C56B9DD3}" type="slidenum">
+            <p:ph type="sldNum" idx="2"/>
+          </p:nvPr>
+        </p:nvSpPr>
+        <p:spPr/>
+        <p:txBody>
+          <a:bodyPr/>
+          <a:p>
+            <a:fld id="{8D3B6FFE-117A-450D-BB86-3DDA0BE2060F}" type="slidenum">
               <a:t>&lt;#&gt;</a:t>
             </a:fld>
           </a:p>
@@ -6405,7 +6319,7 @@
             <a:spLocks noGrp="1"/>
           </p:cNvSpPr>
           <p:nvPr>
-            <p:ph type="dt" idx="1"/>
+            <p:ph type="dt" idx="3"/>
           </p:nvPr>
         </p:nvSpPr>
         <p:spPr/>
@@ -6453,8 +6367,8 @@
         </p:nvSpPr>
         <p:spPr>
           <a:xfrm>
-            <a:off x="540000" y="270000"/>
-            <a:ext cx="9000000" cy="990000"/>
+            <a:off x="504000" y="226080"/>
+            <a:ext cx="9072000" cy="946440"/>
           </a:xfrm>
           <a:prstGeom prst="rect">
             <a:avLst/>
@@ -6472,10 +6386,7 @@
             <a:pPr algn="ctr">
               <a:buNone/>
             </a:pPr>
-            <a:endParaRPr b="0" lang="en-US" sz="3300" spc="-1" strike="noStrike">
-              <a:solidFill>
-                <a:srgbClr val="ffffff"/>
-              </a:solidFill>
+            <a:endParaRPr b="0" lang="en-US" sz="4400" spc="-1" strike="noStrike">
               <a:latin typeface="Arial"/>
             </a:endParaRPr>
           </a:p>
@@ -6493,8 +6404,8 @@
         </p:nvSpPr>
         <p:spPr>
           <a:xfrm>
-            <a:off x="540000" y="1440000"/>
-            <a:ext cx="4391640" cy="3600000"/>
+            <a:off x="504000" y="1326600"/>
+            <a:ext cx="4426920" cy="3288600"/>
           </a:xfrm>
           <a:prstGeom prst="rect">
             <a:avLst/>
@@ -6509,7 +6420,7 @@
             <a:normAutofit/>
           </a:bodyPr>
           <a:p>
-            <a:endParaRPr b="0" lang="en-US" sz="2400" spc="-1" strike="noStrike">
+            <a:endParaRPr b="0" lang="en-US" sz="3200" spc="-1" strike="noStrike">
               <a:latin typeface="Arial"/>
             </a:endParaRPr>
           </a:p>
@@ -6527,8 +6438,8 @@
         </p:nvSpPr>
         <p:spPr>
           <a:xfrm>
-            <a:off x="5151600" y="1440000"/>
-            <a:ext cx="4391640" cy="1716840"/>
+            <a:off x="5152680" y="1326600"/>
+            <a:ext cx="4426920" cy="1568520"/>
           </a:xfrm>
           <a:prstGeom prst="rect">
             <a:avLst/>
@@ -6543,7 +6454,7 @@
             <a:normAutofit/>
           </a:bodyPr>
           <a:p>
-            <a:endParaRPr b="0" lang="en-US" sz="2400" spc="-1" strike="noStrike">
+            <a:endParaRPr b="0" lang="en-US" sz="3200" spc="-1" strike="noStrike">
               <a:latin typeface="Arial"/>
             </a:endParaRPr>
           </a:p>
@@ -6561,8 +6472,8 @@
         </p:nvSpPr>
         <p:spPr>
           <a:xfrm>
-            <a:off x="5151600" y="3320280"/>
-            <a:ext cx="4391640" cy="1716840"/>
+            <a:off x="5152680" y="3044520"/>
+            <a:ext cx="4426920" cy="1568520"/>
           </a:xfrm>
           <a:prstGeom prst="rect">
             <a:avLst/>
@@ -6577,7 +6488,7 @@
             <a:normAutofit/>
           </a:bodyPr>
           <a:p>
-            <a:endParaRPr b="0" lang="en-US" sz="2400" spc="-1" strike="noStrike">
+            <a:endParaRPr b="0" lang="en-US" sz="3200" spc="-1" strike="noStrike">
               <a:latin typeface="Arial"/>
             </a:endParaRPr>
           </a:p>
@@ -6590,7 +6501,7 @@
             <a:spLocks noGrp="1"/>
           </p:cNvSpPr>
           <p:nvPr>
-            <p:ph type="ftr" idx="2"/>
+            <p:ph type="ftr" idx="1"/>
           </p:nvPr>
         </p:nvSpPr>
         <p:spPr/>
@@ -6610,14 +6521,14 @@
             <a:spLocks noGrp="1"/>
           </p:cNvSpPr>
           <p:nvPr>
-            <p:ph type="sldNum" idx="3"/>
-          </p:nvPr>
-        </p:nvSpPr>
-        <p:spPr/>
-        <p:txBody>
-          <a:bodyPr/>
-          <a:p>
-            <a:fld id="{0EE9988A-2654-451F-AB2C-D205A9396ECD}" type="slidenum">
+            <p:ph type="sldNum" idx="2"/>
+          </p:nvPr>
+        </p:nvSpPr>
+        <p:spPr/>
+        <p:txBody>
+          <a:bodyPr/>
+          <a:p>
+            <a:fld id="{CED7D201-71AC-42B5-ADBD-0E942A864D01}" type="slidenum">
               <a:t>&lt;#&gt;</a:t>
             </a:fld>
           </a:p>
@@ -6630,7 +6541,7 @@
             <a:spLocks noGrp="1"/>
           </p:cNvSpPr>
           <p:nvPr>
-            <p:ph type="dt" idx="1"/>
+            <p:ph type="dt" idx="3"/>
           </p:nvPr>
         </p:nvSpPr>
         <p:spPr/>
@@ -6678,8 +6589,8 @@
         </p:nvSpPr>
         <p:spPr>
           <a:xfrm>
-            <a:off x="540000" y="270000"/>
-            <a:ext cx="9000000" cy="990000"/>
+            <a:off x="504000" y="226080"/>
+            <a:ext cx="9072000" cy="946440"/>
           </a:xfrm>
           <a:prstGeom prst="rect">
             <a:avLst/>
@@ -6697,10 +6608,7 @@
             <a:pPr algn="ctr">
               <a:buNone/>
             </a:pPr>
-            <a:endParaRPr b="0" lang="en-US" sz="3300" spc="-1" strike="noStrike">
-              <a:solidFill>
-                <a:srgbClr val="ffffff"/>
-              </a:solidFill>
+            <a:endParaRPr b="0" lang="en-US" sz="4400" spc="-1" strike="noStrike">
               <a:latin typeface="Arial"/>
             </a:endParaRPr>
           </a:p>
@@ -6718,8 +6626,8 @@
         </p:nvSpPr>
         <p:spPr>
           <a:xfrm>
-            <a:off x="540000" y="1440000"/>
-            <a:ext cx="4391640" cy="1716840"/>
+            <a:off x="504000" y="1326600"/>
+            <a:ext cx="4426920" cy="1568520"/>
           </a:xfrm>
           <a:prstGeom prst="rect">
             <a:avLst/>
@@ -6734,7 +6642,7 @@
             <a:normAutofit/>
           </a:bodyPr>
           <a:p>
-            <a:endParaRPr b="0" lang="en-US" sz="2400" spc="-1" strike="noStrike">
+            <a:endParaRPr b="0" lang="en-US" sz="3200" spc="-1" strike="noStrike">
               <a:latin typeface="Arial"/>
             </a:endParaRPr>
           </a:p>
@@ -6752,8 +6660,8 @@
         </p:nvSpPr>
         <p:spPr>
           <a:xfrm>
-            <a:off x="5151600" y="1440000"/>
-            <a:ext cx="4391640" cy="1716840"/>
+            <a:off x="5152680" y="1326600"/>
+            <a:ext cx="4426920" cy="1568520"/>
           </a:xfrm>
           <a:prstGeom prst="rect">
             <a:avLst/>
@@ -6768,7 +6676,7 @@
             <a:normAutofit/>
           </a:bodyPr>
           <a:p>
-            <a:endParaRPr b="0" lang="en-US" sz="2400" spc="-1" strike="noStrike">
+            <a:endParaRPr b="0" lang="en-US" sz="3200" spc="-1" strike="noStrike">
               <a:latin typeface="Arial"/>
             </a:endParaRPr>
           </a:p>
@@ -6786,8 +6694,8 @@
         </p:nvSpPr>
         <p:spPr>
           <a:xfrm>
-            <a:off x="540000" y="3320280"/>
-            <a:ext cx="9000000" cy="1716840"/>
+            <a:off x="504000" y="3044520"/>
+            <a:ext cx="9072000" cy="1568520"/>
           </a:xfrm>
           <a:prstGeom prst="rect">
             <a:avLst/>
@@ -6802,7 +6710,7 @@
             <a:normAutofit/>
           </a:bodyPr>
           <a:p>
-            <a:endParaRPr b="0" lang="en-US" sz="2400" spc="-1" strike="noStrike">
+            <a:endParaRPr b="0" lang="en-US" sz="3200" spc="-1" strike="noStrike">
               <a:latin typeface="Arial"/>
             </a:endParaRPr>
           </a:p>
@@ -6815,7 +6723,7 @@
             <a:spLocks noGrp="1"/>
           </p:cNvSpPr>
           <p:nvPr>
-            <p:ph type="ftr" idx="2"/>
+            <p:ph type="ftr" idx="1"/>
           </p:nvPr>
         </p:nvSpPr>
         <p:spPr/>
@@ -6835,14 +6743,14 @@
             <a:spLocks noGrp="1"/>
           </p:cNvSpPr>
           <p:nvPr>
-            <p:ph type="sldNum" idx="3"/>
-          </p:nvPr>
-        </p:nvSpPr>
-        <p:spPr/>
-        <p:txBody>
-          <a:bodyPr/>
-          <a:p>
-            <a:fld id="{9F6728FD-B1C8-4E68-80FA-9A9B3DF545B8}" type="slidenum">
+            <p:ph type="sldNum" idx="2"/>
+          </p:nvPr>
+        </p:nvSpPr>
+        <p:spPr/>
+        <p:txBody>
+          <a:bodyPr/>
+          <a:p>
+            <a:fld id="{F8B80CD8-75FA-4FD5-B942-78BCC8C7F663}" type="slidenum">
               <a:t>&lt;#&gt;</a:t>
             </a:fld>
           </a:p>
@@ -6855,7 +6763,7 @@
             <a:spLocks noGrp="1"/>
           </p:cNvSpPr>
           <p:nvPr>
-            <p:ph type="dt" idx="1"/>
+            <p:ph type="dt" idx="3"/>
           </p:nvPr>
         </p:nvSpPr>
         <p:spPr/>
@@ -6900,7 +6808,7 @@
         <p:spPr>
           <a:xfrm>
             <a:off x="0" y="0"/>
-            <a:ext cx="10080000" cy="5670000"/>
+            <a:ext cx="10079640" cy="5669640"/>
           </a:xfrm>
           <a:prstGeom prst="rect">
             <a:avLst/>
@@ -6929,307 +6837,348 @@
       </p:sp>
       <p:sp>
         <p:nvSpPr>
-          <p:cNvPr id="1" name="PlaceHolder 1"/>
-          <p:cNvSpPr>
-            <a:spLocks noGrp="1"/>
-          </p:cNvSpPr>
-          <p:nvPr>
-            <p:ph type="title"/>
-          </p:nvPr>
-        </p:nvSpPr>
-        <p:spPr>
-          <a:xfrm>
-            <a:off x="540000" y="1440000"/>
-            <a:ext cx="9000000" cy="990000"/>
-          </a:xfrm>
-          <a:prstGeom prst="rect">
-            <a:avLst/>
-          </a:prstGeom>
-          <a:noFill/>
-          <a:ln w="0">
-            <a:noFill/>
-          </a:ln>
-        </p:spPr>
-        <p:txBody>
-          <a:bodyPr lIns="0" rIns="0" tIns="0" bIns="0" anchor="ctr">
-            <a:noAutofit/>
-          </a:bodyPr>
-          <a:p>
-            <a:r>
-              <a:rPr b="0" lang="en-US" sz="3300" spc="-1" strike="noStrike">
-                <a:solidFill>
-                  <a:srgbClr val="ffffff"/>
-                </a:solidFill>
-                <a:latin typeface="Arial"/>
-              </a:rPr>
-              <a:t>Click to edit the title text format</a:t>
-            </a:r>
-            <a:endParaRPr b="0" lang="en-US" sz="3300" spc="-1" strike="noStrike">
-              <a:solidFill>
-                <a:srgbClr val="ffffff"/>
-              </a:solidFill>
-              <a:latin typeface="Arial"/>
-            </a:endParaRPr>
-          </a:p>
-        </p:txBody>
-      </p:sp>
-      <p:sp>
-        <p:nvSpPr>
-          <p:cNvPr id="2" name="PlaceHolder 2"/>
-          <p:cNvSpPr>
-            <a:spLocks noGrp="1"/>
-          </p:cNvSpPr>
-          <p:nvPr>
-            <p:ph type="body"/>
-          </p:nvPr>
-        </p:nvSpPr>
-        <p:spPr>
-          <a:xfrm>
-            <a:off x="540000" y="2610000"/>
-            <a:ext cx="9000000" cy="2160000"/>
-          </a:xfrm>
-          <a:prstGeom prst="rect">
-            <a:avLst/>
-          </a:prstGeom>
-          <a:noFill/>
-          <a:ln w="0">
-            <a:noFill/>
-          </a:ln>
-        </p:spPr>
-        <p:txBody>
-          <a:bodyPr lIns="0" rIns="0" tIns="0" bIns="0" anchor="t">
-            <a:normAutofit fontScale="99000"/>
-          </a:bodyPr>
-          <a:p>
-            <a:pPr marL="432000" indent="-324000">
-              <a:spcAft>
-                <a:spcPts val="1057"/>
-              </a:spcAft>
-              <a:buClr>
-                <a:srgbClr val="ffffff"/>
-              </a:buClr>
-              <a:buSzPct val="45000"/>
-              <a:buFont typeface="Wingdings" charset="2"/>
-              <a:buChar char=""/>
-            </a:pPr>
-            <a:r>
-              <a:rPr b="0" lang="en-US" sz="2400" spc="-1" strike="noStrike">
-                <a:solidFill>
-                  <a:srgbClr val="ffffff"/>
-                </a:solidFill>
-                <a:latin typeface="Arial"/>
-              </a:rPr>
-              <a:t>Click to edit the outline text </a:t>
-            </a:r>
-            <a:r>
-              <a:rPr b="0" lang="en-US" sz="2400" spc="-1" strike="noStrike">
-                <a:solidFill>
-                  <a:srgbClr val="ffffff"/>
-                </a:solidFill>
-                <a:latin typeface="Arial"/>
-              </a:rPr>
-              <a:t>format</a:t>
-            </a:r>
-            <a:endParaRPr b="0" lang="en-US" sz="2400" spc="-1" strike="noStrike">
-              <a:solidFill>
-                <a:srgbClr val="ffffff"/>
-              </a:solidFill>
-              <a:latin typeface="Arial"/>
-            </a:endParaRPr>
-          </a:p>
-          <a:p>
-            <a:pPr lvl="1" marL="864000" indent="-324000">
-              <a:spcAft>
-                <a:spcPts val="845"/>
-              </a:spcAft>
-              <a:buClr>
-                <a:srgbClr val="ffffff"/>
-              </a:buClr>
-              <a:buSzPct val="75000"/>
-              <a:buFont typeface="Symbol" charset="2"/>
-              <a:buChar char=""/>
-            </a:pPr>
-            <a:r>
-              <a:rPr b="0" lang="en-US" sz="2100" spc="-1" strike="noStrike">
-                <a:solidFill>
-                  <a:srgbClr val="ffffff"/>
-                </a:solidFill>
-                <a:latin typeface="Arial"/>
-              </a:rPr>
-              <a:t>Second Outline Level</a:t>
-            </a:r>
-            <a:endParaRPr b="0" lang="en-US" sz="2100" spc="-1" strike="noStrike">
-              <a:solidFill>
-                <a:srgbClr val="ffffff"/>
-              </a:solidFill>
-              <a:latin typeface="Arial"/>
-            </a:endParaRPr>
-          </a:p>
-          <a:p>
-            <a:pPr lvl="2" marL="1296000" indent="-288000">
-              <a:spcAft>
-                <a:spcPts val="632"/>
-              </a:spcAft>
-              <a:buClr>
-                <a:srgbClr val="ffffff"/>
-              </a:buClr>
-              <a:buSzPct val="45000"/>
-              <a:buFont typeface="Wingdings" charset="2"/>
-              <a:buChar char=""/>
-            </a:pPr>
-            <a:r>
-              <a:rPr b="0" lang="en-US" sz="1800" spc="-1" strike="noStrike">
-                <a:solidFill>
-                  <a:srgbClr val="ffffff"/>
-                </a:solidFill>
-                <a:latin typeface="Arial"/>
-              </a:rPr>
-              <a:t>Third Outline Level</a:t>
-            </a:r>
-            <a:endParaRPr b="0" lang="en-US" sz="1800" spc="-1" strike="noStrike">
-              <a:solidFill>
-                <a:srgbClr val="ffffff"/>
-              </a:solidFill>
-              <a:latin typeface="Arial"/>
-            </a:endParaRPr>
-          </a:p>
-          <a:p>
-            <a:pPr lvl="3" marL="1728000" indent="-216000">
-              <a:spcAft>
-                <a:spcPts val="425"/>
-              </a:spcAft>
-              <a:buClr>
-                <a:srgbClr val="ffffff"/>
-              </a:buClr>
-              <a:buSzPct val="75000"/>
-              <a:buFont typeface="Symbol" charset="2"/>
-              <a:buChar char=""/>
-            </a:pPr>
-            <a:r>
-              <a:rPr b="0" lang="en-US" sz="1500" spc="-1" strike="noStrike">
-                <a:solidFill>
-                  <a:srgbClr val="ffffff"/>
-                </a:solidFill>
-                <a:latin typeface="Arial"/>
-              </a:rPr>
-              <a:t>Fourth Outline Level</a:t>
-            </a:r>
-            <a:endParaRPr b="0" lang="en-US" sz="1500" spc="-1" strike="noStrike">
-              <a:solidFill>
-                <a:srgbClr val="ffffff"/>
-              </a:solidFill>
-              <a:latin typeface="Arial"/>
-            </a:endParaRPr>
-          </a:p>
-          <a:p>
-            <a:pPr lvl="4" marL="2160000" indent="-216000">
-              <a:spcAft>
-                <a:spcPts val="213"/>
-              </a:spcAft>
-              <a:buClr>
-                <a:srgbClr val="ffffff"/>
-              </a:buClr>
-              <a:buSzPct val="45000"/>
-              <a:buFont typeface="Wingdings" charset="2"/>
-              <a:buChar char=""/>
-            </a:pPr>
-            <a:r>
-              <a:rPr b="0" lang="en-US" sz="1500" spc="-1" strike="noStrike">
-                <a:solidFill>
-                  <a:srgbClr val="ffffff"/>
-                </a:solidFill>
-                <a:latin typeface="Arial"/>
-              </a:rPr>
-              <a:t>Fifth Outline Level</a:t>
-            </a:r>
-            <a:endParaRPr b="0" lang="en-US" sz="1500" spc="-1" strike="noStrike">
-              <a:solidFill>
-                <a:srgbClr val="ffffff"/>
-              </a:solidFill>
-              <a:latin typeface="Arial"/>
-            </a:endParaRPr>
-          </a:p>
-          <a:p>
-            <a:pPr lvl="5" marL="2592000" indent="-216000">
-              <a:spcAft>
-                <a:spcPts val="213"/>
-              </a:spcAft>
-              <a:buClr>
-                <a:srgbClr val="ffffff"/>
-              </a:buClr>
-              <a:buSzPct val="45000"/>
-              <a:buFont typeface="Wingdings" charset="2"/>
-              <a:buChar char=""/>
-            </a:pPr>
-            <a:r>
-              <a:rPr b="0" lang="en-US" sz="1500" spc="-1" strike="noStrike">
-                <a:solidFill>
-                  <a:srgbClr val="ffffff"/>
-                </a:solidFill>
-                <a:latin typeface="Arial"/>
-              </a:rPr>
-              <a:t>Sixth Outline Level</a:t>
-            </a:r>
-            <a:endParaRPr b="0" lang="en-US" sz="1500" spc="-1" strike="noStrike">
-              <a:solidFill>
-                <a:srgbClr val="ffffff"/>
-              </a:solidFill>
-              <a:latin typeface="Arial"/>
-            </a:endParaRPr>
-          </a:p>
-          <a:p>
-            <a:pPr lvl="6" marL="3024000" indent="-216000">
-              <a:spcAft>
-                <a:spcPts val="213"/>
-              </a:spcAft>
-              <a:buClr>
-                <a:srgbClr val="ffffff"/>
-              </a:buClr>
-              <a:buSzPct val="45000"/>
-              <a:buFont typeface="Wingdings" charset="2"/>
-              <a:buChar char=""/>
-            </a:pPr>
-            <a:r>
-              <a:rPr b="0" lang="en-US" sz="1500" spc="-1" strike="noStrike">
-                <a:solidFill>
-                  <a:srgbClr val="ffffff"/>
-                </a:solidFill>
-                <a:latin typeface="Arial"/>
-              </a:rPr>
-              <a:t>Seventh Outline </a:t>
-            </a:r>
-            <a:r>
-              <a:rPr b="0" lang="en-US" sz="1500" spc="-1" strike="noStrike">
-                <a:solidFill>
-                  <a:srgbClr val="ffffff"/>
-                </a:solidFill>
-                <a:latin typeface="Arial"/>
-              </a:rPr>
-              <a:t>Level</a:t>
-            </a:r>
-            <a:endParaRPr b="0" lang="en-US" sz="1500" spc="-1" strike="noStrike">
-              <a:solidFill>
-                <a:srgbClr val="ffffff"/>
-              </a:solidFill>
-              <a:latin typeface="Arial"/>
-            </a:endParaRPr>
-          </a:p>
-        </p:txBody>
-      </p:sp>
-      <p:sp>
-        <p:nvSpPr>
-          <p:cNvPr id="3" name="PlaceHolder 3"/>
-          <p:cNvSpPr>
-            <a:spLocks noGrp="1"/>
-          </p:cNvSpPr>
-          <p:nvPr>
-            <p:ph type="dt" idx="1"/>
-          </p:nvPr>
-        </p:nvSpPr>
-        <p:spPr>
-          <a:xfrm>
-            <a:off x="180000" y="5130000"/>
-            <a:ext cx="2340000" cy="392400"/>
+          <p:cNvPr id="1" name=""/>
+          <p:cNvSpPr/>
+          <p:nvPr/>
+        </p:nvSpPr>
+        <p:spPr>
+          <a:xfrm>
+            <a:off x="1440000" y="1080000"/>
+            <a:ext cx="1439640" cy="1259640"/>
+          </a:xfrm>
+          <a:prstGeom prst="ellipse">
+            <a:avLst/>
+          </a:prstGeom>
+          <a:solidFill>
+            <a:srgbClr val="ffffff">
+              <a:alpha val="30000"/>
+            </a:srgbClr>
+          </a:solidFill>
+          <a:ln w="0">
+            <a:noFill/>
+          </a:ln>
+        </p:spPr>
+        <p:style>
+          <a:lnRef idx="0"/>
+          <a:fillRef idx="0"/>
+          <a:effectRef idx="0"/>
+          <a:fontRef idx="minor"/>
+        </p:style>
+      </p:sp>
+      <p:sp>
+        <p:nvSpPr>
+          <p:cNvPr id="2" name=""/>
+          <p:cNvSpPr/>
+          <p:nvPr/>
+        </p:nvSpPr>
+        <p:spPr>
+          <a:xfrm>
+            <a:off x="7380000" y="3960000"/>
+            <a:ext cx="1439640" cy="1259640"/>
+          </a:xfrm>
+          <a:prstGeom prst="ellipse">
+            <a:avLst/>
+          </a:prstGeom>
+          <a:solidFill>
+            <a:srgbClr val="ffffff">
+              <a:alpha val="30000"/>
+            </a:srgbClr>
+          </a:solidFill>
+          <a:ln w="0">
+            <a:noFill/>
+          </a:ln>
+        </p:spPr>
+        <p:style>
+          <a:lnRef idx="0"/>
+          <a:fillRef idx="0"/>
+          <a:effectRef idx="0"/>
+          <a:fontRef idx="minor"/>
+        </p:style>
+      </p:sp>
+      <p:sp>
+        <p:nvSpPr>
+          <p:cNvPr id="3" name=""/>
+          <p:cNvSpPr/>
+          <p:nvPr/>
+        </p:nvSpPr>
+        <p:spPr>
+          <a:xfrm>
+            <a:off x="9000000" y="2700000"/>
+            <a:ext cx="1259640" cy="1079640"/>
+          </a:xfrm>
+          <a:prstGeom prst="ellipse">
+            <a:avLst/>
+          </a:prstGeom>
+          <a:solidFill>
+            <a:srgbClr val="ffffff">
+              <a:alpha val="20000"/>
+            </a:srgbClr>
+          </a:solidFill>
+          <a:ln w="0">
+            <a:noFill/>
+          </a:ln>
+        </p:spPr>
+        <p:style>
+          <a:lnRef idx="0"/>
+          <a:fillRef idx="0"/>
+          <a:effectRef idx="0"/>
+          <a:fontRef idx="minor"/>
+        </p:style>
+      </p:sp>
+      <p:sp>
+        <p:nvSpPr>
+          <p:cNvPr id="4" name=""/>
+          <p:cNvSpPr/>
+          <p:nvPr/>
+        </p:nvSpPr>
+        <p:spPr>
+          <a:xfrm>
+            <a:off x="-180000" y="2430000"/>
+            <a:ext cx="1439640" cy="1349640"/>
+          </a:xfrm>
+          <a:prstGeom prst="ellipse">
+            <a:avLst/>
+          </a:prstGeom>
+          <a:solidFill>
+            <a:srgbClr val="ffffff">
+              <a:alpha val="20000"/>
+            </a:srgbClr>
+          </a:solidFill>
+          <a:ln w="0">
+            <a:noFill/>
+          </a:ln>
+        </p:spPr>
+        <p:style>
+          <a:lnRef idx="0"/>
+          <a:fillRef idx="0"/>
+          <a:effectRef idx="0"/>
+          <a:fontRef idx="minor"/>
+        </p:style>
+      </p:sp>
+      <p:sp>
+        <p:nvSpPr>
+          <p:cNvPr id="5" name=""/>
+          <p:cNvSpPr/>
+          <p:nvPr/>
+        </p:nvSpPr>
+        <p:spPr>
+          <a:xfrm>
+            <a:off x="540000" y="1080000"/>
+            <a:ext cx="719640" cy="719640"/>
+          </a:xfrm>
+          <a:prstGeom prst="ellipse">
+            <a:avLst/>
+          </a:prstGeom>
+          <a:solidFill>
+            <a:srgbClr val="ffffff">
+              <a:alpha val="20000"/>
+            </a:srgbClr>
+          </a:solidFill>
+          <a:ln w="0">
+            <a:noFill/>
+          </a:ln>
+        </p:spPr>
+        <p:style>
+          <a:lnRef idx="0"/>
+          <a:fillRef idx="0"/>
+          <a:effectRef idx="0"/>
+          <a:fontRef idx="minor"/>
+        </p:style>
+      </p:sp>
+      <p:sp>
+        <p:nvSpPr>
+          <p:cNvPr id="6" name=""/>
+          <p:cNvSpPr/>
+          <p:nvPr/>
+        </p:nvSpPr>
+        <p:spPr>
+          <a:xfrm>
+            <a:off x="0" y="1260000"/>
+            <a:ext cx="719640" cy="719640"/>
+          </a:xfrm>
+          <a:prstGeom prst="ellipse">
+            <a:avLst/>
+          </a:prstGeom>
+          <a:solidFill>
+            <a:srgbClr val="ffffff">
+              <a:alpha val="10000"/>
+            </a:srgbClr>
+          </a:solidFill>
+          <a:ln w="0">
+            <a:noFill/>
+          </a:ln>
+        </p:spPr>
+        <p:style>
+          <a:lnRef idx="0"/>
+          <a:fillRef idx="0"/>
+          <a:effectRef idx="0"/>
+          <a:fontRef idx="minor"/>
+        </p:style>
+      </p:sp>
+      <p:sp>
+        <p:nvSpPr>
+          <p:cNvPr id="7" name=""/>
+          <p:cNvSpPr/>
+          <p:nvPr/>
+        </p:nvSpPr>
+        <p:spPr>
+          <a:xfrm>
+            <a:off x="0" y="5220000"/>
+            <a:ext cx="1619640" cy="1259640"/>
+          </a:xfrm>
+          <a:prstGeom prst="ellipse">
+            <a:avLst/>
+          </a:prstGeom>
+          <a:solidFill>
+            <a:srgbClr val="ffffff">
+              <a:alpha val="15000"/>
+            </a:srgbClr>
+          </a:solidFill>
+          <a:ln w="0">
+            <a:noFill/>
+          </a:ln>
+        </p:spPr>
+        <p:style>
+          <a:lnRef idx="0"/>
+          <a:fillRef idx="0"/>
+          <a:effectRef idx="0"/>
+          <a:fontRef idx="minor"/>
+        </p:style>
+      </p:sp>
+      <p:sp>
+        <p:nvSpPr>
+          <p:cNvPr id="8" name=""/>
+          <p:cNvSpPr/>
+          <p:nvPr/>
+        </p:nvSpPr>
+        <p:spPr>
+          <a:xfrm>
+            <a:off x="9720000" y="4680000"/>
+            <a:ext cx="719640" cy="719640"/>
+          </a:xfrm>
+          <a:prstGeom prst="ellipse">
+            <a:avLst/>
+          </a:prstGeom>
+          <a:solidFill>
+            <a:srgbClr val="ffffff">
+              <a:alpha val="30000"/>
+            </a:srgbClr>
+          </a:solidFill>
+          <a:ln w="0">
+            <a:noFill/>
+          </a:ln>
+        </p:spPr>
+        <p:style>
+          <a:lnRef idx="0"/>
+          <a:fillRef idx="0"/>
+          <a:effectRef idx="0"/>
+          <a:fontRef idx="minor"/>
+        </p:style>
+      </p:sp>
+      <p:sp>
+        <p:nvSpPr>
+          <p:cNvPr id="9" name=""/>
+          <p:cNvSpPr/>
+          <p:nvPr/>
+        </p:nvSpPr>
+        <p:spPr>
+          <a:xfrm>
+            <a:off x="9540000" y="3420000"/>
+            <a:ext cx="719640" cy="719640"/>
+          </a:xfrm>
+          <a:prstGeom prst="ellipse">
+            <a:avLst/>
+          </a:prstGeom>
+          <a:solidFill>
+            <a:srgbClr val="ffffff">
+              <a:alpha val="10000"/>
+            </a:srgbClr>
+          </a:solidFill>
+          <a:ln w="0">
+            <a:noFill/>
+          </a:ln>
+        </p:spPr>
+        <p:style>
+          <a:lnRef idx="0"/>
+          <a:fillRef idx="0"/>
+          <a:effectRef idx="0"/>
+          <a:fontRef idx="minor"/>
+        </p:style>
+      </p:sp>
+      <p:sp>
+        <p:nvSpPr>
+          <p:cNvPr id="10" name=""/>
+          <p:cNvSpPr/>
+          <p:nvPr/>
+        </p:nvSpPr>
+        <p:spPr>
+          <a:xfrm>
+            <a:off x="8100000" y="4680000"/>
+            <a:ext cx="1079640" cy="842040"/>
+          </a:xfrm>
+          <a:prstGeom prst="ellipse">
+            <a:avLst/>
+          </a:prstGeom>
+          <a:solidFill>
+            <a:srgbClr val="ffffff">
+              <a:alpha val="20000"/>
+            </a:srgbClr>
+          </a:solidFill>
+          <a:ln w="0">
+            <a:noFill/>
+          </a:ln>
+        </p:spPr>
+        <p:style>
+          <a:lnRef idx="0"/>
+          <a:fillRef idx="0"/>
+          <a:effectRef idx="0"/>
+          <a:fontRef idx="minor"/>
+        </p:style>
+      </p:sp>
+      <p:sp>
+        <p:nvSpPr>
+          <p:cNvPr id="11" name=""/>
+          <p:cNvSpPr/>
+          <p:nvPr/>
+        </p:nvSpPr>
+        <p:spPr>
+          <a:xfrm>
+            <a:off x="7920000" y="5400000"/>
+            <a:ext cx="899640" cy="899640"/>
+          </a:xfrm>
+          <a:prstGeom prst="ellipse">
+            <a:avLst/>
+          </a:prstGeom>
+          <a:solidFill>
+            <a:srgbClr val="ffffff">
+              <a:alpha val="25000"/>
+            </a:srgbClr>
+          </a:solidFill>
+          <a:ln w="0">
+            <a:noFill/>
+          </a:ln>
+        </p:spPr>
+        <p:style>
+          <a:lnRef idx="0"/>
+          <a:fillRef idx="0"/>
+          <a:effectRef idx="0"/>
+          <a:fontRef idx="minor"/>
+        </p:style>
+      </p:sp>
+      <p:sp>
+        <p:nvSpPr>
+          <p:cNvPr id="12" name="PlaceHolder 1"/>
+          <p:cNvSpPr>
+            <a:spLocks noGrp="1"/>
+          </p:cNvSpPr>
+          <p:nvPr>
+            <p:ph type="ftr" idx="1"/>
+          </p:nvPr>
+        </p:nvSpPr>
+        <p:spPr>
+          <a:xfrm>
+            <a:off x="3420000" y="5130000"/>
+            <a:ext cx="3239640" cy="392040"/>
           </a:xfrm>
           <a:prstGeom prst="rect">
             <a:avLst/>
@@ -7244,63 +7193,10 @@
             <a:noAutofit/>
           </a:bodyPr>
           <a:lstStyle>
-            <a:lvl1pPr>
-              <a:defRPr b="0" lang="en-US" sz="1400" spc="-1" strike="noStrike">
-                <a:solidFill>
-                  <a:srgbClr val="ffffff"/>
-                </a:solidFill>
-                <a:latin typeface="Arial"/>
-              </a:defRPr>
-            </a:lvl1pPr>
-          </a:lstStyle>
-          <a:p>
-            <a:r>
-              <a:rPr b="0" lang="en-US" sz="1400" spc="-1" strike="noStrike">
-                <a:solidFill>
-                  <a:srgbClr val="ffffff"/>
-                </a:solidFill>
-                <a:latin typeface="Arial"/>
-              </a:rPr>
-              <a:t>&lt;date/time&gt;</a:t>
-            </a:r>
-            <a:endParaRPr b="0" lang="en-US" sz="1400" spc="-1" strike="noStrike">
-              <a:solidFill>
-                <a:srgbClr val="ffffff"/>
-              </a:solidFill>
-              <a:latin typeface="Arial"/>
-            </a:endParaRPr>
-          </a:p>
-        </p:txBody>
-      </p:sp>
-      <p:sp>
-        <p:nvSpPr>
-          <p:cNvPr id="4" name="PlaceHolder 4"/>
-          <p:cNvSpPr>
-            <a:spLocks noGrp="1"/>
-          </p:cNvSpPr>
-          <p:nvPr>
-            <p:ph type="ftr" idx="2"/>
-          </p:nvPr>
-        </p:nvSpPr>
-        <p:spPr>
-          <a:xfrm>
-            <a:off x="3420000" y="5130000"/>
-            <a:ext cx="3240000" cy="392400"/>
-          </a:xfrm>
-          <a:prstGeom prst="rect">
-            <a:avLst/>
-          </a:prstGeom>
-          <a:noFill/>
-          <a:ln w="0">
-            <a:noFill/>
-          </a:ln>
-        </p:spPr>
-        <p:txBody>
-          <a:bodyPr lIns="0" rIns="0" tIns="0" bIns="0" anchor="b">
-            <a:noAutofit/>
-          </a:bodyPr>
-          <a:lstStyle>
             <a:lvl1pPr algn="ctr">
+              <a:lnSpc>
+                <a:spcPct val="100000"/>
+              </a:lnSpc>
               <a:buNone/>
               <a:defRPr b="0" lang="en-US" sz="1400" spc="-1" strike="noStrike">
                 <a:solidFill>
@@ -7312,6 +7208,9 @@
           </a:lstStyle>
           <a:p>
             <a:pPr algn="ctr">
+              <a:lnSpc>
+                <a:spcPct val="100000"/>
+              </a:lnSpc>
               <a:buNone/>
             </a:pPr>
             <a:r>
@@ -7324,28 +7223,25 @@
               <a:t>&lt;footer&gt;</a:t>
             </a:r>
             <a:endParaRPr b="0" lang="en-US" sz="1400" spc="-1" strike="noStrike">
-              <a:solidFill>
-                <a:srgbClr val="ffffff"/>
-              </a:solidFill>
-              <a:latin typeface="Arial"/>
-            </a:endParaRPr>
-          </a:p>
-        </p:txBody>
-      </p:sp>
-      <p:sp>
-        <p:nvSpPr>
-          <p:cNvPr id="5" name="PlaceHolder 5"/>
-          <p:cNvSpPr>
-            <a:spLocks noGrp="1"/>
-          </p:cNvSpPr>
-          <p:nvPr>
-            <p:ph type="sldNum" idx="3"/>
+              <a:latin typeface="Times New Roman"/>
+            </a:endParaRPr>
+          </a:p>
+        </p:txBody>
+      </p:sp>
+      <p:sp>
+        <p:nvSpPr>
+          <p:cNvPr id="13" name="PlaceHolder 2"/>
+          <p:cNvSpPr>
+            <a:spLocks noGrp="1"/>
+          </p:cNvSpPr>
+          <p:nvPr>
+            <p:ph type="sldNum" idx="2"/>
           </p:nvPr>
         </p:nvSpPr>
         <p:spPr>
           <a:xfrm>
             <a:off x="7560000" y="5130000"/>
-            <a:ext cx="2340000" cy="392400"/>
+            <a:ext cx="2339640" cy="392040"/>
           </a:xfrm>
           <a:prstGeom prst="rect">
             <a:avLst/>
@@ -7361,6 +7257,9 @@
           </a:bodyPr>
           <a:lstStyle>
             <a:lvl1pPr algn="r">
+              <a:lnSpc>
+                <a:spcPct val="100000"/>
+              </a:lnSpc>
               <a:buNone/>
               <a:defRPr b="0" lang="en-US" sz="1400" spc="-1" strike="noStrike">
                 <a:solidFill>
@@ -7372,9 +7271,12 @@
           </a:lstStyle>
           <a:p>
             <a:pPr algn="r">
+              <a:lnSpc>
+                <a:spcPct val="100000"/>
+              </a:lnSpc>
               <a:buNone/>
             </a:pPr>
-            <a:fld id="{BF5C7214-CF3B-44DD-BE4A-D7C7B5AA2CF4}" type="slidenum">
+            <a:fld id="{7570843A-6E72-41BD-9D79-15ACC16B5D55}" type="slidenum">
               <a:rPr b="0" lang="en-US" sz="1400" spc="-1" strike="noStrike">
                 <a:solidFill>
                   <a:srgbClr val="ffffff"/>
@@ -7384,343 +7286,283 @@
               <a:t>&lt;number&gt;</a:t>
             </a:fld>
             <a:endParaRPr b="0" lang="en-US" sz="1400" spc="-1" strike="noStrike">
-              <a:solidFill>
-                <a:srgbClr val="ffffff"/>
-              </a:solidFill>
-              <a:latin typeface="Arial"/>
-            </a:endParaRPr>
-          </a:p>
-        </p:txBody>
-      </p:sp>
-      <p:sp>
-        <p:nvSpPr>
-          <p:cNvPr id="6" name=""/>
-          <p:cNvSpPr/>
-          <p:nvPr/>
-        </p:nvSpPr>
-        <p:spPr>
-          <a:xfrm>
-            <a:off x="1440000" y="1080000"/>
-            <a:ext cx="1440000" cy="1260000"/>
-          </a:xfrm>
-          <a:prstGeom prst="ellipse">
-            <a:avLst/>
-          </a:prstGeom>
-          <a:solidFill>
-            <a:srgbClr val="ffffff">
-              <a:alpha val="30000"/>
-            </a:srgbClr>
-          </a:solidFill>
-          <a:ln w="0">
-            <a:noFill/>
-          </a:ln>
-        </p:spPr>
-        <p:style>
-          <a:lnRef idx="0"/>
-          <a:fillRef idx="0"/>
-          <a:effectRef idx="0"/>
-          <a:fontRef idx="minor"/>
-        </p:style>
-      </p:sp>
-      <p:sp>
-        <p:nvSpPr>
-          <p:cNvPr id="7" name=""/>
-          <p:cNvSpPr/>
-          <p:nvPr/>
-        </p:nvSpPr>
-        <p:spPr>
-          <a:xfrm>
-            <a:off x="7380000" y="3960000"/>
-            <a:ext cx="1440000" cy="1260000"/>
-          </a:xfrm>
-          <a:prstGeom prst="ellipse">
-            <a:avLst/>
-          </a:prstGeom>
-          <a:solidFill>
-            <a:srgbClr val="ffffff">
-              <a:alpha val="30000"/>
-            </a:srgbClr>
-          </a:solidFill>
-          <a:ln w="0">
-            <a:noFill/>
-          </a:ln>
-        </p:spPr>
-        <p:style>
-          <a:lnRef idx="0"/>
-          <a:fillRef idx="0"/>
-          <a:effectRef idx="0"/>
-          <a:fontRef idx="minor"/>
-        </p:style>
-      </p:sp>
-      <p:sp>
-        <p:nvSpPr>
-          <p:cNvPr id="8" name=""/>
-          <p:cNvSpPr/>
-          <p:nvPr/>
-        </p:nvSpPr>
-        <p:spPr>
-          <a:xfrm>
-            <a:off x="9000000" y="2700000"/>
-            <a:ext cx="1260000" cy="1080000"/>
-          </a:xfrm>
-          <a:prstGeom prst="ellipse">
-            <a:avLst/>
-          </a:prstGeom>
-          <a:solidFill>
-            <a:srgbClr val="ffffff">
-              <a:alpha val="20000"/>
-            </a:srgbClr>
-          </a:solidFill>
-          <a:ln w="0">
-            <a:noFill/>
-          </a:ln>
-        </p:spPr>
-        <p:style>
-          <a:lnRef idx="0"/>
-          <a:fillRef idx="0"/>
-          <a:effectRef idx="0"/>
-          <a:fontRef idx="minor"/>
-        </p:style>
-      </p:sp>
-      <p:sp>
-        <p:nvSpPr>
-          <p:cNvPr id="9" name=""/>
-          <p:cNvSpPr/>
-          <p:nvPr/>
-        </p:nvSpPr>
-        <p:spPr>
-          <a:xfrm>
-            <a:off x="-180000" y="2430000"/>
-            <a:ext cx="1440000" cy="1350000"/>
-          </a:xfrm>
-          <a:prstGeom prst="ellipse">
-            <a:avLst/>
-          </a:prstGeom>
-          <a:solidFill>
-            <a:srgbClr val="ffffff">
-              <a:alpha val="20000"/>
-            </a:srgbClr>
-          </a:solidFill>
-          <a:ln w="0">
-            <a:noFill/>
-          </a:ln>
-        </p:spPr>
-        <p:style>
-          <a:lnRef idx="0"/>
-          <a:fillRef idx="0"/>
-          <a:effectRef idx="0"/>
-          <a:fontRef idx="minor"/>
-        </p:style>
-      </p:sp>
-      <p:sp>
-        <p:nvSpPr>
-          <p:cNvPr id="10" name=""/>
-          <p:cNvSpPr/>
-          <p:nvPr/>
-        </p:nvSpPr>
-        <p:spPr>
-          <a:xfrm>
-            <a:off x="540000" y="1080000"/>
-            <a:ext cx="720000" cy="720000"/>
-          </a:xfrm>
-          <a:prstGeom prst="ellipse">
-            <a:avLst/>
-          </a:prstGeom>
-          <a:solidFill>
-            <a:srgbClr val="ffffff">
-              <a:alpha val="20000"/>
-            </a:srgbClr>
-          </a:solidFill>
-          <a:ln w="0">
-            <a:noFill/>
-          </a:ln>
-        </p:spPr>
-        <p:style>
-          <a:lnRef idx="0"/>
-          <a:fillRef idx="0"/>
-          <a:effectRef idx="0"/>
-          <a:fontRef idx="minor"/>
-        </p:style>
-      </p:sp>
-      <p:sp>
-        <p:nvSpPr>
-          <p:cNvPr id="11" name=""/>
-          <p:cNvSpPr/>
-          <p:nvPr/>
-        </p:nvSpPr>
-        <p:spPr>
-          <a:xfrm>
-            <a:off x="0" y="1260000"/>
-            <a:ext cx="720000" cy="720000"/>
-          </a:xfrm>
-          <a:prstGeom prst="ellipse">
-            <a:avLst/>
-          </a:prstGeom>
-          <a:solidFill>
-            <a:srgbClr val="ffffff">
-              <a:alpha val="10000"/>
-            </a:srgbClr>
-          </a:solidFill>
-          <a:ln w="0">
-            <a:noFill/>
-          </a:ln>
-        </p:spPr>
-        <p:style>
-          <a:lnRef idx="0"/>
-          <a:fillRef idx="0"/>
-          <a:effectRef idx="0"/>
-          <a:fontRef idx="minor"/>
-        </p:style>
-      </p:sp>
-      <p:sp>
-        <p:nvSpPr>
-          <p:cNvPr id="12" name=""/>
-          <p:cNvSpPr/>
-          <p:nvPr/>
-        </p:nvSpPr>
-        <p:spPr>
-          <a:xfrm>
-            <a:off x="0" y="5220000"/>
-            <a:ext cx="1620000" cy="1260000"/>
-          </a:xfrm>
-          <a:prstGeom prst="ellipse">
-            <a:avLst/>
-          </a:prstGeom>
-          <a:solidFill>
-            <a:srgbClr val="ffffff">
-              <a:alpha val="15000"/>
-            </a:srgbClr>
-          </a:solidFill>
-          <a:ln w="0">
-            <a:noFill/>
-          </a:ln>
-        </p:spPr>
-        <p:style>
-          <a:lnRef idx="0"/>
-          <a:fillRef idx="0"/>
-          <a:effectRef idx="0"/>
-          <a:fontRef idx="minor"/>
-        </p:style>
-      </p:sp>
-      <p:sp>
-        <p:nvSpPr>
-          <p:cNvPr id="13" name=""/>
-          <p:cNvSpPr/>
-          <p:nvPr/>
-        </p:nvSpPr>
-        <p:spPr>
-          <a:xfrm>
-            <a:off x="9720000" y="4680000"/>
-            <a:ext cx="720000" cy="720000"/>
-          </a:xfrm>
-          <a:prstGeom prst="ellipse">
-            <a:avLst/>
-          </a:prstGeom>
-          <a:solidFill>
-            <a:srgbClr val="ffffff">
-              <a:alpha val="30000"/>
-            </a:srgbClr>
-          </a:solidFill>
-          <a:ln w="0">
-            <a:noFill/>
-          </a:ln>
-        </p:spPr>
-        <p:style>
-          <a:lnRef idx="0"/>
-          <a:fillRef idx="0"/>
-          <a:effectRef idx="0"/>
-          <a:fontRef idx="minor"/>
-        </p:style>
-      </p:sp>
-      <p:sp>
-        <p:nvSpPr>
-          <p:cNvPr id="14" name=""/>
-          <p:cNvSpPr/>
-          <p:nvPr/>
-        </p:nvSpPr>
-        <p:spPr>
-          <a:xfrm>
-            <a:off x="9540000" y="3420000"/>
-            <a:ext cx="720000" cy="720000"/>
-          </a:xfrm>
-          <a:prstGeom prst="ellipse">
-            <a:avLst/>
-          </a:prstGeom>
-          <a:solidFill>
-            <a:srgbClr val="ffffff">
-              <a:alpha val="10000"/>
-            </a:srgbClr>
-          </a:solidFill>
-          <a:ln w="0">
-            <a:noFill/>
-          </a:ln>
-        </p:spPr>
-        <p:style>
-          <a:lnRef idx="0"/>
-          <a:fillRef idx="0"/>
-          <a:effectRef idx="0"/>
-          <a:fontRef idx="minor"/>
-        </p:style>
-      </p:sp>
-      <p:sp>
-        <p:nvSpPr>
-          <p:cNvPr id="15" name=""/>
-          <p:cNvSpPr/>
-          <p:nvPr/>
-        </p:nvSpPr>
-        <p:spPr>
-          <a:xfrm>
-            <a:off x="8100000" y="4680000"/>
-            <a:ext cx="1080000" cy="842400"/>
-          </a:xfrm>
-          <a:prstGeom prst="ellipse">
-            <a:avLst/>
-          </a:prstGeom>
-          <a:solidFill>
-            <a:srgbClr val="ffffff">
-              <a:alpha val="20000"/>
-            </a:srgbClr>
-          </a:solidFill>
-          <a:ln w="0">
-            <a:noFill/>
-          </a:ln>
-        </p:spPr>
-        <p:style>
-          <a:lnRef idx="0"/>
-          <a:fillRef idx="0"/>
-          <a:effectRef idx="0"/>
-          <a:fontRef idx="minor"/>
-        </p:style>
-      </p:sp>
-      <p:sp>
-        <p:nvSpPr>
-          <p:cNvPr id="16" name=""/>
-          <p:cNvSpPr/>
-          <p:nvPr/>
-        </p:nvSpPr>
-        <p:spPr>
-          <a:xfrm>
-            <a:off x="7920000" y="5400000"/>
-            <a:ext cx="900000" cy="900000"/>
-          </a:xfrm>
-          <a:prstGeom prst="ellipse">
-            <a:avLst/>
-          </a:prstGeom>
-          <a:solidFill>
-            <a:srgbClr val="ffffff">
-              <a:alpha val="25000"/>
-            </a:srgbClr>
-          </a:solidFill>
-          <a:ln w="0">
-            <a:noFill/>
-          </a:ln>
-        </p:spPr>
-        <p:style>
-          <a:lnRef idx="0"/>
-          <a:fillRef idx="0"/>
-          <a:effectRef idx="0"/>
-          <a:fontRef idx="minor"/>
-        </p:style>
+              <a:latin typeface="Times New Roman"/>
+            </a:endParaRPr>
+          </a:p>
+        </p:txBody>
+      </p:sp>
+      <p:sp>
+        <p:nvSpPr>
+          <p:cNvPr id="14" name="PlaceHolder 3"/>
+          <p:cNvSpPr>
+            <a:spLocks noGrp="1"/>
+          </p:cNvSpPr>
+          <p:nvPr>
+            <p:ph type="dt" idx="3"/>
+          </p:nvPr>
+        </p:nvSpPr>
+        <p:spPr>
+          <a:xfrm>
+            <a:off x="180000" y="5130000"/>
+            <a:ext cx="2339640" cy="392040"/>
+          </a:xfrm>
+          <a:prstGeom prst="rect">
+            <a:avLst/>
+          </a:prstGeom>
+          <a:noFill/>
+          <a:ln w="0">
+            <a:noFill/>
+          </a:ln>
+        </p:spPr>
+        <p:txBody>
+          <a:bodyPr lIns="0" rIns="0" tIns="0" bIns="0" anchor="b">
+            <a:noAutofit/>
+          </a:bodyPr>
+          <a:lstStyle>
+            <a:lvl1pPr>
+              <a:defRPr b="0" lang="en-US" sz="1400" spc="-1" strike="noStrike">
+                <a:latin typeface="Times New Roman"/>
+              </a:defRPr>
+            </a:lvl1pPr>
+          </a:lstStyle>
+          <a:p>
+            <a:r>
+              <a:rPr b="0" lang="en-US" sz="1400" spc="-1" strike="noStrike">
+                <a:latin typeface="Times New Roman"/>
+              </a:rPr>
+              <a:t>&lt;date/time&gt;</a:t>
+            </a:r>
+            <a:endParaRPr b="0" lang="en-US" sz="1400" spc="-1" strike="noStrike">
+              <a:latin typeface="Times New Roman"/>
+            </a:endParaRPr>
+          </a:p>
+        </p:txBody>
+      </p:sp>
+      <p:sp>
+        <p:nvSpPr>
+          <p:cNvPr id="15" name="PlaceHolder 4"/>
+          <p:cNvSpPr>
+            <a:spLocks noGrp="1"/>
+          </p:cNvSpPr>
+          <p:nvPr>
+            <p:ph type="title"/>
+          </p:nvPr>
+        </p:nvSpPr>
+        <p:spPr>
+          <a:xfrm>
+            <a:off x="504000" y="226080"/>
+            <a:ext cx="9072000" cy="946440"/>
+          </a:xfrm>
+          <a:prstGeom prst="rect">
+            <a:avLst/>
+          </a:prstGeom>
+          <a:noFill/>
+          <a:ln w="0">
+            <a:noFill/>
+          </a:ln>
+        </p:spPr>
+        <p:txBody>
+          <a:bodyPr lIns="0" rIns="0" tIns="0" bIns="0" anchor="ctr">
+            <a:noAutofit/>
+          </a:bodyPr>
+          <a:p>
+            <a:pPr algn="ctr">
+              <a:buNone/>
+            </a:pPr>
+            <a:r>
+              <a:rPr b="0" lang="en-US" sz="4400" spc="-1" strike="noStrike">
+                <a:latin typeface="Arial"/>
+              </a:rPr>
+              <a:t>Click to edit the title text format</a:t>
+            </a:r>
+            <a:endParaRPr b="0" lang="en-US" sz="4400" spc="-1" strike="noStrike">
+              <a:latin typeface="Arial"/>
+            </a:endParaRPr>
+          </a:p>
+        </p:txBody>
+      </p:sp>
+      <p:sp>
+        <p:nvSpPr>
+          <p:cNvPr id="16" name="PlaceHolder 5"/>
+          <p:cNvSpPr>
+            <a:spLocks noGrp="1"/>
+          </p:cNvSpPr>
+          <p:nvPr>
+            <p:ph type="body"/>
+          </p:nvPr>
+        </p:nvSpPr>
+        <p:spPr>
+          <a:xfrm>
+            <a:off x="504000" y="1326600"/>
+            <a:ext cx="9072000" cy="3288600"/>
+          </a:xfrm>
+          <a:prstGeom prst="rect">
+            <a:avLst/>
+          </a:prstGeom>
+          <a:noFill/>
+          <a:ln w="0">
+            <a:noFill/>
+          </a:ln>
+        </p:spPr>
+        <p:txBody>
+          <a:bodyPr lIns="0" rIns="0" tIns="0" bIns="0" anchor="t">
+            <a:normAutofit/>
+          </a:bodyPr>
+          <a:p>
+            <a:pPr marL="432000" indent="-324000">
+              <a:spcBef>
+                <a:spcPts val="1417"/>
+              </a:spcBef>
+              <a:buClr>
+                <a:srgbClr val="000000"/>
+              </a:buClr>
+              <a:buSzPct val="45000"/>
+              <a:buFont typeface="Wingdings" charset="2"/>
+              <a:buChar char=""/>
+            </a:pPr>
+            <a:r>
+              <a:rPr b="0" lang="en-US" sz="3200" spc="-1" strike="noStrike">
+                <a:latin typeface="Arial"/>
+              </a:rPr>
+              <a:t>Click to edit the outline text format</a:t>
+            </a:r>
+            <a:endParaRPr b="0" lang="en-US" sz="3200" spc="-1" strike="noStrike">
+              <a:latin typeface="Arial"/>
+            </a:endParaRPr>
+          </a:p>
+          <a:p>
+            <a:pPr lvl="1" marL="864000" indent="-324000">
+              <a:spcBef>
+                <a:spcPts val="1134"/>
+              </a:spcBef>
+              <a:buClr>
+                <a:srgbClr val="000000"/>
+              </a:buClr>
+              <a:buSzPct val="75000"/>
+              <a:buFont typeface="Symbol" charset="2"/>
+              <a:buChar char=""/>
+            </a:pPr>
+            <a:r>
+              <a:rPr b="0" lang="en-US" sz="2800" spc="-1" strike="noStrike">
+                <a:latin typeface="Arial"/>
+              </a:rPr>
+              <a:t>Second Outline Level</a:t>
+            </a:r>
+            <a:endParaRPr b="0" lang="en-US" sz="2800" spc="-1" strike="noStrike">
+              <a:latin typeface="Arial"/>
+            </a:endParaRPr>
+          </a:p>
+          <a:p>
+            <a:pPr lvl="2" marL="1296000" indent="-288000">
+              <a:spcBef>
+                <a:spcPts val="850"/>
+              </a:spcBef>
+              <a:buClr>
+                <a:srgbClr val="000000"/>
+              </a:buClr>
+              <a:buSzPct val="45000"/>
+              <a:buFont typeface="Wingdings" charset="2"/>
+              <a:buChar char=""/>
+            </a:pPr>
+            <a:r>
+              <a:rPr b="0" lang="en-US" sz="2400" spc="-1" strike="noStrike">
+                <a:latin typeface="Arial"/>
+              </a:rPr>
+              <a:t>Third Outline Level</a:t>
+            </a:r>
+            <a:endParaRPr b="0" lang="en-US" sz="2400" spc="-1" strike="noStrike">
+              <a:latin typeface="Arial"/>
+            </a:endParaRPr>
+          </a:p>
+          <a:p>
+            <a:pPr lvl="3" marL="1728000" indent="-216000">
+              <a:spcBef>
+                <a:spcPts val="567"/>
+              </a:spcBef>
+              <a:buClr>
+                <a:srgbClr val="000000"/>
+              </a:buClr>
+              <a:buSzPct val="75000"/>
+              <a:buFont typeface="Symbol" charset="2"/>
+              <a:buChar char=""/>
+            </a:pPr>
+            <a:r>
+              <a:rPr b="0" lang="en-US" sz="2000" spc="-1" strike="noStrike">
+                <a:latin typeface="Arial"/>
+              </a:rPr>
+              <a:t>Fourth Outline Level</a:t>
+            </a:r>
+            <a:endParaRPr b="0" lang="en-US" sz="2000" spc="-1" strike="noStrike">
+              <a:latin typeface="Arial"/>
+            </a:endParaRPr>
+          </a:p>
+          <a:p>
+            <a:pPr lvl="4" marL="2160000" indent="-216000">
+              <a:spcBef>
+                <a:spcPts val="283"/>
+              </a:spcBef>
+              <a:buClr>
+                <a:srgbClr val="000000"/>
+              </a:buClr>
+              <a:buSzPct val="45000"/>
+              <a:buFont typeface="Wingdings" charset="2"/>
+              <a:buChar char=""/>
+            </a:pPr>
+            <a:r>
+              <a:rPr b="0" lang="en-US" sz="2000" spc="-1" strike="noStrike">
+                <a:latin typeface="Arial"/>
+              </a:rPr>
+              <a:t>Fifth Outline Level</a:t>
+            </a:r>
+            <a:endParaRPr b="0" lang="en-US" sz="2000" spc="-1" strike="noStrike">
+              <a:latin typeface="Arial"/>
+            </a:endParaRPr>
+          </a:p>
+          <a:p>
+            <a:pPr lvl="5" marL="2592000" indent="-216000">
+              <a:spcBef>
+                <a:spcPts val="283"/>
+              </a:spcBef>
+              <a:buClr>
+                <a:srgbClr val="000000"/>
+              </a:buClr>
+              <a:buSzPct val="45000"/>
+              <a:buFont typeface="Wingdings" charset="2"/>
+              <a:buChar char=""/>
+            </a:pPr>
+            <a:r>
+              <a:rPr b="0" lang="en-US" sz="2000" spc="-1" strike="noStrike">
+                <a:latin typeface="Arial"/>
+              </a:rPr>
+              <a:t>Sixth Outline Level</a:t>
+            </a:r>
+            <a:endParaRPr b="0" lang="en-US" sz="2000" spc="-1" strike="noStrike">
+              <a:latin typeface="Arial"/>
+            </a:endParaRPr>
+          </a:p>
+          <a:p>
+            <a:pPr lvl="6" marL="3024000" indent="-216000">
+              <a:spcBef>
+                <a:spcPts val="283"/>
+              </a:spcBef>
+              <a:buClr>
+                <a:srgbClr val="000000"/>
+              </a:buClr>
+              <a:buSzPct val="45000"/>
+              <a:buFont typeface="Wingdings" charset="2"/>
+              <a:buChar char=""/>
+            </a:pPr>
+            <a:r>
+              <a:rPr b="0" lang="en-US" sz="2000" spc="-1" strike="noStrike">
+                <a:latin typeface="Arial"/>
+              </a:rPr>
+              <a:t>Seventh Outline Level</a:t>
+            </a:r>
+            <a:endParaRPr b="0" lang="en-US" sz="2000" spc="-1" strike="noStrike">
+              <a:latin typeface="Arial"/>
+            </a:endParaRPr>
+          </a:p>
+        </p:txBody>
       </p:sp>
     </p:spTree>
   </p:cSld>
@@ -7768,7 +7610,7 @@
         <p:spPr>
           <a:xfrm>
             <a:off x="360" y="360"/>
-            <a:ext cx="10080000" cy="5670000"/>
+            <a:ext cx="10079640" cy="5669640"/>
           </a:xfrm>
           <a:prstGeom prst="rect">
             <a:avLst/>
@@ -7804,7 +7646,7 @@
         <p:spPr>
           <a:xfrm flipH="1">
             <a:off x="-2880" y="0"/>
-            <a:ext cx="10080360" cy="5670360"/>
+            <a:ext cx="10080000" cy="5670000"/>
           </a:xfrm>
           <a:prstGeom prst="rect">
             <a:avLst/>
@@ -7845,27 +7687,39 @@
       <p:sp>
         <p:nvSpPr>
           <p:cNvPr id="55" name=""/>
-          <p:cNvSpPr txBox="1"/>
+          <p:cNvSpPr/>
           <p:nvPr/>
         </p:nvSpPr>
         <p:spPr>
           <a:xfrm>
             <a:off x="180360" y="5130360"/>
-            <a:ext cx="2340000" cy="392400"/>
-          </a:xfrm>
-          <a:prstGeom prst="rect">
-            <a:avLst/>
-          </a:prstGeom>
-          <a:noFill/>
-          <a:ln w="0">
-            <a:noFill/>
-          </a:ln>
-        </p:spPr>
+            <a:ext cx="2339640" cy="392040"/>
+          </a:xfrm>
+          <a:prstGeom prst="rect">
+            <a:avLst/>
+          </a:prstGeom>
+          <a:noFill/>
+          <a:ln w="0">
+            <a:noFill/>
+          </a:ln>
+        </p:spPr>
+        <p:style>
+          <a:lnRef idx="0"/>
+          <a:fillRef idx="0"/>
+          <a:effectRef idx="0"/>
+          <a:fontRef idx="minor"/>
+        </p:style>
         <p:txBody>
           <a:bodyPr lIns="0" rIns="0" tIns="0" bIns="0" anchor="b">
             <a:noAutofit/>
           </a:bodyPr>
           <a:p>
+            <a:pPr>
+              <a:lnSpc>
+                <a:spcPct val="100000"/>
+              </a:lnSpc>
+              <a:buNone/>
+            </a:pPr>
             <a:r>
               <a:rPr b="0" lang="en-US" sz="1400" spc="-1" strike="noStrike">
                 <a:solidFill>
@@ -7876,9 +7730,6 @@
               <a:t>&lt;date/time&gt;</a:t>
             </a:r>
             <a:endParaRPr b="0" lang="en-US" sz="1400" spc="-1" strike="noStrike">
-              <a:solidFill>
-                <a:srgbClr val="ffffff"/>
-              </a:solidFill>
               <a:latin typeface="Arial"/>
             </a:endParaRPr>
           </a:p>
@@ -7887,31 +7738,40 @@
       <p:sp>
         <p:nvSpPr>
           <p:cNvPr id="56" name=""/>
-          <p:cNvSpPr txBox="1"/>
+          <p:cNvSpPr/>
           <p:nvPr/>
         </p:nvSpPr>
         <p:spPr>
           <a:xfrm>
             <a:off x="7560360" y="5130360"/>
-            <a:ext cx="2340000" cy="392400"/>
-          </a:xfrm>
-          <a:prstGeom prst="rect">
-            <a:avLst/>
-          </a:prstGeom>
-          <a:noFill/>
-          <a:ln w="0">
-            <a:noFill/>
-          </a:ln>
-        </p:spPr>
+            <a:ext cx="2339640" cy="392040"/>
+          </a:xfrm>
+          <a:prstGeom prst="rect">
+            <a:avLst/>
+          </a:prstGeom>
+          <a:noFill/>
+          <a:ln w="0">
+            <a:noFill/>
+          </a:ln>
+        </p:spPr>
+        <p:style>
+          <a:lnRef idx="0"/>
+          <a:fillRef idx="0"/>
+          <a:effectRef idx="0"/>
+          <a:fontRef idx="minor"/>
+        </p:style>
         <p:txBody>
           <a:bodyPr lIns="0" rIns="0" tIns="0" bIns="0" anchor="b">
             <a:noAutofit/>
           </a:bodyPr>
           <a:p>
             <a:pPr algn="r">
+              <a:lnSpc>
+                <a:spcPct val="100000"/>
+              </a:lnSpc>
               <a:buNone/>
             </a:pPr>
-            <a:fld id="{977A044C-2121-4261-92B6-4411E2DE2CC2}" type="slidenum">
+            <a:fld id="{9EB428DB-710C-4C77-BF39-038661D68819}" type="slidenum">
               <a:rPr b="0" lang="en-US" sz="1400" spc="-1" strike="noStrike">
                 <a:solidFill>
                   <a:srgbClr val="ffffff"/>
@@ -7921,9 +7781,6 @@
               <a:t>&lt;number&gt;</a:t>
             </a:fld>
             <a:endParaRPr b="0" lang="en-US" sz="1400" spc="-1" strike="noStrike">
-              <a:solidFill>
-                <a:srgbClr val="ffffff"/>
-              </a:solidFill>
               <a:latin typeface="Arial"/>
             </a:endParaRPr>
           </a:p>
@@ -7938,7 +7795,7 @@
         <p:spPr>
           <a:xfrm>
             <a:off x="1440360" y="1080360"/>
-            <a:ext cx="1440000" cy="1260000"/>
+            <a:ext cx="1439640" cy="1259640"/>
           </a:xfrm>
           <a:prstGeom prst="ellipse">
             <a:avLst/>
@@ -7968,7 +7825,7 @@
         <p:spPr>
           <a:xfrm>
             <a:off x="7380360" y="3960360"/>
-            <a:ext cx="1440000" cy="1260000"/>
+            <a:ext cx="1439640" cy="1259640"/>
           </a:xfrm>
           <a:prstGeom prst="ellipse">
             <a:avLst/>
@@ -7998,7 +7855,7 @@
         <p:spPr>
           <a:xfrm>
             <a:off x="9000360" y="2700360"/>
-            <a:ext cx="1260000" cy="1080000"/>
+            <a:ext cx="1259640" cy="1079640"/>
           </a:xfrm>
           <a:prstGeom prst="ellipse">
             <a:avLst/>
@@ -8028,7 +7885,7 @@
         <p:spPr>
           <a:xfrm>
             <a:off x="-179640" y="2430360"/>
-            <a:ext cx="1440000" cy="1350000"/>
+            <a:ext cx="1439640" cy="1349640"/>
           </a:xfrm>
           <a:prstGeom prst="ellipse">
             <a:avLst/>
@@ -8058,7 +7915,7 @@
         <p:spPr>
           <a:xfrm>
             <a:off x="540360" y="1080360"/>
-            <a:ext cx="720000" cy="720000"/>
+            <a:ext cx="719640" cy="719640"/>
           </a:xfrm>
           <a:prstGeom prst="ellipse">
             <a:avLst/>
@@ -8088,7 +7945,7 @@
         <p:spPr>
           <a:xfrm>
             <a:off x="360" y="1260360"/>
-            <a:ext cx="720000" cy="720000"/>
+            <a:ext cx="719640" cy="719640"/>
           </a:xfrm>
           <a:prstGeom prst="ellipse">
             <a:avLst/>
@@ -8118,7 +7975,7 @@
         <p:spPr>
           <a:xfrm>
             <a:off x="360" y="5220360"/>
-            <a:ext cx="1620000" cy="1260000"/>
+            <a:ext cx="1619640" cy="1259640"/>
           </a:xfrm>
           <a:prstGeom prst="ellipse">
             <a:avLst/>
@@ -8148,7 +8005,7 @@
         <p:spPr>
           <a:xfrm>
             <a:off x="9720360" y="4680360"/>
-            <a:ext cx="720000" cy="720000"/>
+            <a:ext cx="719640" cy="719640"/>
           </a:xfrm>
           <a:prstGeom prst="ellipse">
             <a:avLst/>
@@ -8178,7 +8035,7 @@
         <p:spPr>
           <a:xfrm>
             <a:off x="9540360" y="3420360"/>
-            <a:ext cx="720000" cy="720000"/>
+            <a:ext cx="719640" cy="719640"/>
           </a:xfrm>
           <a:prstGeom prst="ellipse">
             <a:avLst/>
@@ -8208,7 +8065,7 @@
         <p:spPr>
           <a:xfrm>
             <a:off x="8100360" y="4680360"/>
-            <a:ext cx="1080000" cy="842400"/>
+            <a:ext cx="1079640" cy="842040"/>
           </a:xfrm>
           <a:prstGeom prst="ellipse">
             <a:avLst/>
@@ -8238,7 +8095,7 @@
         <p:spPr>
           <a:xfrm>
             <a:off x="7920360" y="5400360"/>
-            <a:ext cx="900000" cy="900000"/>
+            <a:ext cx="899640" cy="899640"/>
           </a:xfrm>
           <a:prstGeom prst="ellipse">
             <a:avLst/>
@@ -8272,7 +8129,7 @@
         <p:spPr>
           <a:xfrm>
             <a:off x="540000" y="270000"/>
-            <a:ext cx="9000000" cy="990000"/>
+            <a:ext cx="8999640" cy="989640"/>
           </a:xfrm>
           <a:prstGeom prst="rect">
             <a:avLst/>
@@ -8287,22 +8144,13 @@
             <a:noAutofit/>
           </a:bodyPr>
           <a:p>
-            <a:pPr algn="ctr">
-              <a:buNone/>
-            </a:pPr>
             <a:r>
-              <a:rPr b="0" lang="en-US" sz="3300" spc="-1" strike="noStrike">
-                <a:solidFill>
-                  <a:srgbClr val="ffffff"/>
-                </a:solidFill>
+              <a:rPr b="0" lang="en-US" sz="1800" spc="-1" strike="noStrike">
                 <a:latin typeface="Arial"/>
               </a:rPr>
               <a:t>Click to edit the title text format</a:t>
             </a:r>
-            <a:endParaRPr b="0" lang="en-US" sz="3300" spc="-1" strike="noStrike">
-              <a:solidFill>
-                <a:srgbClr val="ffffff"/>
-              </a:solidFill>
+            <a:endParaRPr b="0" lang="en-US" sz="1800" spc="-1" strike="noStrike">
               <a:latin typeface="Arial"/>
             </a:endParaRPr>
           </a:p>
@@ -8321,16 +8169,12 @@
         <p:spPr>
           <a:xfrm>
             <a:off x="540000" y="1440000"/>
-            <a:ext cx="9000000" cy="3600000"/>
-          </a:xfrm>
-          <a:prstGeom prst="rect">
-            <a:avLst/>
-          </a:prstGeom>
-          <a:solidFill>
-            <a:srgbClr val="ffffff">
-              <a:alpha val="50000"/>
-            </a:srgbClr>
-          </a:solidFill>
+            <a:ext cx="8999640" cy="3599640"/>
+          </a:xfrm>
+          <a:prstGeom prst="rect">
+            <a:avLst/>
+          </a:prstGeom>
+          <a:noFill/>
           <a:ln w="0">
             <a:noFill/>
           </a:ln>
@@ -8341,9 +8185,9 @@
           </a:bodyPr>
           <a:p>
             <a:pPr marL="432000" indent="-324000">
-              <a:spcAft>
-                <a:spcPts val="1057"/>
-              </a:spcAft>
+              <a:spcBef>
+                <a:spcPts val="1417"/>
+              </a:spcBef>
               <a:buClr>
                 <a:srgbClr val="000000"/>
               </a:buClr>
@@ -8352,26 +8196,20 @@
               <a:buChar char=""/>
             </a:pPr>
             <a:r>
-              <a:rPr b="0" lang="en-US" sz="2400" spc="-1" strike="noStrike">
+              <a:rPr b="0" lang="en-US" sz="1800" spc="-1" strike="noStrike">
                 <a:latin typeface="Arial"/>
               </a:rPr>
-              <a:t>Click to edit the outline text </a:t>
+              <a:t>Click to edit the outline text format</a:t>
             </a:r>
-            <a:r>
-              <a:rPr b="0" lang="en-US" sz="2400" spc="-1" strike="noStrike">
-                <a:latin typeface="Arial"/>
-              </a:rPr>
-              <a:t>format</a:t>
-            </a:r>
-            <a:endParaRPr b="0" lang="en-US" sz="2400" spc="-1" strike="noStrike">
+            <a:endParaRPr b="0" lang="en-US" sz="1800" spc="-1" strike="noStrike">
               <a:latin typeface="Arial"/>
             </a:endParaRPr>
           </a:p>
           <a:p>
             <a:pPr lvl="1" marL="864000" indent="-324000">
-              <a:spcAft>
-                <a:spcPts val="845"/>
-              </a:spcAft>
+              <a:spcBef>
+                <a:spcPts val="1134"/>
+              </a:spcBef>
               <a:buClr>
                 <a:srgbClr val="000000"/>
               </a:buClr>
@@ -8380,20 +8218,20 @@
               <a:buChar char=""/>
             </a:pPr>
             <a:r>
-              <a:rPr b="0" lang="en-US" sz="2100" spc="-1" strike="noStrike">
+              <a:rPr b="0" lang="en-US" sz="1800" spc="-1" strike="noStrike">
                 <a:latin typeface="Arial"/>
               </a:rPr>
               <a:t>Second Outline Level</a:t>
             </a:r>
-            <a:endParaRPr b="0" lang="en-US" sz="2100" spc="-1" strike="noStrike">
+            <a:endParaRPr b="0" lang="en-US" sz="1800" spc="-1" strike="noStrike">
               <a:latin typeface="Arial"/>
             </a:endParaRPr>
           </a:p>
           <a:p>
             <a:pPr lvl="2" marL="1296000" indent="-288000">
-              <a:spcAft>
-                <a:spcPts val="632"/>
-              </a:spcAft>
+              <a:spcBef>
+                <a:spcPts val="850"/>
+              </a:spcBef>
               <a:buClr>
                 <a:srgbClr val="000000"/>
               </a:buClr>
@@ -8413,9 +8251,9 @@
           </a:p>
           <a:p>
             <a:pPr lvl="3" marL="1728000" indent="-216000">
-              <a:spcAft>
-                <a:spcPts val="425"/>
-              </a:spcAft>
+              <a:spcBef>
+                <a:spcPts val="567"/>
+              </a:spcBef>
               <a:buClr>
                 <a:srgbClr val="000000"/>
               </a:buClr>
@@ -8424,20 +8262,20 @@
               <a:buChar char=""/>
             </a:pPr>
             <a:r>
-              <a:rPr b="0" lang="en-US" sz="1500" spc="-1" strike="noStrike">
+              <a:rPr b="0" lang="en-US" sz="1800" spc="-1" strike="noStrike">
                 <a:latin typeface="Arial"/>
               </a:rPr>
               <a:t>Fourth Outline Level</a:t>
             </a:r>
-            <a:endParaRPr b="0" lang="en-US" sz="1500" spc="-1" strike="noStrike">
+            <a:endParaRPr b="0" lang="en-US" sz="1800" spc="-1" strike="noStrike">
               <a:latin typeface="Arial"/>
             </a:endParaRPr>
           </a:p>
           <a:p>
             <a:pPr lvl="4" marL="2160000" indent="-216000">
-              <a:spcAft>
-                <a:spcPts val="213"/>
-              </a:spcAft>
+              <a:spcBef>
+                <a:spcPts val="283"/>
+              </a:spcBef>
               <a:buClr>
                 <a:srgbClr val="000000"/>
               </a:buClr>
@@ -8446,20 +8284,20 @@
               <a:buChar char=""/>
             </a:pPr>
             <a:r>
-              <a:rPr b="0" lang="en-US" sz="1500" spc="-1" strike="noStrike">
+              <a:rPr b="0" lang="en-US" sz="1800" spc="-1" strike="noStrike">
                 <a:latin typeface="Arial"/>
               </a:rPr>
               <a:t>Fifth Outline Level</a:t>
             </a:r>
-            <a:endParaRPr b="0" lang="en-US" sz="1500" spc="-1" strike="noStrike">
+            <a:endParaRPr b="0" lang="en-US" sz="1800" spc="-1" strike="noStrike">
               <a:latin typeface="Arial"/>
             </a:endParaRPr>
           </a:p>
           <a:p>
             <a:pPr lvl="5" marL="2592000" indent="-216000">
-              <a:spcAft>
-                <a:spcPts val="213"/>
-              </a:spcAft>
+              <a:spcBef>
+                <a:spcPts val="283"/>
+              </a:spcBef>
               <a:buClr>
                 <a:srgbClr val="000000"/>
               </a:buClr>
@@ -8468,20 +8306,20 @@
               <a:buChar char=""/>
             </a:pPr>
             <a:r>
-              <a:rPr b="0" lang="en-US" sz="1500" spc="-1" strike="noStrike">
+              <a:rPr b="0" lang="en-US" sz="1800" spc="-1" strike="noStrike">
                 <a:latin typeface="Arial"/>
               </a:rPr>
               <a:t>Sixth Outline Level</a:t>
             </a:r>
-            <a:endParaRPr b="0" lang="en-US" sz="1500" spc="-1" strike="noStrike">
+            <a:endParaRPr b="0" lang="en-US" sz="1800" spc="-1" strike="noStrike">
               <a:latin typeface="Arial"/>
             </a:endParaRPr>
           </a:p>
           <a:p>
             <a:pPr lvl="6" marL="3024000" indent="-216000">
-              <a:spcAft>
-                <a:spcPts val="213"/>
-              </a:spcAft>
+              <a:spcBef>
+                <a:spcPts val="283"/>
+              </a:spcBef>
               <a:buClr>
                 <a:srgbClr val="000000"/>
               </a:buClr>
@@ -8490,18 +8328,12 @@
               <a:buChar char=""/>
             </a:pPr>
             <a:r>
-              <a:rPr b="0" lang="en-US" sz="1500" spc="-1" strike="noStrike">
+              <a:rPr b="0" lang="en-US" sz="1800" spc="-1" strike="noStrike">
                 <a:latin typeface="Arial"/>
               </a:rPr>
-              <a:t>Seventh Outline </a:t>
+              <a:t>Seventh Outline Level</a:t>
             </a:r>
-            <a:r>
-              <a:rPr b="0" lang="en-US" sz="1500" spc="-1" strike="noStrike">
-                <a:latin typeface="Arial"/>
-              </a:rPr>
-              <a:t>Level</a:t>
-            </a:r>
-            <a:endParaRPr b="0" lang="en-US" sz="1500" spc="-1" strike="noStrike">
+            <a:endParaRPr b="0" lang="en-US" sz="1800" spc="-1" strike="noStrike">
               <a:latin typeface="Arial"/>
             </a:endParaRPr>
           </a:p>
@@ -8514,13 +8346,13 @@
             <a:spLocks noGrp="1"/>
           </p:cNvSpPr>
           <p:nvPr>
-            <p:ph type="dt" idx="4"/>
-          </p:nvPr>
-        </p:nvSpPr>
-        <p:spPr>
-          <a:xfrm>
-            <a:off x="180000" y="5130000"/>
-            <a:ext cx="2340000" cy="392400"/>
+            <p:ph type="ftr" idx="4"/>
+          </p:nvPr>
+        </p:nvSpPr>
+        <p:spPr>
+          <a:xfrm>
+            <a:off x="3420000" y="5130000"/>
+            <a:ext cx="3239640" cy="392040"/>
           </a:xfrm>
           <a:prstGeom prst="rect">
             <a:avLst/>
@@ -8535,63 +8367,10 @@
             <a:noAutofit/>
           </a:bodyPr>
           <a:lstStyle>
-            <a:lvl1pPr>
-              <a:defRPr b="0" lang="en-US" sz="1400" spc="-1" strike="noStrike">
-                <a:solidFill>
-                  <a:srgbClr val="ffffff"/>
-                </a:solidFill>
-                <a:latin typeface="Arial"/>
-              </a:defRPr>
-            </a:lvl1pPr>
-          </a:lstStyle>
-          <a:p>
-            <a:r>
-              <a:rPr b="0" lang="en-US" sz="1400" spc="-1" strike="noStrike">
-                <a:solidFill>
-                  <a:srgbClr val="ffffff"/>
-                </a:solidFill>
-                <a:latin typeface="Arial"/>
-              </a:rPr>
-              <a:t>&lt;date/time&gt;</a:t>
-            </a:r>
-            <a:endParaRPr b="0" lang="en-US" sz="1400" spc="-1" strike="noStrike">
-              <a:solidFill>
-                <a:srgbClr val="ffffff"/>
-              </a:solidFill>
-              <a:latin typeface="Arial"/>
-            </a:endParaRPr>
-          </a:p>
-        </p:txBody>
-      </p:sp>
-      <p:sp>
-        <p:nvSpPr>
-          <p:cNvPr id="71" name="PlaceHolder 4"/>
-          <p:cNvSpPr>
-            <a:spLocks noGrp="1"/>
-          </p:cNvSpPr>
-          <p:nvPr>
-            <p:ph type="ftr" idx="5"/>
-          </p:nvPr>
-        </p:nvSpPr>
-        <p:spPr>
-          <a:xfrm>
-            <a:off x="3420000" y="5130000"/>
-            <a:ext cx="3240000" cy="392400"/>
-          </a:xfrm>
-          <a:prstGeom prst="rect">
-            <a:avLst/>
-          </a:prstGeom>
-          <a:noFill/>
-          <a:ln w="0">
-            <a:noFill/>
-          </a:ln>
-        </p:spPr>
-        <p:txBody>
-          <a:bodyPr lIns="0" rIns="0" tIns="0" bIns="0" anchor="b">
-            <a:noAutofit/>
-          </a:bodyPr>
-          <a:lstStyle>
             <a:lvl1pPr algn="ctr">
+              <a:lnSpc>
+                <a:spcPct val="100000"/>
+              </a:lnSpc>
               <a:buNone/>
               <a:defRPr b="0" lang="en-US" sz="1400" spc="-1" strike="noStrike">
                 <a:solidFill>
@@ -8603,6 +8382,9 @@
           </a:lstStyle>
           <a:p>
             <a:pPr algn="ctr">
+              <a:lnSpc>
+                <a:spcPct val="100000"/>
+              </a:lnSpc>
               <a:buNone/>
             </a:pPr>
             <a:r>
@@ -8615,28 +8397,25 @@
               <a:t>&lt;footer&gt;</a:t>
             </a:r>
             <a:endParaRPr b="0" lang="en-US" sz="1400" spc="-1" strike="noStrike">
-              <a:solidFill>
-                <a:srgbClr val="ffffff"/>
-              </a:solidFill>
-              <a:latin typeface="Arial"/>
-            </a:endParaRPr>
-          </a:p>
-        </p:txBody>
-      </p:sp>
-      <p:sp>
-        <p:nvSpPr>
-          <p:cNvPr id="72" name="PlaceHolder 5"/>
-          <p:cNvSpPr>
-            <a:spLocks noGrp="1"/>
-          </p:cNvSpPr>
-          <p:nvPr>
-            <p:ph type="sldNum" idx="6"/>
+              <a:latin typeface="Times New Roman"/>
+            </a:endParaRPr>
+          </a:p>
+        </p:txBody>
+      </p:sp>
+      <p:sp>
+        <p:nvSpPr>
+          <p:cNvPr id="71" name="PlaceHolder 4"/>
+          <p:cNvSpPr>
+            <a:spLocks noGrp="1"/>
+          </p:cNvSpPr>
+          <p:nvPr>
+            <p:ph type="sldNum" idx="5"/>
           </p:nvPr>
         </p:nvSpPr>
         <p:spPr>
           <a:xfrm>
             <a:off x="7560000" y="5130000"/>
-            <a:ext cx="2340000" cy="392400"/>
+            <a:ext cx="2339640" cy="392040"/>
           </a:xfrm>
           <a:prstGeom prst="rect">
             <a:avLst/>
@@ -8652,6 +8431,9 @@
           </a:bodyPr>
           <a:lstStyle>
             <a:lvl1pPr algn="r">
+              <a:lnSpc>
+                <a:spcPct val="100000"/>
+              </a:lnSpc>
               <a:buNone/>
               <a:defRPr b="0" lang="en-US" sz="1400" spc="-1" strike="noStrike">
                 <a:solidFill>
@@ -8663,9 +8445,12 @@
           </a:lstStyle>
           <a:p>
             <a:pPr algn="r">
+              <a:lnSpc>
+                <a:spcPct val="100000"/>
+              </a:lnSpc>
               <a:buNone/>
             </a:pPr>
-            <a:fld id="{E526087B-4CA9-4004-A72E-E43DE3D3EF6E}" type="slidenum">
+            <a:fld id="{213597B8-FB96-4369-ABE9-EFDFA0A8A8C9}" type="slidenum">
               <a:rPr b="0" lang="en-US" sz="1400" spc="-1" strike="noStrike">
                 <a:solidFill>
                   <a:srgbClr val="ffffff"/>
@@ -8675,10 +8460,54 @@
               <a:t>&lt;number&gt;</a:t>
             </a:fld>
             <a:endParaRPr b="0" lang="en-US" sz="1400" spc="-1" strike="noStrike">
-              <a:solidFill>
-                <a:srgbClr val="ffffff"/>
-              </a:solidFill>
-              <a:latin typeface="Arial"/>
+              <a:latin typeface="Times New Roman"/>
+            </a:endParaRPr>
+          </a:p>
+        </p:txBody>
+      </p:sp>
+      <p:sp>
+        <p:nvSpPr>
+          <p:cNvPr id="72" name="PlaceHolder 5"/>
+          <p:cNvSpPr>
+            <a:spLocks noGrp="1"/>
+          </p:cNvSpPr>
+          <p:nvPr>
+            <p:ph type="dt" idx="6"/>
+          </p:nvPr>
+        </p:nvSpPr>
+        <p:spPr>
+          <a:xfrm>
+            <a:off x="180000" y="5130000"/>
+            <a:ext cx="2339640" cy="392040"/>
+          </a:xfrm>
+          <a:prstGeom prst="rect">
+            <a:avLst/>
+          </a:prstGeom>
+          <a:noFill/>
+          <a:ln w="0">
+            <a:noFill/>
+          </a:ln>
+        </p:spPr>
+        <p:txBody>
+          <a:bodyPr lIns="0" rIns="0" tIns="0" bIns="0" anchor="b">
+            <a:noAutofit/>
+          </a:bodyPr>
+          <a:lstStyle>
+            <a:lvl1pPr>
+              <a:defRPr b="0" lang="en-US" sz="1400" spc="-1" strike="noStrike">
+                <a:latin typeface="Times New Roman"/>
+              </a:defRPr>
+            </a:lvl1pPr>
+          </a:lstStyle>
+          <a:p>
+            <a:r>
+              <a:rPr b="0" lang="en-US" sz="1400" spc="-1" strike="noStrike">
+                <a:latin typeface="Times New Roman"/>
+              </a:rPr>
+              <a:t>&lt;date/time&gt;</a:t>
+            </a:r>
+            <a:endParaRPr b="0" lang="en-US" sz="1400" spc="-1" strike="noStrike">
+              <a:latin typeface="Times New Roman"/>
             </a:endParaRPr>
           </a:p>
         </p:txBody>
@@ -8729,7 +8558,7 @@
         <p:spPr>
           <a:xfrm>
             <a:off x="0" y="360"/>
-            <a:ext cx="10080000" cy="5669640"/>
+            <a:ext cx="10079640" cy="5669280"/>
           </a:xfrm>
           <a:prstGeom prst="rect">
             <a:avLst/>
@@ -8765,7 +8594,7 @@
         <p:spPr>
           <a:xfrm flipH="1">
             <a:off x="-2520" y="0"/>
-            <a:ext cx="10080360" cy="5670360"/>
+            <a:ext cx="10080000" cy="5670000"/>
           </a:xfrm>
           <a:prstGeom prst="rect">
             <a:avLst/>
@@ -8812,7 +8641,7 @@
         <p:spPr>
           <a:xfrm>
             <a:off x="0" y="1260360"/>
-            <a:ext cx="10260000" cy="4499640"/>
+            <a:ext cx="10259640" cy="4499280"/>
           </a:xfrm>
           <a:prstGeom prst="rect">
             <a:avLst/>
@@ -8834,27 +8663,39 @@
       <p:sp>
         <p:nvSpPr>
           <p:cNvPr id="112" name=""/>
-          <p:cNvSpPr txBox="1"/>
+          <p:cNvSpPr/>
           <p:nvPr/>
         </p:nvSpPr>
         <p:spPr>
           <a:xfrm>
             <a:off x="180360" y="5130360"/>
-            <a:ext cx="2340000" cy="392400"/>
-          </a:xfrm>
-          <a:prstGeom prst="rect">
-            <a:avLst/>
-          </a:prstGeom>
-          <a:noFill/>
-          <a:ln w="0">
-            <a:noFill/>
-          </a:ln>
-        </p:spPr>
+            <a:ext cx="2339640" cy="392040"/>
+          </a:xfrm>
+          <a:prstGeom prst="rect">
+            <a:avLst/>
+          </a:prstGeom>
+          <a:noFill/>
+          <a:ln w="0">
+            <a:noFill/>
+          </a:ln>
+        </p:spPr>
+        <p:style>
+          <a:lnRef idx="0"/>
+          <a:fillRef idx="0"/>
+          <a:effectRef idx="0"/>
+          <a:fontRef idx="minor"/>
+        </p:style>
         <p:txBody>
           <a:bodyPr lIns="0" rIns="0" tIns="0" bIns="0" anchor="b">
             <a:noAutofit/>
           </a:bodyPr>
           <a:p>
+            <a:pPr>
+              <a:lnSpc>
+                <a:spcPct val="100000"/>
+              </a:lnSpc>
+              <a:buNone/>
+            </a:pPr>
             <a:r>
               <a:rPr b="0" lang="en-US" sz="1400" spc="-1" strike="noStrike">
                 <a:latin typeface="Arial"/>
@@ -8870,31 +8711,40 @@
       <p:sp>
         <p:nvSpPr>
           <p:cNvPr id="113" name=""/>
-          <p:cNvSpPr txBox="1"/>
+          <p:cNvSpPr/>
           <p:nvPr/>
         </p:nvSpPr>
         <p:spPr>
           <a:xfrm>
             <a:off x="7560360" y="5130360"/>
-            <a:ext cx="2340000" cy="392400"/>
-          </a:xfrm>
-          <a:prstGeom prst="rect">
-            <a:avLst/>
-          </a:prstGeom>
-          <a:noFill/>
-          <a:ln w="0">
-            <a:noFill/>
-          </a:ln>
-        </p:spPr>
+            <a:ext cx="2339640" cy="392040"/>
+          </a:xfrm>
+          <a:prstGeom prst="rect">
+            <a:avLst/>
+          </a:prstGeom>
+          <a:noFill/>
+          <a:ln w="0">
+            <a:noFill/>
+          </a:ln>
+        </p:spPr>
+        <p:style>
+          <a:lnRef idx="0"/>
+          <a:fillRef idx="0"/>
+          <a:effectRef idx="0"/>
+          <a:fontRef idx="minor"/>
+        </p:style>
         <p:txBody>
           <a:bodyPr lIns="0" rIns="0" tIns="0" bIns="0" anchor="b">
             <a:noAutofit/>
           </a:bodyPr>
           <a:p>
             <a:pPr algn="r">
+              <a:lnSpc>
+                <a:spcPct val="100000"/>
+              </a:lnSpc>
               <a:buNone/>
             </a:pPr>
-            <a:fld id="{D3DEA572-3EFF-4146-84C0-9D53B4CA7FEB}" type="slidenum">
+            <a:fld id="{ABB297EC-FEB2-4D3E-8FC8-B7340BCCB456}" type="slidenum">
               <a:rPr b="0" lang="en-US" sz="1400" spc="-1" strike="noStrike">
                 <a:latin typeface="Arial"/>
               </a:rPr>
@@ -8915,7 +8765,7 @@
         <p:spPr>
           <a:xfrm>
             <a:off x="1440360" y="1080360"/>
-            <a:ext cx="1440000" cy="1260000"/>
+            <a:ext cx="1439640" cy="1259640"/>
           </a:xfrm>
           <a:prstGeom prst="ellipse">
             <a:avLst/>
@@ -8945,7 +8795,7 @@
         <p:spPr>
           <a:xfrm>
             <a:off x="7380360" y="3960360"/>
-            <a:ext cx="1440000" cy="1260000"/>
+            <a:ext cx="1439640" cy="1259640"/>
           </a:xfrm>
           <a:prstGeom prst="ellipse">
             <a:avLst/>
@@ -8975,7 +8825,7 @@
         <p:spPr>
           <a:xfrm>
             <a:off x="540360" y="1080360"/>
-            <a:ext cx="720000" cy="720000"/>
+            <a:ext cx="719640" cy="719640"/>
           </a:xfrm>
           <a:prstGeom prst="ellipse">
             <a:avLst/>
@@ -9005,7 +8855,7 @@
         <p:spPr>
           <a:xfrm>
             <a:off x="360" y="1260360"/>
-            <a:ext cx="720000" cy="720000"/>
+            <a:ext cx="719640" cy="719640"/>
           </a:xfrm>
           <a:prstGeom prst="ellipse">
             <a:avLst/>
@@ -9039,7 +8889,7 @@
         <p:spPr>
           <a:xfrm>
             <a:off x="540000" y="270000"/>
-            <a:ext cx="9000000" cy="990000"/>
+            <a:ext cx="8999640" cy="989640"/>
           </a:xfrm>
           <a:prstGeom prst="rect">
             <a:avLst/>
@@ -9054,22 +8904,13 @@
             <a:noAutofit/>
           </a:bodyPr>
           <a:p>
-            <a:pPr algn="ctr">
-              <a:buNone/>
-            </a:pPr>
             <a:r>
-              <a:rPr b="0" lang="en-US" sz="3300" spc="-1" strike="noStrike">
-                <a:solidFill>
-                  <a:srgbClr val="ffffff"/>
-                </a:solidFill>
+              <a:rPr b="0" lang="en-US" sz="1800" spc="-1" strike="noStrike">
                 <a:latin typeface="Arial"/>
               </a:rPr>
               <a:t>Click to edit the title text format</a:t>
             </a:r>
-            <a:endParaRPr b="0" lang="en-US" sz="3300" spc="-1" strike="noStrike">
-              <a:solidFill>
-                <a:srgbClr val="ffffff"/>
-              </a:solidFill>
+            <a:endParaRPr b="0" lang="en-US" sz="1800" spc="-1" strike="noStrike">
               <a:latin typeface="Arial"/>
             </a:endParaRPr>
           </a:p>
@@ -9082,196 +8923,13 @@
             <a:spLocks noGrp="1"/>
           </p:cNvSpPr>
           <p:nvPr>
-            <p:ph type="body"/>
-          </p:nvPr>
-        </p:nvSpPr>
-        <p:spPr>
-          <a:xfrm>
-            <a:off x="540000" y="1440000"/>
-            <a:ext cx="9000000" cy="3600000"/>
-          </a:xfrm>
-          <a:prstGeom prst="rect">
-            <a:avLst/>
-          </a:prstGeom>
-          <a:noFill/>
-          <a:ln w="0">
-            <a:noFill/>
-          </a:ln>
-        </p:spPr>
-        <p:txBody>
-          <a:bodyPr lIns="0" rIns="0" tIns="0" bIns="0" anchor="t">
-            <a:normAutofit/>
-          </a:bodyPr>
-          <a:p>
-            <a:pPr marL="432000" indent="-324000">
-              <a:spcAft>
-                <a:spcPts val="1060"/>
-              </a:spcAft>
-              <a:buClr>
-                <a:srgbClr val="000000"/>
-              </a:buClr>
-              <a:buSzPct val="45000"/>
-              <a:buFont typeface="Wingdings" charset="2"/>
-              <a:buChar char=""/>
-            </a:pPr>
-            <a:r>
-              <a:rPr b="0" lang="en-US" sz="2400" spc="-1" strike="noStrike">
-                <a:latin typeface="Arial"/>
-              </a:rPr>
-              <a:t>Click to edit the outline text format</a:t>
-            </a:r>
-            <a:endParaRPr b="0" lang="en-US" sz="2400" spc="-1" strike="noStrike">
-              <a:latin typeface="Arial"/>
-            </a:endParaRPr>
-          </a:p>
-          <a:p>
-            <a:pPr lvl="1" marL="864000" indent="-324000">
-              <a:spcAft>
-                <a:spcPts val="850"/>
-              </a:spcAft>
-              <a:buClr>
-                <a:srgbClr val="000000"/>
-              </a:buClr>
-              <a:buSzPct val="75000"/>
-              <a:buFont typeface="Symbol" charset="2"/>
-              <a:buChar char=""/>
-            </a:pPr>
-            <a:r>
-              <a:rPr b="0" lang="en-US" sz="2100" spc="-1" strike="noStrike">
-                <a:latin typeface="Arial"/>
-              </a:rPr>
-              <a:t>Second Outline Level</a:t>
-            </a:r>
-            <a:endParaRPr b="0" lang="en-US" sz="2100" spc="-1" strike="noStrike">
-              <a:latin typeface="Arial"/>
-            </a:endParaRPr>
-          </a:p>
-          <a:p>
-            <a:pPr lvl="2" marL="1296000" indent="-288000">
-              <a:spcAft>
-                <a:spcPts val="635"/>
-              </a:spcAft>
-              <a:buClr>
-                <a:srgbClr val="000000"/>
-              </a:buClr>
-              <a:buSzPct val="45000"/>
-              <a:buFont typeface="Wingdings" charset="2"/>
-              <a:buChar char=""/>
-            </a:pPr>
-            <a:r>
-              <a:rPr b="0" lang="en-US" sz="1800" spc="-1" strike="noStrike">
-                <a:latin typeface="Arial"/>
-              </a:rPr>
-              <a:t>Third Outline Level</a:t>
-            </a:r>
-            <a:endParaRPr b="0" lang="en-US" sz="1800" spc="-1" strike="noStrike">
-              <a:latin typeface="Arial"/>
-            </a:endParaRPr>
-          </a:p>
-          <a:p>
-            <a:pPr lvl="3" marL="1728000" indent="-216000">
-              <a:spcAft>
-                <a:spcPts val="425"/>
-              </a:spcAft>
-              <a:buClr>
-                <a:srgbClr val="000000"/>
-              </a:buClr>
-              <a:buSzPct val="75000"/>
-              <a:buFont typeface="Symbol" charset="2"/>
-              <a:buChar char=""/>
-            </a:pPr>
-            <a:r>
-              <a:rPr b="0" lang="en-US" sz="1500" spc="-1" strike="noStrike">
-                <a:latin typeface="Arial"/>
-              </a:rPr>
-              <a:t>Fourth Outline Level</a:t>
-            </a:r>
-            <a:endParaRPr b="0" lang="en-US" sz="1500" spc="-1" strike="noStrike">
-              <a:latin typeface="Arial"/>
-            </a:endParaRPr>
-          </a:p>
-          <a:p>
-            <a:pPr lvl="4" marL="2160000" indent="-216000">
-              <a:spcAft>
-                <a:spcPts val="213"/>
-              </a:spcAft>
-              <a:buClr>
-                <a:srgbClr val="000000"/>
-              </a:buClr>
-              <a:buSzPct val="45000"/>
-              <a:buFont typeface="Wingdings" charset="2"/>
-              <a:buChar char=""/>
-            </a:pPr>
-            <a:r>
-              <a:rPr b="0" lang="en-US" sz="1500" spc="-1" strike="noStrike">
-                <a:latin typeface="Arial"/>
-              </a:rPr>
-              <a:t>Fifth Outline Level</a:t>
-            </a:r>
-            <a:endParaRPr b="0" lang="en-US" sz="1500" spc="-1" strike="noStrike">
-              <a:latin typeface="Arial"/>
-            </a:endParaRPr>
-          </a:p>
-          <a:p>
-            <a:pPr lvl="5" marL="2592000" indent="-216000">
-              <a:spcAft>
-                <a:spcPts val="213"/>
-              </a:spcAft>
-              <a:buClr>
-                <a:srgbClr val="000000"/>
-              </a:buClr>
-              <a:buSzPct val="45000"/>
-              <a:buFont typeface="Wingdings" charset="2"/>
-              <a:buChar char=""/>
-            </a:pPr>
-            <a:r>
-              <a:rPr b="0" lang="en-US" sz="1500" spc="-1" strike="noStrike">
-                <a:latin typeface="Arial"/>
-              </a:rPr>
-              <a:t>Sixth Outline Level</a:t>
-            </a:r>
-            <a:endParaRPr b="0" lang="en-US" sz="1500" spc="-1" strike="noStrike">
-              <a:latin typeface="Arial"/>
-            </a:endParaRPr>
-          </a:p>
-          <a:p>
-            <a:pPr lvl="6" marL="3024000" indent="-216000">
-              <a:spcAft>
-                <a:spcPts val="213"/>
-              </a:spcAft>
-              <a:buClr>
-                <a:srgbClr val="000000"/>
-              </a:buClr>
-              <a:buSzPct val="45000"/>
-              <a:buFont typeface="Wingdings" charset="2"/>
-              <a:buChar char=""/>
-            </a:pPr>
-            <a:r>
-              <a:rPr b="0" lang="en-US" sz="1500" spc="-1" strike="noStrike">
-                <a:latin typeface="Arial"/>
-              </a:rPr>
-              <a:t>Seventh Outline Level</a:t>
-            </a:r>
-            <a:endParaRPr b="0" lang="en-US" sz="1500" spc="-1" strike="noStrike">
-              <a:latin typeface="Arial"/>
-            </a:endParaRPr>
-          </a:p>
-        </p:txBody>
-      </p:sp>
-      <p:sp>
-        <p:nvSpPr>
-          <p:cNvPr id="120" name="PlaceHolder 3"/>
-          <p:cNvSpPr>
-            <a:spLocks noGrp="1"/>
-          </p:cNvSpPr>
-          <p:nvPr>
-            <p:ph type="dt" idx="7"/>
-          </p:nvPr>
-        </p:nvSpPr>
-        <p:spPr>
-          <a:xfrm>
-            <a:off x="180000" y="5130000"/>
-            <a:ext cx="2340000" cy="392400"/>
+            <p:ph type="ftr" idx="7"/>
+          </p:nvPr>
+        </p:nvSpPr>
+        <p:spPr>
+          <a:xfrm>
+            <a:off x="3420000" y="5130000"/>
+            <a:ext cx="3239640" cy="392040"/>
           </a:xfrm>
           <a:prstGeom prst="rect">
             <a:avLst/>
@@ -9286,54 +8944,10 @@
             <a:noAutofit/>
           </a:bodyPr>
           <a:lstStyle>
-            <a:lvl1pPr>
-              <a:defRPr b="0" lang="en-US" sz="1400" spc="-1" strike="noStrike">
-                <a:latin typeface="Arial"/>
-              </a:defRPr>
-            </a:lvl1pPr>
-          </a:lstStyle>
-          <a:p>
-            <a:r>
-              <a:rPr b="0" lang="en-US" sz="1400" spc="-1" strike="noStrike">
-                <a:latin typeface="Arial"/>
-              </a:rPr>
-              <a:t>&lt;date/time&gt;</a:t>
-            </a:r>
-            <a:endParaRPr b="0" lang="en-US" sz="1400" spc="-1" strike="noStrike">
-              <a:latin typeface="Arial"/>
-            </a:endParaRPr>
-          </a:p>
-        </p:txBody>
-      </p:sp>
-      <p:sp>
-        <p:nvSpPr>
-          <p:cNvPr id="121" name="PlaceHolder 4"/>
-          <p:cNvSpPr>
-            <a:spLocks noGrp="1"/>
-          </p:cNvSpPr>
-          <p:nvPr>
-            <p:ph type="ftr" idx="8"/>
-          </p:nvPr>
-        </p:nvSpPr>
-        <p:spPr>
-          <a:xfrm>
-            <a:off x="3420000" y="5130000"/>
-            <a:ext cx="3240000" cy="392400"/>
-          </a:xfrm>
-          <a:prstGeom prst="rect">
-            <a:avLst/>
-          </a:prstGeom>
-          <a:noFill/>
-          <a:ln w="0">
-            <a:noFill/>
-          </a:ln>
-        </p:spPr>
-        <p:txBody>
-          <a:bodyPr lIns="0" rIns="0" tIns="0" bIns="0" anchor="b">
-            <a:noAutofit/>
-          </a:bodyPr>
-          <a:lstStyle>
             <a:lvl1pPr algn="ctr">
+              <a:lnSpc>
+                <a:spcPct val="100000"/>
+              </a:lnSpc>
               <a:buNone/>
               <a:defRPr b="0" lang="en-US" sz="1400" spc="-1" strike="noStrike">
                 <a:latin typeface="Arial"/>
@@ -9342,6 +8956,9 @@
           </a:lstStyle>
           <a:p>
             <a:pPr algn="ctr">
+              <a:lnSpc>
+                <a:spcPct val="100000"/>
+              </a:lnSpc>
               <a:buNone/>
             </a:pPr>
             <a:r>
@@ -9351,25 +8968,25 @@
               <a:t>&lt;footer&gt;</a:t>
             </a:r>
             <a:endParaRPr b="0" lang="en-US" sz="1400" spc="-1" strike="noStrike">
-              <a:latin typeface="Arial"/>
-            </a:endParaRPr>
-          </a:p>
-        </p:txBody>
-      </p:sp>
-      <p:sp>
-        <p:nvSpPr>
-          <p:cNvPr id="122" name="PlaceHolder 5"/>
-          <p:cNvSpPr>
-            <a:spLocks noGrp="1"/>
-          </p:cNvSpPr>
-          <p:nvPr>
-            <p:ph type="sldNum" idx="9"/>
+              <a:latin typeface="Times New Roman"/>
+            </a:endParaRPr>
+          </a:p>
+        </p:txBody>
+      </p:sp>
+      <p:sp>
+        <p:nvSpPr>
+          <p:cNvPr id="120" name="PlaceHolder 3"/>
+          <p:cNvSpPr>
+            <a:spLocks noGrp="1"/>
+          </p:cNvSpPr>
+          <p:nvPr>
+            <p:ph type="sldNum" idx="8"/>
           </p:nvPr>
         </p:nvSpPr>
         <p:spPr>
           <a:xfrm>
             <a:off x="7560000" y="5130000"/>
-            <a:ext cx="2340000" cy="392400"/>
+            <a:ext cx="2339640" cy="392040"/>
           </a:xfrm>
           <a:prstGeom prst="rect">
             <a:avLst/>
@@ -9385,6 +9002,9 @@
           </a:bodyPr>
           <a:lstStyle>
             <a:lvl1pPr algn="r">
+              <a:lnSpc>
+                <a:spcPct val="100000"/>
+              </a:lnSpc>
               <a:buNone/>
               <a:defRPr b="0" lang="en-US" sz="1400" spc="-1" strike="noStrike">
                 <a:latin typeface="Arial"/>
@@ -9393,16 +9013,66 @@
           </a:lstStyle>
           <a:p>
             <a:pPr algn="r">
+              <a:lnSpc>
+                <a:spcPct val="100000"/>
+              </a:lnSpc>
               <a:buNone/>
             </a:pPr>
-            <a:fld id="{C841B8B4-71BC-4EC8-8096-07EC32175D81}" type="slidenum">
+            <a:fld id="{51C8FDAD-6149-4AAB-AB1A-583852BF2417}" type="slidenum">
               <a:rPr b="0" lang="en-US" sz="1400" spc="-1" strike="noStrike">
                 <a:latin typeface="Arial"/>
               </a:rPr>
               <a:t>&lt;number&gt;</a:t>
             </a:fld>
             <a:endParaRPr b="0" lang="en-US" sz="1400" spc="-1" strike="noStrike">
-              <a:latin typeface="Arial"/>
+              <a:latin typeface="Times New Roman"/>
+            </a:endParaRPr>
+          </a:p>
+        </p:txBody>
+      </p:sp>
+      <p:sp>
+        <p:nvSpPr>
+          <p:cNvPr id="121" name="PlaceHolder 4"/>
+          <p:cNvSpPr>
+            <a:spLocks noGrp="1"/>
+          </p:cNvSpPr>
+          <p:nvPr>
+            <p:ph type="dt" idx="9"/>
+          </p:nvPr>
+        </p:nvSpPr>
+        <p:spPr>
+          <a:xfrm>
+            <a:off x="180000" y="5130000"/>
+            <a:ext cx="2339640" cy="392040"/>
+          </a:xfrm>
+          <a:prstGeom prst="rect">
+            <a:avLst/>
+          </a:prstGeom>
+          <a:noFill/>
+          <a:ln w="0">
+            <a:noFill/>
+          </a:ln>
+        </p:spPr>
+        <p:txBody>
+          <a:bodyPr lIns="0" rIns="0" tIns="0" bIns="0" anchor="b">
+            <a:noAutofit/>
+          </a:bodyPr>
+          <a:lstStyle>
+            <a:lvl1pPr>
+              <a:defRPr b="0" lang="en-US" sz="1400" spc="-1" strike="noStrike">
+                <a:latin typeface="Times New Roman"/>
+              </a:defRPr>
+            </a:lvl1pPr>
+          </a:lstStyle>
+          <a:p>
+            <a:r>
+              <a:rPr b="0" lang="en-US" sz="1400" spc="-1" strike="noStrike">
+                <a:latin typeface="Times New Roman"/>
+              </a:rPr>
+              <a:t>&lt;date/time&gt;</a:t>
+            </a:r>
+            <a:endParaRPr b="0" lang="en-US" sz="1400" spc="-1" strike="noStrike">
+              <a:latin typeface="Times New Roman"/>
             </a:endParaRPr>
           </a:p>
         </p:txBody>
@@ -9446,250 +9116,29 @@
       </p:grpSpPr>
       <p:sp>
         <p:nvSpPr>
-          <p:cNvPr id="159" name=""/>
-          <p:cNvSpPr txBox="1"/>
+          <p:cNvPr id="158" name=""/>
+          <p:cNvSpPr/>
           <p:nvPr/>
         </p:nvSpPr>
         <p:spPr>
           <a:xfrm>
             <a:off x="540000" y="1440000"/>
-            <a:ext cx="9000000" cy="4590360"/>
-          </a:xfrm>
-          <a:prstGeom prst="rect">
-            <a:avLst/>
-          </a:prstGeom>
-          <a:noFill/>
-          <a:ln w="0">
-            <a:noFill/>
-          </a:ln>
-        </p:spPr>
-        <p:txBody>
-          <a:bodyPr lIns="0" rIns="0" tIns="0" bIns="0" anchor="ctr">
-            <a:noAutofit/>
-          </a:bodyPr>
-          <a:p>
-            <a:pPr algn="ctr">
-              <a:buNone/>
-            </a:pPr>
-            <a:endParaRPr b="0" lang="en-US" sz="3200" spc="-1" strike="noStrike">
-              <a:solidFill>
-                <a:srgbClr val="ffffff"/>
-              </a:solidFill>
-              <a:latin typeface="Arial"/>
-            </a:endParaRPr>
-          </a:p>
-        </p:txBody>
-      </p:sp>
-    </p:spTree>
-  </p:cSld>
-  <mc:AlternateContent>
-    <mc:Choice Requires="p14">
-      <p:transition spd="slow" p14:dur="2000"/>
-    </mc:Choice>
-    <mc:Fallback>
-      <p:transition spd="slow"/>
-    </mc:Fallback>
-  </mc:AlternateContent>
-</p:sld>
-</file>
-
-<file path=ppt/slides/slide2.xml><?xml version="1.0" encoding="utf-8"?>
-<p:sld xmlns:a="http://schemas.openxmlformats.org/drawingml/2006/main" xmlns:p="http://schemas.openxmlformats.org/presentationml/2006/main" xmlns:r="http://schemas.openxmlformats.org/officeDocument/2006/relationships" xmlns:p14="http://schemas.microsoft.com/office/powerpoint/2010/main" xmlns:p15="http://schemas.microsoft.com/office/powerpoint/2012/main" xmlns:mc="http://schemas.openxmlformats.org/markup-compatibility/2006">
-  <p:cSld>
-    <p:spTree>
-      <p:nvGrpSpPr>
-        <p:cNvPr id="1" name=""/>
-        <p:cNvGrpSpPr/>
-        <p:nvPr/>
-      </p:nvGrpSpPr>
-      <p:grpSpPr>
-        <a:xfrm>
-          <a:off x="0" y="0"/>
-          <a:ext cx="0" cy="0"/>
-          <a:chOff x="0" y="0"/>
-          <a:chExt cx="0" cy="0"/>
-        </a:xfrm>
-      </p:grpSpPr>
-      <p:sp>
-        <p:nvSpPr>
-          <p:cNvPr id="160" name="PlaceHolder 1"/>
-          <p:cNvSpPr>
-            <a:spLocks noGrp="1"/>
-          </p:cNvSpPr>
-          <p:nvPr>
-            <p:ph type="title"/>
-          </p:nvPr>
-        </p:nvSpPr>
-        <p:spPr>
-          <a:xfrm>
-            <a:off x="540000" y="270000"/>
-            <a:ext cx="9000000" cy="990000"/>
-          </a:xfrm>
-          <a:prstGeom prst="rect">
-            <a:avLst/>
-          </a:prstGeom>
-          <a:noFill/>
-          <a:ln w="0">
-            <a:noFill/>
-          </a:ln>
-        </p:spPr>
-        <p:txBody>
-          <a:bodyPr lIns="0" rIns="0" tIns="0" bIns="0" anchor="ctr">
-            <a:noAutofit/>
-          </a:bodyPr>
-          <a:p>
-            <a:pPr algn="ctr">
-              <a:buNone/>
-            </a:pPr>
-            <a:endParaRPr b="0" lang="en-US" sz="3300" spc="-1" strike="noStrike">
-              <a:solidFill>
-                <a:srgbClr val="ffffff"/>
-              </a:solidFill>
-              <a:latin typeface="Arial"/>
-            </a:endParaRPr>
-          </a:p>
-        </p:txBody>
-      </p:sp>
-      <p:sp>
-        <p:nvSpPr>
-          <p:cNvPr id="161" name="PlaceHolder 2"/>
-          <p:cNvSpPr>
-            <a:spLocks noGrp="1"/>
-          </p:cNvSpPr>
-          <p:nvPr>
-            <p:ph/>
-          </p:nvPr>
-        </p:nvSpPr>
-        <p:spPr>
-          <a:xfrm>
-            <a:off x="540000" y="1440000"/>
-            <a:ext cx="9000000" cy="3600000"/>
-          </a:xfrm>
-          <a:prstGeom prst="rect">
-            <a:avLst/>
-          </a:prstGeom>
-          <a:noFill/>
-          <a:ln w="0">
-            <a:noFill/>
-          </a:ln>
-        </p:spPr>
-        <p:txBody>
-          <a:bodyPr lIns="0" rIns="0" tIns="0" bIns="0" anchor="t">
-            <a:normAutofit/>
-          </a:bodyPr>
-          <a:p>
-            <a:endParaRPr b="0" lang="en-US" sz="2400" spc="-1" strike="noStrike">
-              <a:latin typeface="Arial"/>
-            </a:endParaRPr>
-          </a:p>
-        </p:txBody>
-      </p:sp>
-    </p:spTree>
-  </p:cSld>
-  <mc:AlternateContent>
-    <mc:Choice Requires="p14">
-      <p:transition spd="slow" p14:dur="2000"/>
-    </mc:Choice>
-    <mc:Fallback>
-      <p:transition spd="slow"/>
-    </mc:Fallback>
-  </mc:AlternateContent>
-</p:sld>
-</file>
-
-<file path=ppt/slides/slide3.xml><?xml version="1.0" encoding="utf-8"?>
-<p:sld xmlns:a="http://schemas.openxmlformats.org/drawingml/2006/main" xmlns:p="http://schemas.openxmlformats.org/presentationml/2006/main" xmlns:r="http://schemas.openxmlformats.org/officeDocument/2006/relationships" xmlns:p14="http://schemas.microsoft.com/office/powerpoint/2010/main" xmlns:p15="http://schemas.microsoft.com/office/powerpoint/2012/main" xmlns:mc="http://schemas.openxmlformats.org/markup-compatibility/2006">
-  <p:cSld>
-    <p:spTree>
-      <p:nvGrpSpPr>
-        <p:cNvPr id="1" name=""/>
-        <p:cNvGrpSpPr/>
-        <p:nvPr/>
-      </p:nvGrpSpPr>
-      <p:grpSpPr>
-        <a:xfrm>
-          <a:off x="0" y="0"/>
-          <a:ext cx="0" cy="0"/>
-          <a:chOff x="0" y="0"/>
-          <a:chExt cx="0" cy="0"/>
-        </a:xfrm>
-      </p:grpSpPr>
-      <p:sp>
-        <p:nvSpPr>
-          <p:cNvPr id="162" name="PlaceHolder 1"/>
-          <p:cNvSpPr>
-            <a:spLocks noGrp="1"/>
-          </p:cNvSpPr>
-          <p:nvPr>
-            <p:ph type="title"/>
-          </p:nvPr>
-        </p:nvSpPr>
-        <p:spPr>
-          <a:xfrm>
-            <a:off x="540000" y="270000"/>
-            <a:ext cx="9000000" cy="990000"/>
-          </a:xfrm>
-          <a:prstGeom prst="rect">
-            <a:avLst/>
-          </a:prstGeom>
-          <a:noFill/>
-          <a:ln w="0">
-            <a:noFill/>
-          </a:ln>
-        </p:spPr>
-        <p:txBody>
-          <a:bodyPr lIns="0" rIns="0" tIns="0" bIns="0" anchor="ctr">
-            <a:noAutofit/>
-          </a:bodyPr>
-          <a:p>
-            <a:pPr algn="ctr">
-              <a:buNone/>
-            </a:pPr>
-            <a:endParaRPr b="0" lang="en-US" sz="3300" spc="-1" strike="noStrike">
-              <a:solidFill>
-                <a:srgbClr val="ffffff"/>
-              </a:solidFill>
-              <a:latin typeface="Arial"/>
-            </a:endParaRPr>
-          </a:p>
-        </p:txBody>
-      </p:sp>
-      <p:sp>
-        <p:nvSpPr>
-          <p:cNvPr id="163" name="PlaceHolder 2"/>
-          <p:cNvSpPr>
-            <a:spLocks noGrp="1"/>
-          </p:cNvSpPr>
-          <p:nvPr>
-            <p:ph type="subTitle"/>
-          </p:nvPr>
-        </p:nvSpPr>
-        <p:spPr>
-          <a:xfrm>
-            <a:off x="540000" y="1440000"/>
-            <a:ext cx="9000000" cy="3600000"/>
-          </a:xfrm>
-          <a:prstGeom prst="rect">
-            <a:avLst/>
-          </a:prstGeom>
-          <a:noFill/>
-          <a:ln w="0">
-            <a:noFill/>
-          </a:ln>
-        </p:spPr>
-        <p:txBody>
-          <a:bodyPr lIns="0" rIns="0" tIns="0" bIns="0" anchor="ctr">
-            <a:noAutofit/>
-          </a:bodyPr>
-          <a:p>
-            <a:pPr algn="ctr">
-              <a:buNone/>
-            </a:pPr>
-            <a:endParaRPr b="0" lang="en-US" sz="3200" spc="-1" strike="noStrike">
-              <a:latin typeface="Arial"/>
-            </a:endParaRPr>
-          </a:p>
-        </p:txBody>
+            <a:ext cx="8999640" cy="4590000"/>
+          </a:xfrm>
+          <a:prstGeom prst="rect">
+            <a:avLst/>
+          </a:prstGeom>
+          <a:noFill/>
+          <a:ln w="0">
+            <a:noFill/>
+          </a:ln>
+        </p:spPr>
+        <p:style>
+          <a:lnRef idx="0"/>
+          <a:fillRef idx="0"/>
+          <a:effectRef idx="0"/>
+          <a:fontRef idx="minor"/>
+        </p:style>
       </p:sp>
     </p:spTree>
   </p:cSld>
